--- a/erettsegizzunk.pptx
+++ b/erettsegizzunk.pptx
@@ -12,6 +12,7 @@
     <p:sldId id="258" r:id="rId6"/>
     <p:sldId id="262" r:id="rId7"/>
     <p:sldId id="259" r:id="rId8"/>
+    <p:sldId id="263" r:id="rId9"/>
   </p:sldIdLst>
   <p:sldSz cx="12192000" cy="6858000"/>
   <p:notesSz cx="6858000" cy="9144000"/>
@@ -265,7 +266,7 @@
           <a:p>
             <a:fld id="{4C7B857E-0E47-4F46-9551-FC2A48AEF6DC}" type="datetimeFigureOut">
               <a:rPr lang="hu-HU" smtClean="0"/>
-              <a:t>2024. 11. 12.</a:t>
+              <a:t>2024. 11. 17.</a:t>
             </a:fld>
             <a:endParaRPr lang="hu-HU"/>
           </a:p>
@@ -463,7 +464,7 @@
           <a:p>
             <a:fld id="{4C7B857E-0E47-4F46-9551-FC2A48AEF6DC}" type="datetimeFigureOut">
               <a:rPr lang="hu-HU" smtClean="0"/>
-              <a:t>2024. 11. 12.</a:t>
+              <a:t>2024. 11. 17.</a:t>
             </a:fld>
             <a:endParaRPr lang="hu-HU"/>
           </a:p>
@@ -671,7 +672,7 @@
           <a:p>
             <a:fld id="{4C7B857E-0E47-4F46-9551-FC2A48AEF6DC}" type="datetimeFigureOut">
               <a:rPr lang="hu-HU" smtClean="0"/>
-              <a:t>2024. 11. 12.</a:t>
+              <a:t>2024. 11. 17.</a:t>
             </a:fld>
             <a:endParaRPr lang="hu-HU"/>
           </a:p>
@@ -869,7 +870,7 @@
           <a:p>
             <a:fld id="{4C7B857E-0E47-4F46-9551-FC2A48AEF6DC}" type="datetimeFigureOut">
               <a:rPr lang="hu-HU" smtClean="0"/>
-              <a:t>2024. 11. 12.</a:t>
+              <a:t>2024. 11. 17.</a:t>
             </a:fld>
             <a:endParaRPr lang="hu-HU"/>
           </a:p>
@@ -1144,7 +1145,7 @@
           <a:p>
             <a:fld id="{4C7B857E-0E47-4F46-9551-FC2A48AEF6DC}" type="datetimeFigureOut">
               <a:rPr lang="hu-HU" smtClean="0"/>
-              <a:t>2024. 11. 12.</a:t>
+              <a:t>2024. 11. 17.</a:t>
             </a:fld>
             <a:endParaRPr lang="hu-HU"/>
           </a:p>
@@ -1409,7 +1410,7 @@
           <a:p>
             <a:fld id="{4C7B857E-0E47-4F46-9551-FC2A48AEF6DC}" type="datetimeFigureOut">
               <a:rPr lang="hu-HU" smtClean="0"/>
-              <a:t>2024. 11. 12.</a:t>
+              <a:t>2024. 11. 17.</a:t>
             </a:fld>
             <a:endParaRPr lang="hu-HU"/>
           </a:p>
@@ -1821,7 +1822,7 @@
           <a:p>
             <a:fld id="{4C7B857E-0E47-4F46-9551-FC2A48AEF6DC}" type="datetimeFigureOut">
               <a:rPr lang="hu-HU" smtClean="0"/>
-              <a:t>2024. 11. 12.</a:t>
+              <a:t>2024. 11. 17.</a:t>
             </a:fld>
             <a:endParaRPr lang="hu-HU"/>
           </a:p>
@@ -1962,7 +1963,7 @@
           <a:p>
             <a:fld id="{4C7B857E-0E47-4F46-9551-FC2A48AEF6DC}" type="datetimeFigureOut">
               <a:rPr lang="hu-HU" smtClean="0"/>
-              <a:t>2024. 11. 12.</a:t>
+              <a:t>2024. 11. 17.</a:t>
             </a:fld>
             <a:endParaRPr lang="hu-HU"/>
           </a:p>
@@ -2075,7 +2076,7 @@
           <a:p>
             <a:fld id="{4C7B857E-0E47-4F46-9551-FC2A48AEF6DC}" type="datetimeFigureOut">
               <a:rPr lang="hu-HU" smtClean="0"/>
-              <a:t>2024. 11. 12.</a:t>
+              <a:t>2024. 11. 17.</a:t>
             </a:fld>
             <a:endParaRPr lang="hu-HU"/>
           </a:p>
@@ -2386,7 +2387,7 @@
           <a:p>
             <a:fld id="{4C7B857E-0E47-4F46-9551-FC2A48AEF6DC}" type="datetimeFigureOut">
               <a:rPr lang="hu-HU" smtClean="0"/>
-              <a:t>2024. 11. 12.</a:t>
+              <a:t>2024. 11. 17.</a:t>
             </a:fld>
             <a:endParaRPr lang="hu-HU"/>
           </a:p>
@@ -2674,7 +2675,7 @@
           <a:p>
             <a:fld id="{4C7B857E-0E47-4F46-9551-FC2A48AEF6DC}" type="datetimeFigureOut">
               <a:rPr lang="hu-HU" smtClean="0"/>
-              <a:t>2024. 11. 12.</a:t>
+              <a:t>2024. 11. 17.</a:t>
             </a:fld>
             <a:endParaRPr lang="hu-HU"/>
           </a:p>
@@ -2915,7 +2916,7 @@
           <a:p>
             <a:fld id="{4C7B857E-0E47-4F46-9551-FC2A48AEF6DC}" type="datetimeFigureOut">
               <a:rPr lang="hu-HU" smtClean="0"/>
-              <a:t>2024. 11. 12.</a:t>
+              <a:t>2024. 11. 17.</a:t>
             </a:fld>
             <a:endParaRPr lang="hu-HU"/>
           </a:p>
@@ -3683,12 +3684,15 @@
                   <a:srgbClr val="000000"/>
                 </a:solidFill>
                 <a:effectLst/>
-                <a:latin typeface="Arial" panose="020B0604020202020204" pitchFamily="34" charset="0"/>
+                <a:latin typeface="Times New Roman" panose="02020603050405020304" pitchFamily="18" charset="0"/>
+                <a:cs typeface="Times New Roman" panose="02020603050405020304" pitchFamily="18" charset="0"/>
               </a:rPr>
               <a:t>Elsődleges funkciók:</a:t>
             </a:r>
             <a:endParaRPr lang="hu-HU" sz="4800" dirty="0">
               <a:effectLst/>
+              <a:latin typeface="Times New Roman" panose="02020603050405020304" pitchFamily="18" charset="0"/>
+              <a:cs typeface="Times New Roman" panose="02020603050405020304" pitchFamily="18" charset="0"/>
             </a:endParaRPr>
           </a:p>
           <a:p>
@@ -3698,7 +3702,8 @@
                 <a:solidFill>
                   <a:srgbClr val="000000"/>
                 </a:solidFill>
-                <a:latin typeface="Arial" panose="020B0604020202020204" pitchFamily="34" charset="0"/>
+                <a:latin typeface="Times New Roman" panose="02020603050405020304" pitchFamily="18" charset="0"/>
+                <a:cs typeface="Times New Roman" panose="02020603050405020304" pitchFamily="18" charset="0"/>
               </a:rPr>
               <a:t>Főmenü</a:t>
             </a:r>
@@ -3710,7 +3715,8 @@
                 <a:solidFill>
                   <a:srgbClr val="000000"/>
                 </a:solidFill>
-                <a:latin typeface="Arial" panose="020B0604020202020204" pitchFamily="34" charset="0"/>
+                <a:latin typeface="Times New Roman" panose="02020603050405020304" pitchFamily="18" charset="0"/>
+                <a:cs typeface="Times New Roman" panose="02020603050405020304" pitchFamily="18" charset="0"/>
               </a:rPr>
               <a:t>F</a:t>
             </a:r>
@@ -3720,7 +3726,8 @@
                   <a:srgbClr val="000000"/>
                 </a:solidFill>
                 <a:effectLst/>
-                <a:latin typeface="Arial" panose="020B0604020202020204" pitchFamily="34" charset="0"/>
+                <a:latin typeface="Times New Roman" panose="02020603050405020304" pitchFamily="18" charset="0"/>
+                <a:cs typeface="Times New Roman" panose="02020603050405020304" pitchFamily="18" charset="0"/>
               </a:rPr>
               <a:t>elhasználási útmutató</a:t>
             </a:r>
@@ -3732,7 +3739,8 @@
                 <a:solidFill>
                   <a:srgbClr val="000000"/>
                 </a:solidFill>
-                <a:latin typeface="Arial" panose="020B0604020202020204" pitchFamily="34" charset="0"/>
+                <a:latin typeface="Times New Roman" panose="02020603050405020304" pitchFamily="18" charset="0"/>
+                <a:cs typeface="Times New Roman" panose="02020603050405020304" pitchFamily="18" charset="0"/>
               </a:rPr>
               <a:t>Q</a:t>
             </a:r>
@@ -3742,7 +3750,8 @@
                   <a:srgbClr val="000000"/>
                 </a:solidFill>
                 <a:effectLst/>
-                <a:latin typeface="Arial" panose="020B0604020202020204" pitchFamily="34" charset="0"/>
+                <a:latin typeface="Times New Roman" panose="02020603050405020304" pitchFamily="18" charset="0"/>
+                <a:cs typeface="Times New Roman" panose="02020603050405020304" pitchFamily="18" charset="0"/>
               </a:rPr>
               <a:t>uiz</a:t>
             </a:r>
@@ -3752,7 +3761,8 @@
                   <a:srgbClr val="000000"/>
                 </a:solidFill>
                 <a:effectLst/>
-                <a:latin typeface="Arial" panose="020B0604020202020204" pitchFamily="34" charset="0"/>
+                <a:latin typeface="Times New Roman" panose="02020603050405020304" pitchFamily="18" charset="0"/>
+                <a:cs typeface="Times New Roman" panose="02020603050405020304" pitchFamily="18" charset="0"/>
               </a:rPr>
               <a:t> interfész</a:t>
             </a:r>
@@ -3764,7 +3774,8 @@
                 <a:solidFill>
                   <a:srgbClr val="000000"/>
                 </a:solidFill>
-                <a:latin typeface="Arial" panose="020B0604020202020204" pitchFamily="34" charset="0"/>
+                <a:latin typeface="Times New Roman" panose="02020603050405020304" pitchFamily="18" charset="0"/>
+                <a:cs typeface="Times New Roman" panose="02020603050405020304" pitchFamily="18" charset="0"/>
               </a:rPr>
               <a:t>F</a:t>
             </a:r>
@@ -3774,7 +3785,8 @@
                   <a:srgbClr val="000000"/>
                 </a:solidFill>
                 <a:effectLst/>
-                <a:latin typeface="Arial" panose="020B0604020202020204" pitchFamily="34" charset="0"/>
+                <a:latin typeface="Times New Roman" panose="02020603050405020304" pitchFamily="18" charset="0"/>
+                <a:cs typeface="Times New Roman" panose="02020603050405020304" pitchFamily="18" charset="0"/>
               </a:rPr>
               <a:t>eladatok listázása, </a:t>
             </a:r>
@@ -3784,7 +3796,8 @@
                   <a:srgbClr val="000000"/>
                 </a:solidFill>
                 <a:effectLst/>
-                <a:latin typeface="Arial" panose="020B0604020202020204" pitchFamily="34" charset="0"/>
+                <a:latin typeface="Times New Roman" panose="02020603050405020304" pitchFamily="18" charset="0"/>
+                <a:cs typeface="Times New Roman" panose="02020603050405020304" pitchFamily="18" charset="0"/>
               </a:rPr>
               <a:t>review</a:t>
             </a:r>
@@ -3793,7 +3806,8 @@
                 <a:srgbClr val="000000"/>
               </a:solidFill>
               <a:effectLst/>
-              <a:latin typeface="Arial" panose="020B0604020202020204" pitchFamily="34" charset="0"/>
+              <a:latin typeface="Times New Roman" panose="02020603050405020304" pitchFamily="18" charset="0"/>
+              <a:cs typeface="Times New Roman" panose="02020603050405020304" pitchFamily="18" charset="0"/>
             </a:endParaRPr>
           </a:p>
           <a:p>
@@ -3803,7 +3817,8 @@
                 <a:solidFill>
                   <a:srgbClr val="000000"/>
                 </a:solidFill>
-                <a:latin typeface="Arial" panose="020B0604020202020204" pitchFamily="34" charset="0"/>
+                <a:latin typeface="Times New Roman" panose="02020603050405020304" pitchFamily="18" charset="0"/>
+                <a:cs typeface="Times New Roman" panose="02020603050405020304" pitchFamily="18" charset="0"/>
               </a:rPr>
               <a:t>F</a:t>
             </a:r>
@@ -3813,7 +3828,8 @@
                   <a:srgbClr val="000000"/>
                 </a:solidFill>
                 <a:effectLst/>
-                <a:latin typeface="Arial" panose="020B0604020202020204" pitchFamily="34" charset="0"/>
+                <a:latin typeface="Times New Roman" panose="02020603050405020304" pitchFamily="18" charset="0"/>
+                <a:cs typeface="Times New Roman" panose="02020603050405020304" pitchFamily="18" charset="0"/>
               </a:rPr>
               <a:t>eladatok </a:t>
             </a:r>
@@ -3823,7 +3839,8 @@
                   <a:srgbClr val="000000"/>
                 </a:solidFill>
                 <a:effectLst/>
-                <a:latin typeface="Arial" panose="020B0604020202020204" pitchFamily="34" charset="0"/>
+                <a:latin typeface="Times New Roman" panose="02020603050405020304" pitchFamily="18" charset="0"/>
+                <a:cs typeface="Times New Roman" panose="02020603050405020304" pitchFamily="18" charset="0"/>
               </a:rPr>
               <a:t>randomolása</a:t>
             </a:r>
@@ -3832,7 +3849,8 @@
                 <a:srgbClr val="000000"/>
               </a:solidFill>
               <a:effectLst/>
-              <a:latin typeface="Arial" panose="020B0604020202020204" pitchFamily="34" charset="0"/>
+              <a:latin typeface="Times New Roman" panose="02020603050405020304" pitchFamily="18" charset="0"/>
+              <a:cs typeface="Times New Roman" panose="02020603050405020304" pitchFamily="18" charset="0"/>
             </a:endParaRPr>
           </a:p>
         </p:txBody>
@@ -3872,11 +3890,15 @@
                   <a:srgbClr val="000000"/>
                 </a:solidFill>
                 <a:effectLst/>
-                <a:latin typeface="Arial" panose="020B0604020202020204" pitchFamily="34" charset="0"/>
+                <a:latin typeface="Times New Roman" panose="02020603050405020304" pitchFamily="18" charset="0"/>
+                <a:cs typeface="Times New Roman" panose="02020603050405020304" pitchFamily="18" charset="0"/>
               </a:rPr>
               <a:t>Extrák:</a:t>
             </a:r>
-            <a:endParaRPr lang="hu-HU" sz="3600" dirty="0"/>
+            <a:endParaRPr lang="hu-HU" sz="3600" dirty="0">
+              <a:latin typeface="Times New Roman" panose="02020603050405020304" pitchFamily="18" charset="0"/>
+              <a:cs typeface="Times New Roman" panose="02020603050405020304" pitchFamily="18" charset="0"/>
+            </a:endParaRPr>
           </a:p>
           <a:p>
             <a:pPr marL="1028700" lvl="1" indent="-571500">
@@ -3888,7 +3910,8 @@
                 <a:solidFill>
                   <a:srgbClr val="000000"/>
                 </a:solidFill>
-                <a:latin typeface="Arial" panose="020B0604020202020204" pitchFamily="34" charset="0"/>
+                <a:latin typeface="Times New Roman" panose="02020603050405020304" pitchFamily="18" charset="0"/>
+                <a:cs typeface="Times New Roman" panose="02020603050405020304" pitchFamily="18" charset="0"/>
               </a:rPr>
               <a:t>P</a:t>
             </a:r>
@@ -3898,7 +3921,8 @@
                   <a:srgbClr val="000000"/>
                 </a:solidFill>
                 <a:effectLst/>
-                <a:latin typeface="Arial" panose="020B0604020202020204" pitchFamily="34" charset="0"/>
+                <a:latin typeface="Times New Roman" panose="02020603050405020304" pitchFamily="18" charset="0"/>
+                <a:cs typeface="Times New Roman" panose="02020603050405020304" pitchFamily="18" charset="0"/>
               </a:rPr>
               <a:t>rogress</a:t>
             </a:r>
@@ -3908,7 +3932,8 @@
                   <a:srgbClr val="000000"/>
                 </a:solidFill>
                 <a:effectLst/>
-                <a:latin typeface="Arial" panose="020B0604020202020204" pitchFamily="34" charset="0"/>
+                <a:latin typeface="Times New Roman" panose="02020603050405020304" pitchFamily="18" charset="0"/>
+                <a:cs typeface="Times New Roman" panose="02020603050405020304" pitchFamily="18" charset="0"/>
               </a:rPr>
               <a:t> </a:t>
             </a:r>
@@ -3918,7 +3943,8 @@
                   <a:srgbClr val="000000"/>
                 </a:solidFill>
                 <a:effectLst/>
-                <a:latin typeface="Arial" panose="020B0604020202020204" pitchFamily="34" charset="0"/>
+                <a:latin typeface="Times New Roman" panose="02020603050405020304" pitchFamily="18" charset="0"/>
+                <a:cs typeface="Times New Roman" panose="02020603050405020304" pitchFamily="18" charset="0"/>
               </a:rPr>
               <a:t>reset</a:t>
             </a:r>
@@ -3926,7 +3952,8 @@
               <a:solidFill>
                 <a:srgbClr val="000000"/>
               </a:solidFill>
-              <a:latin typeface="Arial" panose="020B0604020202020204" pitchFamily="34" charset="0"/>
+              <a:latin typeface="Times New Roman" panose="02020603050405020304" pitchFamily="18" charset="0"/>
+              <a:cs typeface="Times New Roman" panose="02020603050405020304" pitchFamily="18" charset="0"/>
             </a:endParaRPr>
           </a:p>
           <a:p>
@@ -3940,7 +3967,8 @@
                   <a:srgbClr val="000000"/>
                 </a:solidFill>
                 <a:effectLst/>
-                <a:latin typeface="Arial" panose="020B0604020202020204" pitchFamily="34" charset="0"/>
+                <a:latin typeface="Times New Roman" panose="02020603050405020304" pitchFamily="18" charset="0"/>
+                <a:cs typeface="Times New Roman" panose="02020603050405020304" pitchFamily="18" charset="0"/>
               </a:rPr>
               <a:t>Reklámok</a:t>
             </a:r>
@@ -3948,7 +3976,8 @@
               <a:solidFill>
                 <a:srgbClr val="000000"/>
               </a:solidFill>
-              <a:latin typeface="Arial" panose="020B0604020202020204" pitchFamily="34" charset="0"/>
+              <a:latin typeface="Times New Roman" panose="02020603050405020304" pitchFamily="18" charset="0"/>
+              <a:cs typeface="Times New Roman" panose="02020603050405020304" pitchFamily="18" charset="0"/>
             </a:endParaRPr>
           </a:p>
           <a:p>
@@ -3961,7 +3990,8 @@
                 <a:solidFill>
                   <a:srgbClr val="000000"/>
                 </a:solidFill>
-                <a:latin typeface="Arial" panose="020B0604020202020204" pitchFamily="34" charset="0"/>
+                <a:latin typeface="Times New Roman" panose="02020603050405020304" pitchFamily="18" charset="0"/>
+                <a:cs typeface="Times New Roman" panose="02020603050405020304" pitchFamily="18" charset="0"/>
               </a:rPr>
               <a:t>H</a:t>
             </a:r>
@@ -3971,7 +4001,8 @@
                   <a:srgbClr val="000000"/>
                 </a:solidFill>
                 <a:effectLst/>
-                <a:latin typeface="Arial" panose="020B0604020202020204" pitchFamily="34" charset="0"/>
+                <a:latin typeface="Times New Roman" panose="02020603050405020304" pitchFamily="18" charset="0"/>
+                <a:cs typeface="Times New Roman" panose="02020603050405020304" pitchFamily="18" charset="0"/>
               </a:rPr>
               <a:t>írlevél regisztráció</a:t>
             </a:r>
@@ -3986,7 +4017,8 @@
                 <a:solidFill>
                   <a:srgbClr val="000000"/>
                 </a:solidFill>
-                <a:latin typeface="Arial" panose="020B0604020202020204" pitchFamily="34" charset="0"/>
+                <a:latin typeface="Times New Roman" panose="02020603050405020304" pitchFamily="18" charset="0"/>
+                <a:cs typeface="Times New Roman" panose="02020603050405020304" pitchFamily="18" charset="0"/>
               </a:rPr>
               <a:t>S</a:t>
             </a:r>
@@ -3996,7 +4028,8 @@
                   <a:srgbClr val="000000"/>
                 </a:solidFill>
                 <a:effectLst/>
-                <a:latin typeface="Arial" panose="020B0604020202020204" pitchFamily="34" charset="0"/>
+                <a:latin typeface="Times New Roman" panose="02020603050405020304" pitchFamily="18" charset="0"/>
+                <a:cs typeface="Times New Roman" panose="02020603050405020304" pitchFamily="18" charset="0"/>
               </a:rPr>
               <a:t>paced</a:t>
             </a:r>
@@ -4006,7 +4039,8 @@
                   <a:srgbClr val="000000"/>
                 </a:solidFill>
                 <a:effectLst/>
-                <a:latin typeface="Arial" panose="020B0604020202020204" pitchFamily="34" charset="0"/>
+                <a:latin typeface="Times New Roman" panose="02020603050405020304" pitchFamily="18" charset="0"/>
+                <a:cs typeface="Times New Roman" panose="02020603050405020304" pitchFamily="18" charset="0"/>
               </a:rPr>
               <a:t> </a:t>
             </a:r>
@@ -4016,7 +4050,8 @@
                   <a:srgbClr val="000000"/>
                 </a:solidFill>
                 <a:effectLst/>
-                <a:latin typeface="Arial" panose="020B0604020202020204" pitchFamily="34" charset="0"/>
+                <a:latin typeface="Times New Roman" panose="02020603050405020304" pitchFamily="18" charset="0"/>
+                <a:cs typeface="Times New Roman" panose="02020603050405020304" pitchFamily="18" charset="0"/>
               </a:rPr>
               <a:t>repetition</a:t>
             </a:r>
@@ -4024,7 +4059,8 @@
               <a:solidFill>
                 <a:srgbClr val="000000"/>
               </a:solidFill>
-              <a:latin typeface="Arial" panose="020B0604020202020204" pitchFamily="34" charset="0"/>
+              <a:latin typeface="Times New Roman" panose="02020603050405020304" pitchFamily="18" charset="0"/>
+              <a:cs typeface="Times New Roman" panose="02020603050405020304" pitchFamily="18" charset="0"/>
             </a:endParaRPr>
           </a:p>
           <a:p>
@@ -4037,7 +4073,8 @@
                 <a:solidFill>
                   <a:srgbClr val="000000"/>
                 </a:solidFill>
-                <a:latin typeface="Arial" panose="020B0604020202020204" pitchFamily="34" charset="0"/>
+                <a:latin typeface="Times New Roman" panose="02020603050405020304" pitchFamily="18" charset="0"/>
+                <a:cs typeface="Times New Roman" panose="02020603050405020304" pitchFamily="18" charset="0"/>
               </a:rPr>
               <a:t>N</a:t>
             </a:r>
@@ -4047,7 +4084,8 @@
                   <a:srgbClr val="000000"/>
                 </a:solidFill>
                 <a:effectLst/>
-                <a:latin typeface="Arial" panose="020B0604020202020204" pitchFamily="34" charset="0"/>
+                <a:latin typeface="Times New Roman" panose="02020603050405020304" pitchFamily="18" charset="0"/>
+                <a:cs typeface="Times New Roman" panose="02020603050405020304" pitchFamily="18" charset="0"/>
               </a:rPr>
               <a:t>api </a:t>
             </a:r>
@@ -4057,7 +4095,8 @@
                   <a:srgbClr val="000000"/>
                 </a:solidFill>
                 <a:effectLst/>
-                <a:latin typeface="Arial" panose="020B0604020202020204" pitchFamily="34" charset="0"/>
+                <a:latin typeface="Times New Roman" panose="02020603050405020304" pitchFamily="18" charset="0"/>
+                <a:cs typeface="Times New Roman" panose="02020603050405020304" pitchFamily="18" charset="0"/>
               </a:rPr>
               <a:t>streak</a:t>
             </a:r>
@@ -4067,7 +4106,8 @@
                   <a:srgbClr val="000000"/>
                 </a:solidFill>
                 <a:effectLst/>
-                <a:latin typeface="Arial" panose="020B0604020202020204" pitchFamily="34" charset="0"/>
+                <a:latin typeface="Times New Roman" panose="02020603050405020304" pitchFamily="18" charset="0"/>
+                <a:cs typeface="Times New Roman" panose="02020603050405020304" pitchFamily="18" charset="0"/>
               </a:rPr>
               <a:t> (</a:t>
             </a:r>
@@ -4077,7 +4117,8 @@
                   <a:srgbClr val="000000"/>
                 </a:solidFill>
                 <a:effectLst/>
-                <a:latin typeface="Arial" panose="020B0604020202020204" pitchFamily="34" charset="0"/>
+                <a:latin typeface="Times New Roman" panose="02020603050405020304" pitchFamily="18" charset="0"/>
+                <a:cs typeface="Times New Roman" panose="02020603050405020304" pitchFamily="18" charset="0"/>
               </a:rPr>
               <a:t>duolingo</a:t>
             </a:r>
@@ -4087,7 +4128,8 @@
                   <a:srgbClr val="000000"/>
                 </a:solidFill>
                 <a:effectLst/>
-                <a:latin typeface="Arial" panose="020B0604020202020204" pitchFamily="34" charset="0"/>
+                <a:latin typeface="Times New Roman" panose="02020603050405020304" pitchFamily="18" charset="0"/>
+                <a:cs typeface="Times New Roman" panose="02020603050405020304" pitchFamily="18" charset="0"/>
               </a:rPr>
               <a:t> style)</a:t>
             </a:r>
@@ -4146,7 +4188,10 @@
           <a:lstStyle/>
           <a:p>
             <a:r>
-              <a:rPr lang="hu-HU" dirty="0"/>
+              <a:rPr lang="hu-HU" dirty="0">
+                <a:latin typeface="Times New Roman" panose="02020603050405020304" pitchFamily="18" charset="0"/>
+                <a:cs typeface="Times New Roman" panose="02020603050405020304" pitchFamily="18" charset="0"/>
+              </a:rPr>
               <a:t>Fejlesztői környezet, programnyelvek</a:t>
             </a:r>
           </a:p>
@@ -4174,74 +4219,119 @@
           <a:lstStyle/>
           <a:p>
             <a:r>
-              <a:rPr lang="hu-HU" dirty="0"/>
+              <a:rPr lang="hu-HU" dirty="0">
+                <a:latin typeface="Times New Roman" panose="02020603050405020304" pitchFamily="18" charset="0"/>
+                <a:cs typeface="Times New Roman" panose="02020603050405020304" pitchFamily="18" charset="0"/>
+              </a:rPr>
               <a:t>Két fő környezet:</a:t>
             </a:r>
           </a:p>
           <a:p>
             <a:pPr lvl="1"/>
             <a:r>
-              <a:rPr lang="hu-HU" dirty="0"/>
+              <a:rPr lang="hu-HU" dirty="0">
+                <a:latin typeface="Times New Roman" panose="02020603050405020304" pitchFamily="18" charset="0"/>
+                <a:cs typeface="Times New Roman" panose="02020603050405020304" pitchFamily="18" charset="0"/>
+              </a:rPr>
               <a:t>Visual </a:t>
             </a:r>
             <a:r>
-              <a:rPr lang="hu-HU" dirty="0" err="1"/>
+              <a:rPr lang="hu-HU" dirty="0" err="1">
+                <a:latin typeface="Times New Roman" panose="02020603050405020304" pitchFamily="18" charset="0"/>
+                <a:cs typeface="Times New Roman" panose="02020603050405020304" pitchFamily="18" charset="0"/>
+              </a:rPr>
               <a:t>Studio</a:t>
             </a:r>
-            <a:endParaRPr lang="hu-HU" dirty="0"/>
+            <a:endParaRPr lang="hu-HU" dirty="0">
+              <a:latin typeface="Times New Roman" panose="02020603050405020304" pitchFamily="18" charset="0"/>
+              <a:cs typeface="Times New Roman" panose="02020603050405020304" pitchFamily="18" charset="0"/>
+            </a:endParaRPr>
           </a:p>
           <a:p>
             <a:pPr lvl="1"/>
             <a:r>
-              <a:rPr lang="hu-HU" dirty="0"/>
+              <a:rPr lang="hu-HU" dirty="0">
+                <a:latin typeface="Times New Roman" panose="02020603050405020304" pitchFamily="18" charset="0"/>
+                <a:cs typeface="Times New Roman" panose="02020603050405020304" pitchFamily="18" charset="0"/>
+              </a:rPr>
               <a:t>Visual </a:t>
             </a:r>
             <a:r>
-              <a:rPr lang="hu-HU" dirty="0" err="1"/>
+              <a:rPr lang="hu-HU" dirty="0" err="1">
+                <a:latin typeface="Times New Roman" panose="02020603050405020304" pitchFamily="18" charset="0"/>
+                <a:cs typeface="Times New Roman" panose="02020603050405020304" pitchFamily="18" charset="0"/>
+              </a:rPr>
               <a:t>Studio</a:t>
             </a:r>
             <a:r>
-              <a:rPr lang="hu-HU" dirty="0"/>
+              <a:rPr lang="hu-HU" dirty="0">
+                <a:latin typeface="Times New Roman" panose="02020603050405020304" pitchFamily="18" charset="0"/>
+                <a:cs typeface="Times New Roman" panose="02020603050405020304" pitchFamily="18" charset="0"/>
+              </a:rPr>
               <a:t> </a:t>
             </a:r>
             <a:r>
-              <a:rPr lang="hu-HU" dirty="0" err="1"/>
+              <a:rPr lang="hu-HU" dirty="0" err="1">
+                <a:latin typeface="Times New Roman" panose="02020603050405020304" pitchFamily="18" charset="0"/>
+                <a:cs typeface="Times New Roman" panose="02020603050405020304" pitchFamily="18" charset="0"/>
+              </a:rPr>
               <a:t>Code</a:t>
             </a:r>
-            <a:endParaRPr lang="hu-HU" dirty="0"/>
-          </a:p>
-          <a:p>
-            <a:r>
-              <a:rPr lang="hu-HU" dirty="0"/>
+            <a:endParaRPr lang="hu-HU" dirty="0">
+              <a:latin typeface="Times New Roman" panose="02020603050405020304" pitchFamily="18" charset="0"/>
+              <a:cs typeface="Times New Roman" panose="02020603050405020304" pitchFamily="18" charset="0"/>
+            </a:endParaRPr>
+          </a:p>
+          <a:p>
+            <a:r>
+              <a:rPr lang="hu-HU" dirty="0">
+                <a:latin typeface="Times New Roman" panose="02020603050405020304" pitchFamily="18" charset="0"/>
+                <a:cs typeface="Times New Roman" panose="02020603050405020304" pitchFamily="18" charset="0"/>
+              </a:rPr>
               <a:t>Használt programnyelvek:</a:t>
             </a:r>
           </a:p>
           <a:p>
             <a:pPr lvl="1"/>
             <a:r>
-              <a:rPr lang="hu-HU" dirty="0"/>
+              <a:rPr lang="hu-HU" dirty="0">
+                <a:latin typeface="Times New Roman" panose="02020603050405020304" pitchFamily="18" charset="0"/>
+                <a:cs typeface="Times New Roman" panose="02020603050405020304" pitchFamily="18" charset="0"/>
+              </a:rPr>
               <a:t>C#</a:t>
             </a:r>
           </a:p>
           <a:p>
             <a:pPr lvl="1"/>
             <a:r>
-              <a:rPr lang="hu-HU"/>
+              <a:rPr lang="hu-HU">
+                <a:latin typeface="Times New Roman" panose="02020603050405020304" pitchFamily="18" charset="0"/>
+                <a:cs typeface="Times New Roman" panose="02020603050405020304" pitchFamily="18" charset="0"/>
+              </a:rPr>
               <a:t>SQL</a:t>
             </a:r>
-            <a:endParaRPr lang="hu-HU" dirty="0"/>
+            <a:endParaRPr lang="hu-HU" dirty="0">
+              <a:latin typeface="Times New Roman" panose="02020603050405020304" pitchFamily="18" charset="0"/>
+              <a:cs typeface="Times New Roman" panose="02020603050405020304" pitchFamily="18" charset="0"/>
+            </a:endParaRPr>
           </a:p>
           <a:p>
             <a:pPr lvl="1"/>
             <a:r>
-              <a:rPr lang="hu-HU" dirty="0"/>
+              <a:rPr lang="hu-HU" dirty="0">
+                <a:latin typeface="Times New Roman" panose="02020603050405020304" pitchFamily="18" charset="0"/>
+                <a:cs typeface="Times New Roman" panose="02020603050405020304" pitchFamily="18" charset="0"/>
+              </a:rPr>
               <a:t>HTML</a:t>
             </a:r>
           </a:p>
           <a:p>
             <a:pPr lvl="1"/>
             <a:r>
-              <a:rPr lang="hu-HU" dirty="0"/>
+              <a:rPr lang="hu-HU" dirty="0">
+                <a:latin typeface="Times New Roman" panose="02020603050405020304" pitchFamily="18" charset="0"/>
+                <a:cs typeface="Times New Roman" panose="02020603050405020304" pitchFamily="18" charset="0"/>
+              </a:rPr>
               <a:t>REACT, JS</a:t>
             </a:r>
           </a:p>
@@ -4532,38 +4622,145 @@
           </a:p>
         </p:txBody>
       </p:sp>
-      <p:sp>
-        <p:nvSpPr>
-          <p:cNvPr id="3" name="Tartalom helye 2">
-            <a:extLst>
-              <a:ext uri="{FF2B5EF4-FFF2-40B4-BE49-F238E27FC236}">
-                <a16:creationId xmlns:a16="http://schemas.microsoft.com/office/drawing/2014/main" id="{0DBF03C2-7EB8-B501-0783-EFDC09FE5CEA}"/>
-              </a:ext>
-            </a:extLst>
-          </p:cNvPr>
-          <p:cNvSpPr>
-            <a:spLocks noGrp="1"/>
-          </p:cNvSpPr>
-          <p:nvPr>
-            <p:ph idx="1"/>
-          </p:nvPr>
-        </p:nvSpPr>
-        <p:spPr/>
-        <p:txBody>
-          <a:bodyPr/>
-          <a:lstStyle/>
-          <a:p>
-            <a:endParaRPr lang="hu-HU">
-              <a:latin typeface="Times New Roman" panose="02020603050405020304" pitchFamily="18" charset="0"/>
-              <a:cs typeface="Times New Roman" panose="02020603050405020304" pitchFamily="18" charset="0"/>
-            </a:endParaRPr>
-          </a:p>
-        </p:txBody>
-      </p:sp>
+      <p:pic>
+        <p:nvPicPr>
+          <p:cNvPr id="4" name="Kép 3" descr="A képen szöveg, képernyőkép, Betűtípus, tervezés látható&#10;&#10;Automatikusan generált leírás">
+            <a:extLst>
+              <a:ext uri="{FF2B5EF4-FFF2-40B4-BE49-F238E27FC236}">
+                <a16:creationId xmlns:a16="http://schemas.microsoft.com/office/drawing/2014/main" id="{F556A9B9-8874-D9F2-414D-047D32ADCFDB}"/>
+              </a:ext>
+            </a:extLst>
+          </p:cNvPr>
+          <p:cNvPicPr>
+            <a:picLocks noChangeAspect="1"/>
+          </p:cNvPicPr>
+          <p:nvPr/>
+        </p:nvPicPr>
+        <p:blipFill>
+          <a:blip r:embed="rId2"/>
+          <a:stretch>
+            <a:fillRect/>
+          </a:stretch>
+        </p:blipFill>
+        <p:spPr>
+          <a:xfrm>
+            <a:off x="1128081" y="976722"/>
+            <a:ext cx="9935838" cy="5588910"/>
+          </a:xfrm>
+          <a:prstGeom prst="rect">
+            <a:avLst/>
+          </a:prstGeom>
+        </p:spPr>
+      </p:pic>
     </p:spTree>
     <p:extLst>
       <p:ext uri="{BB962C8B-B14F-4D97-AF65-F5344CB8AC3E}">
         <p14:creationId xmlns:p14="http://schemas.microsoft.com/office/powerpoint/2010/main" val="751242149"/>
+      </p:ext>
+    </p:extLst>
+  </p:cSld>
+  <p:clrMapOvr>
+    <a:masterClrMapping/>
+  </p:clrMapOvr>
+</p:sld>
+</file>
+
+<file path=ppt/slides/slide8.xml><?xml version="1.0" encoding="utf-8"?>
+<p:sld xmlns:a="http://schemas.openxmlformats.org/drawingml/2006/main" xmlns:r="http://schemas.openxmlformats.org/officeDocument/2006/relationships" xmlns:p="http://schemas.openxmlformats.org/presentationml/2006/main">
+  <p:cSld>
+    <p:spTree>
+      <p:nvGrpSpPr>
+        <p:cNvPr id="1" name="">
+          <a:extLst>
+            <a:ext uri="{FF2B5EF4-FFF2-40B4-BE49-F238E27FC236}">
+              <a16:creationId xmlns:a16="http://schemas.microsoft.com/office/drawing/2014/main" id="{CFE90B45-E0E5-6571-F246-45BE929A59BC}"/>
+            </a:ext>
+          </a:extLst>
+        </p:cNvPr>
+        <p:cNvGrpSpPr/>
+        <p:nvPr/>
+      </p:nvGrpSpPr>
+      <p:grpSpPr>
+        <a:xfrm>
+          <a:off x="0" y="0"/>
+          <a:ext cx="0" cy="0"/>
+          <a:chOff x="0" y="0"/>
+          <a:chExt cx="0" cy="0"/>
+        </a:xfrm>
+      </p:grpSpPr>
+      <p:sp>
+        <p:nvSpPr>
+          <p:cNvPr id="2" name="Cím 1">
+            <a:extLst>
+              <a:ext uri="{FF2B5EF4-FFF2-40B4-BE49-F238E27FC236}">
+                <a16:creationId xmlns:a16="http://schemas.microsoft.com/office/drawing/2014/main" id="{7FE308B3-8A07-3BE9-FE97-C6CFA00E54F6}"/>
+              </a:ext>
+            </a:extLst>
+          </p:cNvPr>
+          <p:cNvSpPr>
+            <a:spLocks noGrp="1"/>
+          </p:cNvSpPr>
+          <p:nvPr>
+            <p:ph type="title"/>
+          </p:nvPr>
+        </p:nvSpPr>
+        <p:spPr>
+          <a:xfrm>
+            <a:off x="0" y="1"/>
+            <a:ext cx="12192000" cy="1260000"/>
+          </a:xfrm>
+        </p:spPr>
+        <p:txBody>
+          <a:bodyPr>
+            <a:normAutofit/>
+          </a:bodyPr>
+          <a:lstStyle/>
+          <a:p>
+            <a:pPr algn="ctr"/>
+            <a:r>
+              <a:rPr lang="hu-HU" sz="5400" dirty="0">
+                <a:latin typeface="Times New Roman" panose="02020603050405020304" pitchFamily="18" charset="0"/>
+                <a:cs typeface="Times New Roman" panose="02020603050405020304" pitchFamily="18" charset="0"/>
+              </a:rPr>
+              <a:t>Első statikus alweboldal</a:t>
+            </a:r>
+          </a:p>
+        </p:txBody>
+      </p:sp>
+      <p:pic>
+        <p:nvPicPr>
+          <p:cNvPr id="3" name="Kép 2" descr="A képen képernyőkép, szöveg, szoftver, Multimédiás szoftver látható&#10;&#10;Automatikusan generált leírás">
+            <a:extLst>
+              <a:ext uri="{FF2B5EF4-FFF2-40B4-BE49-F238E27FC236}">
+                <a16:creationId xmlns:a16="http://schemas.microsoft.com/office/drawing/2014/main" id="{07B83524-F637-CCC3-95B8-57219F3204C5}"/>
+              </a:ext>
+            </a:extLst>
+          </p:cNvPr>
+          <p:cNvPicPr>
+            <a:picLocks noChangeAspect="1"/>
+          </p:cNvPicPr>
+          <p:nvPr/>
+        </p:nvPicPr>
+        <p:blipFill>
+          <a:blip r:embed="rId2"/>
+          <a:stretch>
+            <a:fillRect/>
+          </a:stretch>
+        </p:blipFill>
+        <p:spPr>
+          <a:xfrm>
+            <a:off x="412479" y="972787"/>
+            <a:ext cx="11367041" cy="5590800"/>
+          </a:xfrm>
+          <a:prstGeom prst="rect">
+            <a:avLst/>
+          </a:prstGeom>
+        </p:spPr>
+      </p:pic>
+    </p:spTree>
+    <p:extLst>
+      <p:ext uri="{BB962C8B-B14F-4D97-AF65-F5344CB8AC3E}">
+        <p14:creationId xmlns:p14="http://schemas.microsoft.com/office/powerpoint/2010/main" val="1835036337"/>
       </p:ext>
     </p:extLst>
   </p:cSld>

--- a/erettsegizzunk.pptx
+++ b/erettsegizzunk.pptx
@@ -13,6 +13,15 @@
     <p:sldId id="262" r:id="rId7"/>
     <p:sldId id="259" r:id="rId8"/>
     <p:sldId id="263" r:id="rId9"/>
+    <p:sldId id="270" r:id="rId10"/>
+    <p:sldId id="265" r:id="rId11"/>
+    <p:sldId id="271" r:id="rId12"/>
+    <p:sldId id="266" r:id="rId13"/>
+    <p:sldId id="272" r:id="rId14"/>
+    <p:sldId id="267" r:id="rId15"/>
+    <p:sldId id="268" r:id="rId16"/>
+    <p:sldId id="269" r:id="rId17"/>
+    <p:sldId id="264" r:id="rId18"/>
   </p:sldIdLst>
   <p:sldSz cx="12192000" cy="6858000"/>
   <p:notesSz cx="6858000" cy="9144000"/>
@@ -266,7 +275,7 @@
           <a:p>
             <a:fld id="{4C7B857E-0E47-4F46-9551-FC2A48AEF6DC}" type="datetimeFigureOut">
               <a:rPr lang="hu-HU" smtClean="0"/>
-              <a:t>2024. 11. 17.</a:t>
+              <a:t>2024. 12. 15.</a:t>
             </a:fld>
             <a:endParaRPr lang="hu-HU"/>
           </a:p>
@@ -464,7 +473,7 @@
           <a:p>
             <a:fld id="{4C7B857E-0E47-4F46-9551-FC2A48AEF6DC}" type="datetimeFigureOut">
               <a:rPr lang="hu-HU" smtClean="0"/>
-              <a:t>2024. 11. 17.</a:t>
+              <a:t>2024. 12. 15.</a:t>
             </a:fld>
             <a:endParaRPr lang="hu-HU"/>
           </a:p>
@@ -672,7 +681,7 @@
           <a:p>
             <a:fld id="{4C7B857E-0E47-4F46-9551-FC2A48AEF6DC}" type="datetimeFigureOut">
               <a:rPr lang="hu-HU" smtClean="0"/>
-              <a:t>2024. 11. 17.</a:t>
+              <a:t>2024. 12. 15.</a:t>
             </a:fld>
             <a:endParaRPr lang="hu-HU"/>
           </a:p>
@@ -870,7 +879,7 @@
           <a:p>
             <a:fld id="{4C7B857E-0E47-4F46-9551-FC2A48AEF6DC}" type="datetimeFigureOut">
               <a:rPr lang="hu-HU" smtClean="0"/>
-              <a:t>2024. 11. 17.</a:t>
+              <a:t>2024. 12. 15.</a:t>
             </a:fld>
             <a:endParaRPr lang="hu-HU"/>
           </a:p>
@@ -1145,7 +1154,7 @@
           <a:p>
             <a:fld id="{4C7B857E-0E47-4F46-9551-FC2A48AEF6DC}" type="datetimeFigureOut">
               <a:rPr lang="hu-HU" smtClean="0"/>
-              <a:t>2024. 11. 17.</a:t>
+              <a:t>2024. 12. 15.</a:t>
             </a:fld>
             <a:endParaRPr lang="hu-HU"/>
           </a:p>
@@ -1410,7 +1419,7 @@
           <a:p>
             <a:fld id="{4C7B857E-0E47-4F46-9551-FC2A48AEF6DC}" type="datetimeFigureOut">
               <a:rPr lang="hu-HU" smtClean="0"/>
-              <a:t>2024. 11. 17.</a:t>
+              <a:t>2024. 12. 15.</a:t>
             </a:fld>
             <a:endParaRPr lang="hu-HU"/>
           </a:p>
@@ -1822,7 +1831,7 @@
           <a:p>
             <a:fld id="{4C7B857E-0E47-4F46-9551-FC2A48AEF6DC}" type="datetimeFigureOut">
               <a:rPr lang="hu-HU" smtClean="0"/>
-              <a:t>2024. 11. 17.</a:t>
+              <a:t>2024. 12. 15.</a:t>
             </a:fld>
             <a:endParaRPr lang="hu-HU"/>
           </a:p>
@@ -1963,7 +1972,7 @@
           <a:p>
             <a:fld id="{4C7B857E-0E47-4F46-9551-FC2A48AEF6DC}" type="datetimeFigureOut">
               <a:rPr lang="hu-HU" smtClean="0"/>
-              <a:t>2024. 11. 17.</a:t>
+              <a:t>2024. 12. 15.</a:t>
             </a:fld>
             <a:endParaRPr lang="hu-HU"/>
           </a:p>
@@ -2076,7 +2085,7 @@
           <a:p>
             <a:fld id="{4C7B857E-0E47-4F46-9551-FC2A48AEF6DC}" type="datetimeFigureOut">
               <a:rPr lang="hu-HU" smtClean="0"/>
-              <a:t>2024. 11. 17.</a:t>
+              <a:t>2024. 12. 15.</a:t>
             </a:fld>
             <a:endParaRPr lang="hu-HU"/>
           </a:p>
@@ -2387,7 +2396,7 @@
           <a:p>
             <a:fld id="{4C7B857E-0E47-4F46-9551-FC2A48AEF6DC}" type="datetimeFigureOut">
               <a:rPr lang="hu-HU" smtClean="0"/>
-              <a:t>2024. 11. 17.</a:t>
+              <a:t>2024. 12. 15.</a:t>
             </a:fld>
             <a:endParaRPr lang="hu-HU"/>
           </a:p>
@@ -2675,7 +2684,7 @@
           <a:p>
             <a:fld id="{4C7B857E-0E47-4F46-9551-FC2A48AEF6DC}" type="datetimeFigureOut">
               <a:rPr lang="hu-HU" smtClean="0"/>
-              <a:t>2024. 11. 17.</a:t>
+              <a:t>2024. 12. 15.</a:t>
             </a:fld>
             <a:endParaRPr lang="hu-HU"/>
           </a:p>
@@ -2916,7 +2925,7 @@
           <a:p>
             <a:fld id="{4C7B857E-0E47-4F46-9551-FC2A48AEF6DC}" type="datetimeFigureOut">
               <a:rPr lang="hu-HU" smtClean="0"/>
-              <a:t>2024. 11. 17.</a:t>
+              <a:t>2024. 12. 15.</a:t>
             </a:fld>
             <a:endParaRPr lang="hu-HU"/>
           </a:p>
@@ -3319,6 +3328,14 @@
 <file path=ppt/slides/slide1.xml><?xml version="1.0" encoding="utf-8"?>
 <p:sld xmlns:a="http://schemas.openxmlformats.org/drawingml/2006/main" xmlns:r="http://schemas.openxmlformats.org/officeDocument/2006/relationships" xmlns:p="http://schemas.openxmlformats.org/presentationml/2006/main">
   <p:cSld>
+    <p:bg>
+      <p:bgPr>
+        <a:solidFill>
+          <a:schemeClr val="bg1"/>
+        </a:solidFill>
+        <a:effectLst/>
+      </p:bgPr>
+    </p:bg>
     <p:spTree>
       <p:nvGrpSpPr>
         <p:cNvPr id="1" name=""/>
@@ -3333,34 +3350,1099 @@
           <a:chExt cx="0" cy="0"/>
         </a:xfrm>
       </p:grpSpPr>
-      <p:sp>
-        <p:nvSpPr>
-          <p:cNvPr id="2" name="Cím 1">
-            <a:extLst>
-              <a:ext uri="{FF2B5EF4-FFF2-40B4-BE49-F238E27FC236}">
-                <a16:creationId xmlns:a16="http://schemas.microsoft.com/office/drawing/2014/main" id="{7029D223-A536-F219-3CD6-3BE0CA80958F}"/>
-              </a:ext>
-            </a:extLst>
-          </p:cNvPr>
-          <p:cNvSpPr>
-            <a:spLocks noGrp="1"/>
-          </p:cNvSpPr>
-          <p:nvPr>
-            <p:ph type="ctrTitle"/>
+      <p:sp useBgFill="1">
+        <p:nvSpPr>
+          <p:cNvPr id="10" name="Rectangle 9">
+            <a:extLst>
+              <a:ext uri="{FF2B5EF4-FFF2-40B4-BE49-F238E27FC236}">
+                <a16:creationId xmlns:a16="http://schemas.microsoft.com/office/drawing/2014/main" id="{4D4677D2-D5AC-4CF9-9EED-2B89D0A1C212}"/>
+              </a:ext>
+              <a:ext uri="{C183D7F6-B498-43B3-948B-1728B52AA6E4}">
+                <adec:decorative xmlns:adec="http://schemas.microsoft.com/office/drawing/2017/decorative" val="1"/>
+              </a:ext>
+            </a:extLst>
+          </p:cNvPr>
+          <p:cNvSpPr>
+            <a:spLocks noGrp="1" noRot="1" noChangeAspect="1" noMove="1" noResize="1" noEditPoints="1" noAdjustHandles="1" noChangeArrowheads="1" noChangeShapeType="1" noTextEdit="1"/>
+          </p:cNvSpPr>
+          <p:nvPr>
+            <p:extLst>
+              <p:ext uri="{386F3935-93C4-4BCD-93E2-E3B085C9AB24}">
+                <p16:designElem xmlns:p16="http://schemas.microsoft.com/office/powerpoint/2015/main" val="1"/>
+              </p:ext>
+            </p:extLst>
           </p:nvPr>
         </p:nvSpPr>
         <p:spPr>
           <a:xfrm>
-            <a:off x="1524000" y="2169000"/>
-            <a:ext cx="9144000" cy="1260000"/>
+            <a:off x="0" y="0"/>
+            <a:ext cx="12192000" cy="6858000"/>
+          </a:xfrm>
+          <a:prstGeom prst="rect">
+            <a:avLst/>
+          </a:prstGeom>
+          <a:ln w="12700" cap="flat" cmpd="sng" algn="ctr">
+            <a:noFill/>
+            <a:prstDash val="solid"/>
+            <a:miter lim="800000"/>
+          </a:ln>
+          <a:effectLst/>
+          <a:extLst>
+            <a:ext uri="{91240B29-F687-4F45-9708-019B960494DF}">
+              <a14:hiddenLine xmlns:a14="http://schemas.microsoft.com/office/drawing/2010/main" w="12700" cap="flat" cmpd="sng" algn="ctr">
+                <a:solidFill>
+                  <a:schemeClr val="accent1">
+                    <a:shade val="50000"/>
+                  </a:schemeClr>
+                </a:solidFill>
+                <a:prstDash val="solid"/>
+                <a:miter lim="800000"/>
+              </a14:hiddenLine>
+            </a:ext>
+          </a:extLst>
+        </p:spPr>
+        <p:style>
+          <a:lnRef idx="2">
+            <a:schemeClr val="accent1">
+              <a:shade val="50000"/>
+            </a:schemeClr>
+          </a:lnRef>
+          <a:fillRef idx="1">
+            <a:schemeClr val="accent1"/>
+          </a:fillRef>
+          <a:effectRef idx="0">
+            <a:schemeClr val="accent1"/>
+          </a:effectRef>
+          <a:fontRef idx="minor">
+            <a:schemeClr val="lt1"/>
+          </a:fontRef>
+        </p:style>
+        <p:txBody>
+          <a:bodyPr rtlCol="0" anchor="ctr"/>
+          <a:lstStyle/>
+          <a:p>
+            <a:pPr algn="ctr"/>
+            <a:endParaRPr lang="en-US"/>
+          </a:p>
+        </p:txBody>
+      </p:sp>
+      <p:sp>
+        <p:nvSpPr>
+          <p:cNvPr id="12" name="Rectangle 11">
+            <a:extLst>
+              <a:ext uri="{FF2B5EF4-FFF2-40B4-BE49-F238E27FC236}">
+                <a16:creationId xmlns:a16="http://schemas.microsoft.com/office/drawing/2014/main" id="{C6D54F7E-825A-4BBA-815F-35CCA8B97786}"/>
+              </a:ext>
+              <a:ext uri="{C183D7F6-B498-43B3-948B-1728B52AA6E4}">
+                <adec:decorative xmlns:adec="http://schemas.microsoft.com/office/drawing/2017/decorative" val="1"/>
+              </a:ext>
+            </a:extLst>
+          </p:cNvPr>
+          <p:cNvSpPr>
+            <a:spLocks noGrp="1" noRot="1" noChangeAspect="1" noMove="1" noResize="1" noEditPoints="1" noAdjustHandles="1" noChangeArrowheads="1" noChangeShapeType="1" noTextEdit="1"/>
+          </p:cNvSpPr>
+          <p:nvPr>
+            <p:extLst>
+              <p:ext uri="{386F3935-93C4-4BCD-93E2-E3B085C9AB24}">
+                <p16:designElem xmlns:p16="http://schemas.microsoft.com/office/powerpoint/2015/main" val="1"/>
+              </p:ext>
+            </p:extLst>
+          </p:nvPr>
+        </p:nvSpPr>
+        <p:spPr>
+          <a:xfrm>
+            <a:off x="0" y="4080681"/>
+            <a:ext cx="12192000" cy="2777318"/>
+          </a:xfrm>
+          <a:prstGeom prst="rect">
+            <a:avLst/>
+          </a:prstGeom>
+          <a:solidFill>
+            <a:srgbClr val="82766A">
+              <a:alpha val="15000"/>
+            </a:srgbClr>
+          </a:solidFill>
+          <a:ln>
+            <a:noFill/>
+          </a:ln>
+        </p:spPr>
+        <p:style>
+          <a:lnRef idx="2">
+            <a:schemeClr val="accent1">
+              <a:shade val="50000"/>
+            </a:schemeClr>
+          </a:lnRef>
+          <a:fillRef idx="1">
+            <a:schemeClr val="accent1"/>
+          </a:fillRef>
+          <a:effectRef idx="0">
+            <a:schemeClr val="accent1"/>
+          </a:effectRef>
+          <a:fontRef idx="minor">
+            <a:schemeClr val="lt1"/>
+          </a:fontRef>
+        </p:style>
+        <p:txBody>
+          <a:bodyPr rtlCol="0" anchor="ctr"/>
+          <a:lstStyle/>
+          <a:p>
+            <a:pPr algn="ctr"/>
+            <a:endParaRPr lang="en-US"/>
+          </a:p>
+        </p:txBody>
+      </p:sp>
+      <p:pic>
+        <p:nvPicPr>
+          <p:cNvPr id="5" name="Kép 4" descr="A képen szöveg, kék látható&#10;&#10;Automatikusan generált leírás">
+            <a:extLst>
+              <a:ext uri="{FF2B5EF4-FFF2-40B4-BE49-F238E27FC236}">
+                <a16:creationId xmlns:a16="http://schemas.microsoft.com/office/drawing/2014/main" id="{A169C10A-B2AF-7D90-1080-3F7C91E82C47}"/>
+              </a:ext>
+            </a:extLst>
+          </p:cNvPr>
+          <p:cNvPicPr>
+            <a:picLocks noChangeAspect="1"/>
+          </p:cNvPicPr>
+          <p:nvPr/>
+        </p:nvPicPr>
+        <p:blipFill>
+          <a:blip r:embed="rId2">
+            <a:extLst>
+              <a:ext uri="{28A0092B-C50C-407E-A947-70E740481C1C}">
+                <a14:useLocalDpi xmlns:a14="http://schemas.microsoft.com/office/drawing/2010/main" val="0"/>
+              </a:ext>
+            </a:extLst>
+          </a:blip>
+          <a:srcRect t="10766" b="4965"/>
+          <a:stretch/>
+        </p:blipFill>
+        <p:spPr>
+          <a:xfrm>
+            <a:off x="1" y="1"/>
+            <a:ext cx="12191999" cy="6858000"/>
+          </a:xfrm>
+          <a:custGeom>
+            <a:avLst/>
+            <a:gdLst/>
+            <a:ahLst/>
+            <a:cxnLst/>
+            <a:rect l="l" t="t" r="r" b="b"/>
+            <a:pathLst>
+              <a:path w="12191999" h="6842601">
+                <a:moveTo>
+                  <a:pt x="0" y="0"/>
+                </a:moveTo>
+                <a:lnTo>
+                  <a:pt x="12191999" y="0"/>
+                </a:lnTo>
+                <a:lnTo>
+                  <a:pt x="12191999" y="6842601"/>
+                </a:lnTo>
+                <a:lnTo>
+                  <a:pt x="10316981" y="6842601"/>
+                </a:lnTo>
+                <a:cubicBezTo>
+                  <a:pt x="10312796" y="6835189"/>
+                  <a:pt x="10163183" y="6730124"/>
+                  <a:pt x="10158998" y="6722712"/>
+                </a:cubicBezTo>
+                <a:cubicBezTo>
+                  <a:pt x="10120278" y="6678190"/>
+                  <a:pt x="10156462" y="6716223"/>
+                  <a:pt x="10090349" y="6671420"/>
+                </a:cubicBezTo>
+                <a:cubicBezTo>
+                  <a:pt x="10043032" y="6655694"/>
+                  <a:pt x="9995855" y="6551879"/>
+                  <a:pt x="9955425" y="6498018"/>
+                </a:cubicBezTo>
+                <a:cubicBezTo>
+                  <a:pt x="9939618" y="6480021"/>
+                  <a:pt x="9915110" y="6461677"/>
+                  <a:pt x="9891265" y="6454528"/>
+                </a:cubicBezTo>
+                <a:cubicBezTo>
+                  <a:pt x="9868239" y="6464957"/>
+                  <a:pt x="9865423" y="6431640"/>
+                  <a:pt x="9848227" y="6426063"/>
+                </a:cubicBezTo>
+                <a:cubicBezTo>
+                  <a:pt x="9838059" y="6433162"/>
+                  <a:pt x="9815047" y="6410348"/>
+                  <a:pt x="9812354" y="6399604"/>
+                </a:cubicBezTo>
+                <a:cubicBezTo>
+                  <a:pt x="9825285" y="6377997"/>
+                  <a:pt x="9725923" y="6372757"/>
+                  <a:pt x="9725915" y="6356381"/>
+                </a:cubicBezTo>
+                <a:cubicBezTo>
+                  <a:pt x="9696279" y="6348066"/>
+                  <a:pt x="9591199" y="6354143"/>
+                  <a:pt x="9575033" y="6325258"/>
+                </a:cubicBezTo>
+                <a:cubicBezTo>
+                  <a:pt x="9516434" y="6303128"/>
+                  <a:pt x="9441613" y="6276805"/>
+                  <a:pt x="9415626" y="6271777"/>
+                </a:cubicBezTo>
+                <a:cubicBezTo>
+                  <a:pt x="9378293" y="6313495"/>
+                  <a:pt x="9281935" y="6171365"/>
+                  <a:pt x="9171493" y="6150430"/>
+                </a:cubicBezTo>
+                <a:cubicBezTo>
+                  <a:pt x="9155426" y="6152396"/>
+                  <a:pt x="9147439" y="6151015"/>
+                  <a:pt x="9146018" y="6139864"/>
+                </a:cubicBezTo>
+                <a:cubicBezTo>
+                  <a:pt x="9112029" y="6132441"/>
+                  <a:pt x="9087339" y="6101138"/>
+                  <a:pt x="9059635" y="6109957"/>
+                </a:cubicBezTo>
+                <a:cubicBezTo>
+                  <a:pt x="9024424" y="6092144"/>
+                  <a:pt x="9043048" y="6078417"/>
+                  <a:pt x="9010911" y="6064789"/>
+                </a:cubicBezTo>
+                <a:lnTo>
+                  <a:pt x="8866811" y="6028191"/>
+                </a:lnTo>
+                <a:cubicBezTo>
+                  <a:pt x="8846465" y="6021172"/>
+                  <a:pt x="8825221" y="6000527"/>
+                  <a:pt x="8804584" y="5994237"/>
+                </a:cubicBezTo>
+                <a:lnTo>
+                  <a:pt x="8783071" y="5990448"/>
+                </a:lnTo>
+                <a:lnTo>
+                  <a:pt x="8770456" y="5978060"/>
+                </a:lnTo>
+                <a:cubicBezTo>
+                  <a:pt x="8764772" y="5975259"/>
+                  <a:pt x="8757695" y="5974720"/>
+                  <a:pt x="8748297" y="5978070"/>
+                </a:cubicBezTo>
+                <a:cubicBezTo>
+                  <a:pt x="8730344" y="5973495"/>
+                  <a:pt x="8679808" y="5955894"/>
+                  <a:pt x="8662742" y="5950603"/>
+                </a:cubicBezTo>
+                <a:lnTo>
+                  <a:pt x="8645902" y="5946326"/>
+                </a:lnTo>
+                <a:lnTo>
+                  <a:pt x="8638176" y="5938358"/>
+                </a:lnTo>
+                <a:cubicBezTo>
+                  <a:pt x="8625897" y="5932642"/>
+                  <a:pt x="8594811" y="5922073"/>
+                  <a:pt x="8572224" y="5912032"/>
+                </a:cubicBezTo>
+                <a:cubicBezTo>
+                  <a:pt x="8553809" y="5897782"/>
+                  <a:pt x="8529845" y="5886100"/>
+                  <a:pt x="8502655" y="5878114"/>
+                </a:cubicBezTo>
+                <a:cubicBezTo>
+                  <a:pt x="8496990" y="5883034"/>
+                  <a:pt x="8489611" y="5872566"/>
+                  <a:pt x="8485159" y="5869819"/>
+                </a:cubicBezTo>
+                <a:cubicBezTo>
+                  <a:pt x="8483457" y="5873482"/>
+                  <a:pt x="8471232" y="5872664"/>
+                  <a:pt x="8468539" y="5868711"/>
+                </a:cubicBezTo>
+                <a:cubicBezTo>
+                  <a:pt x="8389167" y="5836352"/>
+                  <a:pt x="8421742" y="5881497"/>
+                  <a:pt x="8379810" y="5849376"/>
+                </a:cubicBezTo>
+                <a:cubicBezTo>
+                  <a:pt x="8371729" y="5846373"/>
+                  <a:pt x="8364483" y="5846766"/>
+                  <a:pt x="8357758" y="5848601"/>
+                </a:cubicBezTo>
+                <a:lnTo>
+                  <a:pt x="8315264" y="5836192"/>
+                </a:lnTo>
+                <a:cubicBezTo>
+                  <a:pt x="8299077" y="5829531"/>
+                  <a:pt x="8281671" y="5824011"/>
+                  <a:pt x="8263455" y="5819793"/>
+                </a:cubicBezTo>
+                <a:cubicBezTo>
+                  <a:pt x="8257386" y="5826849"/>
+                  <a:pt x="8245582" y="5813448"/>
+                  <a:pt x="8239287" y="5810141"/>
+                </a:cubicBezTo>
+                <a:cubicBezTo>
+                  <a:pt x="8237965" y="5815186"/>
+                  <a:pt x="8222226" y="5815108"/>
+                  <a:pt x="8217888" y="5810039"/>
+                </a:cubicBezTo>
+                <a:cubicBezTo>
+                  <a:pt x="8109447" y="5773303"/>
+                  <a:pt x="8161302" y="5831037"/>
+                  <a:pt x="8100547" y="5791517"/>
+                </a:cubicBezTo>
+                <a:cubicBezTo>
+                  <a:pt x="8089574" y="5788167"/>
+                  <a:pt x="8080448" y="5789295"/>
+                  <a:pt x="8072316" y="5792309"/>
+                </a:cubicBezTo>
+                <a:lnTo>
+                  <a:pt x="8056967" y="5800648"/>
+                </a:lnTo>
+                <a:lnTo>
+                  <a:pt x="8047885" y="5795270"/>
+                </a:lnTo>
+                <a:cubicBezTo>
+                  <a:pt x="8010204" y="5788738"/>
+                  <a:pt x="7996426" y="5797608"/>
+                  <a:pt x="7977128" y="5783189"/>
+                </a:cubicBezTo>
+                <a:cubicBezTo>
+                  <a:pt x="7943466" y="5775577"/>
+                  <a:pt x="7904823" y="5770953"/>
+                  <a:pt x="7874392" y="5763715"/>
+                </a:cubicBezTo>
+                <a:cubicBezTo>
+                  <a:pt x="7860337" y="5743777"/>
+                  <a:pt x="7817541" y="5748989"/>
+                  <a:pt x="7794543" y="5739759"/>
+                </a:cubicBezTo>
+                <a:cubicBezTo>
+                  <a:pt x="7784688" y="5731467"/>
+                  <a:pt x="7776709" y="5729004"/>
+                  <a:pt x="7763762" y="5734031"/>
+                </a:cubicBezTo>
+                <a:cubicBezTo>
+                  <a:pt x="7718781" y="5694154"/>
+                  <a:pt x="7732231" y="5727368"/>
+                  <a:pt x="7685889" y="5707234"/>
+                </a:cubicBezTo>
+                <a:cubicBezTo>
+                  <a:pt x="7646521" y="5687607"/>
+                  <a:pt x="7600389" y="5671470"/>
+                  <a:pt x="7566744" y="5634586"/>
+                </a:cubicBezTo>
+                <a:cubicBezTo>
+                  <a:pt x="7561306" y="5624813"/>
+                  <a:pt x="7543589" y="5618525"/>
+                  <a:pt x="7527170" y="5620542"/>
+                </a:cubicBezTo>
+                <a:cubicBezTo>
+                  <a:pt x="7524343" y="5620889"/>
+                  <a:pt x="7521664" y="5621475"/>
+                  <a:pt x="7519214" y="5622280"/>
+                </a:cubicBezTo>
+                <a:cubicBezTo>
+                  <a:pt x="7500062" y="5596964"/>
+                  <a:pt x="7480476" y="5604337"/>
+                  <a:pt x="7473157" y="5588143"/>
+                </a:cubicBezTo>
+                <a:cubicBezTo>
+                  <a:pt x="7433415" y="5574859"/>
+                  <a:pt x="7395118" y="5582388"/>
+                  <a:pt x="7388000" y="5568063"/>
+                </a:cubicBezTo>
+                <a:cubicBezTo>
+                  <a:pt x="7366403" y="5564920"/>
+                  <a:pt x="7332262" y="5573848"/>
+                  <a:pt x="7320876" y="5557698"/>
+                </a:cubicBezTo>
+                <a:cubicBezTo>
+                  <a:pt x="7314891" y="5568111"/>
+                  <a:pt x="7299319" y="5544964"/>
+                  <a:pt x="7284480" y="5549820"/>
+                </a:cubicBezTo>
+                <a:cubicBezTo>
+                  <a:pt x="7273570" y="5554430"/>
+                  <a:pt x="7266301" y="5548483"/>
+                  <a:pt x="7256619" y="5546379"/>
+                </a:cubicBezTo>
+                <a:cubicBezTo>
+                  <a:pt x="7242503" y="5549088"/>
+                  <a:pt x="7202543" y="5533379"/>
+                  <a:pt x="7193112" y="5525289"/>
+                </a:cubicBezTo>
+                <a:cubicBezTo>
+                  <a:pt x="7172259" y="5499151"/>
+                  <a:pt x="7108617" y="5505485"/>
+                  <a:pt x="7090943" y="5485177"/>
+                </a:cubicBezTo>
+                <a:cubicBezTo>
+                  <a:pt x="7083637" y="5481419"/>
+                  <a:pt x="7076140" y="5479148"/>
+                  <a:pt x="7068566" y="5477809"/>
+                </a:cubicBezTo>
+                <a:lnTo>
+                  <a:pt x="7023035" y="5476595"/>
+                </a:lnTo>
+                <a:lnTo>
+                  <a:pt x="7001197" y="5476163"/>
+                </a:lnTo>
+                <a:cubicBezTo>
+                  <a:pt x="7016126" y="5454256"/>
+                  <a:pt x="6943549" y="5466815"/>
+                  <a:pt x="6967472" y="5451057"/>
+                </a:cubicBezTo>
+                <a:cubicBezTo>
+                  <a:pt x="6931240" y="5443544"/>
+                  <a:pt x="6920843" y="5429649"/>
+                  <a:pt x="6883334" y="5418880"/>
+                </a:cubicBezTo>
+                <a:lnTo>
+                  <a:pt x="6742417" y="5386446"/>
+                </a:lnTo>
+                <a:cubicBezTo>
+                  <a:pt x="6690532" y="5366095"/>
+                  <a:pt x="6665174" y="5364632"/>
+                  <a:pt x="6618315" y="5353085"/>
+                </a:cubicBezTo>
+                <a:cubicBezTo>
+                  <a:pt x="6581698" y="5304210"/>
+                  <a:pt x="6547395" y="5315779"/>
+                  <a:pt x="6521050" y="5283194"/>
+                </a:cubicBezTo>
+                <a:cubicBezTo>
+                  <a:pt x="6469114" y="5268862"/>
+                  <a:pt x="6472597" y="5253957"/>
+                  <a:pt x="6414460" y="5253832"/>
+                </a:cubicBezTo>
+                <a:lnTo>
+                  <a:pt x="6362535" y="5220502"/>
+                </a:lnTo>
+                <a:cubicBezTo>
+                  <a:pt x="6350866" y="5213881"/>
+                  <a:pt x="6347641" y="5215777"/>
+                  <a:pt x="6344443" y="5214103"/>
+                </a:cubicBezTo>
+                <a:lnTo>
+                  <a:pt x="6343344" y="5210454"/>
+                </a:lnTo>
+                <a:lnTo>
+                  <a:pt x="6333344" y="5205307"/>
+                </a:lnTo>
+                <a:lnTo>
+                  <a:pt x="6315602" y="5193288"/>
+                </a:lnTo>
+                <a:lnTo>
+                  <a:pt x="6310442" y="5192802"/>
+                </a:lnTo>
+                <a:lnTo>
+                  <a:pt x="6280815" y="5177420"/>
+                </a:lnTo>
+                <a:lnTo>
+                  <a:pt x="6279533" y="5178045"/>
+                </a:lnTo>
+                <a:cubicBezTo>
+                  <a:pt x="6275980" y="5179097"/>
+                  <a:pt x="6272084" y="5179212"/>
+                  <a:pt x="6267362" y="5177370"/>
+                </a:cubicBezTo>
+                <a:cubicBezTo>
+                  <a:pt x="6261796" y="5192470"/>
+                  <a:pt x="6259530" y="5180933"/>
+                  <a:pt x="6246095" y="5174167"/>
+                </a:cubicBezTo>
+                <a:lnTo>
+                  <a:pt x="6155252" y="5161201"/>
+                </a:lnTo>
+                <a:lnTo>
+                  <a:pt x="6148525" y="5158442"/>
+                </a:lnTo>
+                <a:lnTo>
+                  <a:pt x="6148187" y="5158573"/>
+                </a:lnTo>
+                <a:cubicBezTo>
+                  <a:pt x="6146292" y="5158370"/>
+                  <a:pt x="6143916" y="5157611"/>
+                  <a:pt x="6140686" y="5156032"/>
+                </a:cubicBezTo>
+                <a:lnTo>
+                  <a:pt x="6136260" y="5153413"/>
+                </a:lnTo>
+                <a:lnTo>
+                  <a:pt x="6123208" y="5148061"/>
+                </a:lnTo>
+                <a:lnTo>
+                  <a:pt x="6117367" y="5147451"/>
+                </a:lnTo>
+                <a:lnTo>
+                  <a:pt x="5957305" y="5146062"/>
+                </a:lnTo>
+                <a:cubicBezTo>
+                  <a:pt x="5920540" y="5140405"/>
+                  <a:pt x="5887096" y="5142015"/>
+                  <a:pt x="5857259" y="5132052"/>
+                </a:cubicBezTo>
+                <a:cubicBezTo>
+                  <a:pt x="5843335" y="5135303"/>
+                  <a:pt x="5830921" y="5135493"/>
+                  <a:pt x="5821375" y="5125606"/>
+                </a:cubicBezTo>
+                <a:cubicBezTo>
+                  <a:pt x="5786501" y="5122615"/>
+                  <a:pt x="5775399" y="5132648"/>
+                  <a:pt x="5755916" y="5120171"/>
+                </a:cubicBezTo>
+                <a:cubicBezTo>
+                  <a:pt x="5732132" y="5135438"/>
+                  <a:pt x="5732735" y="5128211"/>
+                  <a:pt x="5725007" y="5121437"/>
+                </a:cubicBezTo>
+                <a:lnTo>
+                  <a:pt x="5723810" y="5120848"/>
+                </a:lnTo>
+                <a:lnTo>
+                  <a:pt x="5720531" y="5123048"/>
+                </a:lnTo>
+                <a:lnTo>
+                  <a:pt x="5714794" y="5123371"/>
+                </a:lnTo>
+                <a:lnTo>
+                  <a:pt x="5700141" y="5120131"/>
+                </a:lnTo>
+                <a:lnTo>
+                  <a:pt x="5694799" y="5118234"/>
+                </a:lnTo>
+                <a:cubicBezTo>
+                  <a:pt x="5691058" y="5117179"/>
+                  <a:pt x="5688491" y="5116804"/>
+                  <a:pt x="5686627" y="5116903"/>
+                </a:cubicBezTo>
+                <a:lnTo>
+                  <a:pt x="5686371" y="5117086"/>
+                </a:lnTo>
+                <a:lnTo>
+                  <a:pt x="5678818" y="5115416"/>
+                </a:lnTo>
+                <a:cubicBezTo>
+                  <a:pt x="5666199" y="5112102"/>
+                  <a:pt x="5654035" y="5108410"/>
+                  <a:pt x="5642547" y="5104511"/>
+                </a:cubicBezTo>
+                <a:cubicBezTo>
+                  <a:pt x="5629444" y="5114945"/>
+                  <a:pt x="5588783" y="5093343"/>
+                  <a:pt x="5587979" y="5116963"/>
+                </a:cubicBezTo>
+                <a:cubicBezTo>
+                  <a:pt x="5572317" y="5112380"/>
+                  <a:pt x="5564904" y="5101292"/>
+                  <a:pt x="5566635" y="5117158"/>
+                </a:cubicBezTo>
+                <a:cubicBezTo>
+                  <a:pt x="5561375" y="5116079"/>
+                  <a:pt x="5557787" y="5116811"/>
+                  <a:pt x="5554952" y="5118417"/>
+                </a:cubicBezTo>
+                <a:lnTo>
+                  <a:pt x="5554039" y="5119241"/>
+                </a:lnTo>
+                <a:lnTo>
+                  <a:pt x="5514253" y="5109018"/>
+                </a:lnTo>
+                <a:lnTo>
+                  <a:pt x="5492156" y="5099904"/>
+                </a:lnTo>
+                <a:lnTo>
+                  <a:pt x="5480446" y="5096385"/>
+                </a:lnTo>
+                <a:lnTo>
+                  <a:pt x="5477744" y="5092939"/>
+                </a:lnTo>
+                <a:cubicBezTo>
+                  <a:pt x="5474490" y="5090581"/>
+                  <a:pt x="5469391" y="5088951"/>
+                  <a:pt x="5460150" y="5088988"/>
+                </a:cubicBezTo>
+                <a:lnTo>
+                  <a:pt x="5457901" y="5089459"/>
+                </a:lnTo>
+                <a:lnTo>
+                  <a:pt x="5444243" y="5082761"/>
+                </a:lnTo>
+                <a:cubicBezTo>
+                  <a:pt x="5439993" y="5080007"/>
+                  <a:pt x="5436418" y="5076805"/>
+                  <a:pt x="5433825" y="5072992"/>
+                </a:cubicBezTo>
+                <a:cubicBezTo>
+                  <a:pt x="5379442" y="5082090"/>
+                  <a:pt x="5336110" y="5058382"/>
+                  <a:pt x="5280996" y="5052402"/>
+                </a:cubicBezTo>
+                <a:cubicBezTo>
+                  <a:pt x="5250806" y="5043777"/>
+                  <a:pt x="5168599" y="5048109"/>
+                  <a:pt x="5161582" y="5019668"/>
+                </a:cubicBezTo>
+                <a:cubicBezTo>
+                  <a:pt x="5121870" y="5011383"/>
+                  <a:pt x="5095637" y="5009222"/>
+                  <a:pt x="5042717" y="5002692"/>
+                </a:cubicBezTo>
+                <a:cubicBezTo>
+                  <a:pt x="4991136" y="4972487"/>
+                  <a:pt x="4902282" y="4979360"/>
+                  <a:pt x="4840514" y="4959306"/>
+                </a:cubicBezTo>
+                <a:cubicBezTo>
+                  <a:pt x="4799904" y="4976415"/>
+                  <a:pt x="4824087" y="4958371"/>
+                  <a:pt x="4786778" y="4956661"/>
+                </a:cubicBezTo>
+                <a:cubicBezTo>
+                  <a:pt x="4801901" y="4937231"/>
+                  <a:pt x="4739845" y="4961208"/>
+                  <a:pt x="4743741" y="4937104"/>
+                </a:cubicBezTo>
+                <a:cubicBezTo>
+                  <a:pt x="4736829" y="4937557"/>
+                  <a:pt x="4730010" y="4938753"/>
+                  <a:pt x="4723136" y="4940138"/>
+                </a:cubicBezTo>
+                <a:lnTo>
+                  <a:pt x="4719535" y="4940850"/>
+                </a:lnTo>
+                <a:lnTo>
+                  <a:pt x="4706143" y="4939586"/>
+                </a:lnTo>
+                <a:lnTo>
+                  <a:pt x="4701098" y="4944372"/>
+                </a:lnTo>
+                <a:lnTo>
+                  <a:pt x="4680034" y="4946157"/>
+                </a:lnTo>
+                <a:cubicBezTo>
+                  <a:pt x="4672339" y="4946029"/>
+                  <a:pt x="4664292" y="4944964"/>
+                  <a:pt x="4655740" y="4942396"/>
+                </a:cubicBezTo>
+                <a:cubicBezTo>
+                  <a:pt x="4636359" y="4929384"/>
+                  <a:pt x="4599700" y="4935346"/>
+                  <a:pt x="4569298" y="4929596"/>
+                </a:cubicBezTo>
+                <a:lnTo>
+                  <a:pt x="4555977" y="4924356"/>
+                </a:lnTo>
+                <a:lnTo>
+                  <a:pt x="4508949" y="4921648"/>
+                </a:lnTo>
+                <a:cubicBezTo>
+                  <a:pt x="4495668" y="4920437"/>
+                  <a:pt x="4482007" y="4918694"/>
+                  <a:pt x="4467838" y="4915993"/>
+                </a:cubicBezTo>
+                <a:lnTo>
+                  <a:pt x="4441948" y="4909300"/>
+                </a:lnTo>
+                <a:lnTo>
+                  <a:pt x="4394719" y="4901820"/>
+                </a:lnTo>
+                <a:lnTo>
+                  <a:pt x="4356810" y="4905146"/>
+                </a:lnTo>
+                <a:lnTo>
+                  <a:pt x="4222144" y="4909117"/>
+                </a:lnTo>
+                <a:cubicBezTo>
+                  <a:pt x="4202488" y="4913903"/>
+                  <a:pt x="4184742" y="4933491"/>
+                  <a:pt x="4160481" y="4923474"/>
+                </a:cubicBezTo>
+                <a:cubicBezTo>
+                  <a:pt x="4165854" y="4934564"/>
+                  <a:pt x="4131661" y="4919946"/>
+                  <a:pt x="4124879" y="4929303"/>
+                </a:cubicBezTo>
+                <a:cubicBezTo>
+                  <a:pt x="4120895" y="4937086"/>
+                  <a:pt x="4109593" y="4934464"/>
+                  <a:pt x="4100114" y="4936007"/>
+                </a:cubicBezTo>
+                <a:cubicBezTo>
+                  <a:pt x="4091835" y="4943256"/>
+                  <a:pt x="4045978" y="4943549"/>
+                  <a:pt x="4030957" y="4939826"/>
+                </a:cubicBezTo>
+                <a:cubicBezTo>
+                  <a:pt x="3989825" y="4924453"/>
+                  <a:pt x="3946860" y="4952050"/>
+                  <a:pt x="3913764" y="4940618"/>
+                </a:cubicBezTo>
+                <a:cubicBezTo>
+                  <a:pt x="3904534" y="4939906"/>
+                  <a:pt x="3896577" y="4940543"/>
+                  <a:pt x="3889457" y="4942017"/>
+                </a:cubicBezTo>
+                <a:lnTo>
+                  <a:pt x="3871115" y="4948115"/>
+                </a:lnTo>
+                <a:lnTo>
+                  <a:pt x="3869086" y="4953796"/>
+                </a:lnTo>
+                <a:lnTo>
+                  <a:pt x="3856124" y="4955351"/>
+                </a:lnTo>
+                <a:lnTo>
+                  <a:pt x="3835967" y="4964002"/>
+                </a:lnTo>
+                <a:cubicBezTo>
+                  <a:pt x="3826465" y="4939857"/>
+                  <a:pt x="3782586" y="4975947"/>
+                  <a:pt x="3785910" y="4953998"/>
+                </a:cubicBezTo>
+                <a:cubicBezTo>
+                  <a:pt x="3750785" y="4960085"/>
+                  <a:pt x="3699033" y="4941571"/>
+                  <a:pt x="3671085" y="4966563"/>
+                </a:cubicBezTo>
+                <a:cubicBezTo>
+                  <a:pt x="3621255" y="4971431"/>
+                  <a:pt x="3562637" y="4982991"/>
+                  <a:pt x="3486928" y="4983204"/>
+                </a:cubicBezTo>
+                <a:cubicBezTo>
+                  <a:pt x="3446030" y="4983424"/>
+                  <a:pt x="3343460" y="4965124"/>
+                  <a:pt x="3280956" y="4963864"/>
+                </a:cubicBezTo>
+                <a:cubicBezTo>
+                  <a:pt x="3227193" y="4969510"/>
+                  <a:pt x="3256481" y="4962609"/>
+                  <a:pt x="3211563" y="4982704"/>
+                </a:cubicBezTo>
+                <a:cubicBezTo>
+                  <a:pt x="3207119" y="4979549"/>
+                  <a:pt x="3170070" y="4977192"/>
+                  <a:pt x="3164681" y="4975408"/>
+                </a:cubicBezTo>
+                <a:lnTo>
+                  <a:pt x="3127171" y="4968229"/>
+                </a:lnTo>
+                <a:lnTo>
+                  <a:pt x="3096889" y="4965619"/>
+                </a:lnTo>
+                <a:cubicBezTo>
+                  <a:pt x="3088441" y="4967572"/>
+                  <a:pt x="3082883" y="4967054"/>
+                  <a:pt x="3078620" y="4965444"/>
+                </a:cubicBezTo>
+                <a:lnTo>
+                  <a:pt x="3074275" y="4962670"/>
+                </a:lnTo>
+                <a:lnTo>
+                  <a:pt x="3036436" y="4957455"/>
+                </a:lnTo>
+                <a:lnTo>
+                  <a:pt x="3031995" y="4958829"/>
+                </a:lnTo>
+                <a:lnTo>
+                  <a:pt x="2994028" y="4956800"/>
+                </a:lnTo>
+                <a:cubicBezTo>
+                  <a:pt x="2992299" y="4958944"/>
+                  <a:pt x="2989407" y="4960397"/>
+                  <a:pt x="2984001" y="4960444"/>
+                </a:cubicBezTo>
+                <a:cubicBezTo>
+                  <a:pt x="2994191" y="4975446"/>
+                  <a:pt x="2981386" y="4966249"/>
+                  <a:pt x="2964542" y="4965062"/>
+                </a:cubicBezTo>
+                <a:cubicBezTo>
+                  <a:pt x="2976613" y="4988096"/>
+                  <a:pt x="2927627" y="4975618"/>
+                  <a:pt x="2921274" y="4988440"/>
+                </a:cubicBezTo>
+                <a:cubicBezTo>
+                  <a:pt x="2908629" y="4987050"/>
+                  <a:pt x="2895476" y="4985998"/>
+                  <a:pt x="2882111" y="4985411"/>
+                </a:cubicBezTo>
+                <a:lnTo>
+                  <a:pt x="2874282" y="4985361"/>
+                </a:lnTo>
+                <a:cubicBezTo>
+                  <a:pt x="2874237" y="4985437"/>
+                  <a:pt x="2874193" y="4985514"/>
+                  <a:pt x="2874147" y="4985591"/>
+                </a:cubicBezTo>
+                <a:cubicBezTo>
+                  <a:pt x="2872492" y="4986074"/>
+                  <a:pt x="2869935" y="4986243"/>
+                  <a:pt x="2865932" y="4985999"/>
+                </a:cubicBezTo>
+                <a:lnTo>
+                  <a:pt x="2860008" y="4985269"/>
+                </a:lnTo>
+                <a:lnTo>
+                  <a:pt x="2844819" y="4985172"/>
+                </a:lnTo>
+                <a:lnTo>
+                  <a:pt x="2839735" y="4986676"/>
+                </a:lnTo>
+                <a:lnTo>
+                  <a:pt x="2837922" y="4989488"/>
+                </a:lnTo>
+                <a:lnTo>
+                  <a:pt x="2836507" y="4989165"/>
+                </a:lnTo>
+                <a:cubicBezTo>
+                  <a:pt x="2825749" y="4984209"/>
+                  <a:pt x="2822382" y="4977089"/>
+                  <a:pt x="2808859" y="4996804"/>
+                </a:cubicBezTo>
+                <a:cubicBezTo>
+                  <a:pt x="2784233" y="4988767"/>
+                  <a:pt x="2779499" y="5000786"/>
+                  <a:pt x="2745907" y="5005126"/>
+                </a:cubicBezTo>
+                <a:cubicBezTo>
+                  <a:pt x="2731796" y="4997536"/>
+                  <a:pt x="2720518" y="5000295"/>
+                  <a:pt x="2709519" y="5006333"/>
+                </a:cubicBezTo>
+                <a:cubicBezTo>
+                  <a:pt x="2676766" y="5002878"/>
+                  <a:pt x="2646981" y="5011377"/>
+                  <a:pt x="2610212" y="5013529"/>
+                </a:cubicBezTo>
+                <a:cubicBezTo>
+                  <a:pt x="2570359" y="5003730"/>
+                  <a:pt x="2550109" y="5021491"/>
+                  <a:pt x="2510814" y="5023713"/>
+                </a:cubicBezTo>
+                <a:cubicBezTo>
+                  <a:pt x="2476639" y="5006722"/>
+                  <a:pt x="2482834" y="5038639"/>
+                  <a:pt x="2462736" y="5045398"/>
+                </a:cubicBezTo>
+                <a:lnTo>
+                  <a:pt x="2457050" y="5046022"/>
+                </a:lnTo>
+                <a:lnTo>
+                  <a:pt x="2442184" y="5043549"/>
+                </a:lnTo>
+                <a:lnTo>
+                  <a:pt x="2436703" y="5041929"/>
+                </a:lnTo>
+                <a:cubicBezTo>
+                  <a:pt x="2432888" y="5041072"/>
+                  <a:pt x="2430299" y="5040830"/>
+                  <a:pt x="2428451" y="5041027"/>
+                </a:cubicBezTo>
+                <a:lnTo>
+                  <a:pt x="2420551" y="5039949"/>
+                </a:lnTo>
+                <a:cubicBezTo>
+                  <a:pt x="2407700" y="5037296"/>
+                  <a:pt x="2395274" y="5034239"/>
+                  <a:pt x="2383501" y="5030941"/>
+                </a:cubicBezTo>
+                <a:cubicBezTo>
+                  <a:pt x="2362992" y="5032521"/>
+                  <a:pt x="2317884" y="5047662"/>
+                  <a:pt x="2297493" y="5049431"/>
+                </a:cubicBezTo>
+                <a:lnTo>
+                  <a:pt x="2261156" y="5041558"/>
+                </a:lnTo>
+                <a:lnTo>
+                  <a:pt x="2200581" y="5024964"/>
+                </a:lnTo>
+                <a:lnTo>
+                  <a:pt x="2198380" y="5025550"/>
+                </a:lnTo>
+                <a:lnTo>
+                  <a:pt x="2116066" y="5019568"/>
+                </a:lnTo>
+                <a:cubicBezTo>
+                  <a:pt x="2111600" y="5017036"/>
+                  <a:pt x="2059664" y="5006071"/>
+                  <a:pt x="2056754" y="5002394"/>
+                </a:cubicBezTo>
+                <a:cubicBezTo>
+                  <a:pt x="2003393" y="5014336"/>
+                  <a:pt x="1998298" y="5008800"/>
+                  <a:pt x="1942916" y="5005703"/>
+                </a:cubicBezTo>
+                <a:cubicBezTo>
+                  <a:pt x="1882138" y="4994708"/>
+                  <a:pt x="1836966" y="4976630"/>
+                  <a:pt x="1796717" y="4970423"/>
+                </a:cubicBezTo>
+                <a:cubicBezTo>
+                  <a:pt x="1724075" y="4959337"/>
+                  <a:pt x="1636218" y="4936339"/>
+                  <a:pt x="1583222" y="4931235"/>
+                </a:cubicBezTo>
+                <a:cubicBezTo>
+                  <a:pt x="1544265" y="4950469"/>
+                  <a:pt x="1556109" y="4927628"/>
+                  <a:pt x="1518821" y="4927872"/>
+                </a:cubicBezTo>
+                <a:cubicBezTo>
+                  <a:pt x="1497291" y="4925112"/>
+                  <a:pt x="1483221" y="4916728"/>
+                  <a:pt x="1471837" y="4914678"/>
+                </a:cubicBezTo>
+                <a:lnTo>
+                  <a:pt x="1450515" y="4915578"/>
+                </a:lnTo>
+                <a:lnTo>
+                  <a:pt x="1437078" y="4915016"/>
+                </a:lnTo>
+                <a:lnTo>
+                  <a:pt x="1432462" y="4920065"/>
+                </a:lnTo>
+                <a:lnTo>
+                  <a:pt x="1411645" y="4922952"/>
+                </a:lnTo>
+                <a:cubicBezTo>
+                  <a:pt x="1384856" y="4920079"/>
+                  <a:pt x="1306656" y="4907389"/>
+                  <a:pt x="1271729" y="4902828"/>
+                </a:cubicBezTo>
+                <a:cubicBezTo>
+                  <a:pt x="1258697" y="4896954"/>
+                  <a:pt x="1213546" y="4890036"/>
+                  <a:pt x="1202076" y="4895589"/>
+                </a:cubicBezTo>
+                <a:cubicBezTo>
+                  <a:pt x="1192059" y="4895561"/>
+                  <a:pt x="1182171" y="4891311"/>
+                  <a:pt x="1174670" y="4898040"/>
+                </a:cubicBezTo>
+                <a:cubicBezTo>
+                  <a:pt x="1163701" y="4905820"/>
+                  <a:pt x="1136874" y="4886643"/>
+                  <a:pt x="1137035" y="4897965"/>
+                </a:cubicBezTo>
+                <a:cubicBezTo>
+                  <a:pt x="1117838" y="4884693"/>
+                  <a:pt x="1091386" y="4900421"/>
+                  <a:pt x="1069882" y="4901859"/>
+                </a:cubicBezTo>
+                <a:cubicBezTo>
+                  <a:pt x="1055589" y="4889467"/>
+                  <a:pt x="1024570" y="4904705"/>
+                  <a:pt x="980935" y="4900090"/>
+                </a:cubicBezTo>
+                <a:cubicBezTo>
+                  <a:pt x="947614" y="4895538"/>
+                  <a:pt x="913224" y="4886405"/>
+                  <a:pt x="869960" y="4874547"/>
+                </a:cubicBezTo>
+                <a:cubicBezTo>
+                  <a:pt x="819114" y="4845820"/>
+                  <a:pt x="768074" y="4839770"/>
+                  <a:pt x="721345" y="4828937"/>
+                </a:cubicBezTo>
+                <a:cubicBezTo>
+                  <a:pt x="667944" y="4819060"/>
+                  <a:pt x="698286" y="4848426"/>
+                  <a:pt x="635428" y="4819153"/>
+                </a:cubicBezTo>
+                <a:cubicBezTo>
+                  <a:pt x="626286" y="4826707"/>
+                  <a:pt x="617638" y="4825980"/>
+                  <a:pt x="604106" y="4819994"/>
+                </a:cubicBezTo>
+                <a:cubicBezTo>
+                  <a:pt x="583276" y="4822237"/>
+                  <a:pt x="539859" y="4835097"/>
+                  <a:pt x="510451" y="4832608"/>
+                </a:cubicBezTo>
+                <a:cubicBezTo>
+                  <a:pt x="489781" y="4829929"/>
+                  <a:pt x="443867" y="4807857"/>
+                  <a:pt x="427656" y="4805062"/>
+                </a:cubicBezTo>
+                <a:cubicBezTo>
+                  <a:pt x="424088" y="4806479"/>
+                  <a:pt x="419580" y="4809736"/>
+                  <a:pt x="413184" y="4815837"/>
+                </a:cubicBezTo>
+                <a:cubicBezTo>
+                  <a:pt x="387673" y="4805882"/>
+                  <a:pt x="379855" y="4817328"/>
+                  <a:pt x="341772" y="4818825"/>
+                </a:cubicBezTo>
+                <a:cubicBezTo>
+                  <a:pt x="327795" y="4810179"/>
+                  <a:pt x="314729" y="4811964"/>
+                  <a:pt x="301266" y="4817000"/>
+                </a:cubicBezTo>
+                <a:cubicBezTo>
+                  <a:pt x="265781" y="4810886"/>
+                  <a:pt x="231017" y="4816794"/>
+                  <a:pt x="189886" y="4815871"/>
+                </a:cubicBezTo>
+                <a:cubicBezTo>
+                  <a:pt x="147910" y="4802917"/>
+                  <a:pt x="121702" y="4818738"/>
+                  <a:pt x="77762" y="4817675"/>
+                </a:cubicBezTo>
+                <a:cubicBezTo>
+                  <a:pt x="38733" y="4795315"/>
+                  <a:pt x="44308" y="4840244"/>
+                  <a:pt x="8164" y="4835320"/>
+                </a:cubicBezTo>
+                <a:lnTo>
+                  <a:pt x="0" y="4832771"/>
+                </a:lnTo>
+                <a:close/>
+              </a:path>
+            </a:pathLst>
+          </a:custGeom>
+        </p:spPr>
+      </p:pic>
+      <p:sp>
+        <p:nvSpPr>
+          <p:cNvPr id="2" name="Cím 1">
+            <a:extLst>
+              <a:ext uri="{FF2B5EF4-FFF2-40B4-BE49-F238E27FC236}">
+                <a16:creationId xmlns:a16="http://schemas.microsoft.com/office/drawing/2014/main" id="{7029D223-A536-F219-3CD6-3BE0CA80958F}"/>
+              </a:ext>
+            </a:extLst>
+          </p:cNvPr>
+          <p:cNvSpPr>
+            <a:spLocks noGrp="1"/>
+          </p:cNvSpPr>
+          <p:nvPr>
+            <p:ph type="ctrTitle"/>
+          </p:nvPr>
+        </p:nvSpPr>
+        <p:spPr>
+          <a:xfrm>
+            <a:off x="599818" y="5019676"/>
+            <a:ext cx="6931319" cy="966862"/>
           </a:xfrm>
         </p:spPr>
         <p:txBody>
-          <a:bodyPr/>
+          <a:bodyPr anchor="b">
+            <a:normAutofit/>
+          </a:bodyPr>
           <a:lstStyle/>
           <a:p>
+            <a:pPr algn="l"/>
             <a:r>
               <a:rPr lang="hu-HU" dirty="0">
+                <a:solidFill>
+                  <a:schemeClr val="tx1">
+                    <a:lumMod val="85000"/>
+                    <a:lumOff val="15000"/>
+                  </a:schemeClr>
+                </a:solidFill>
                 <a:latin typeface="Times New Roman" panose="02020603050405020304" pitchFamily="18" charset="0"/>
                 <a:cs typeface="Times New Roman" panose="02020603050405020304" pitchFamily="18" charset="0"/>
               </a:rPr>
@@ -3385,13 +4467,27 @@
             <p:ph type="subTitle" idx="1"/>
           </p:nvPr>
         </p:nvSpPr>
-        <p:spPr/>
-        <p:txBody>
-          <a:bodyPr/>
+        <p:spPr>
+          <a:xfrm>
+            <a:off x="599819" y="6059086"/>
+            <a:ext cx="6931319" cy="636989"/>
+          </a:xfrm>
+        </p:spPr>
+        <p:txBody>
+          <a:bodyPr anchor="t">
+            <a:normAutofit/>
+          </a:bodyPr>
           <a:lstStyle/>
           <a:p>
+            <a:pPr algn="l"/>
             <a:r>
               <a:rPr lang="hu-HU" dirty="0">
+                <a:solidFill>
+                  <a:schemeClr val="tx1">
+                    <a:lumMod val="85000"/>
+                    <a:lumOff val="15000"/>
+                  </a:schemeClr>
+                </a:solidFill>
                 <a:latin typeface="Times New Roman" panose="02020603050405020304" pitchFamily="18" charset="0"/>
                 <a:cs typeface="Times New Roman" panose="02020603050405020304" pitchFamily="18" charset="0"/>
               </a:rPr>
@@ -3413,7 +4509,897 @@
 </p:sld>
 </file>
 
-<file path=ppt/slides/slide2.xml><?xml version="1.0" encoding="utf-8"?>
+<file path=ppt/slides/slide10.xml><?xml version="1.0" encoding="utf-8"?>
+<p:sld xmlns:a="http://schemas.openxmlformats.org/drawingml/2006/main" xmlns:r="http://schemas.openxmlformats.org/officeDocument/2006/relationships" xmlns:p="http://schemas.openxmlformats.org/presentationml/2006/main">
+  <p:cSld>
+    <p:bg>
+      <p:bgPr>
+        <a:blipFill dpi="0" rotWithShape="1">
+          <a:blip r:embed="rId2">
+            <a:lum/>
+          </a:blip>
+          <a:srcRect/>
+          <a:stretch>
+            <a:fillRect t="-17000" b="-17000"/>
+          </a:stretch>
+        </a:blipFill>
+        <a:effectLst/>
+      </p:bgPr>
+    </p:bg>
+    <p:spTree>
+      <p:nvGrpSpPr>
+        <p:cNvPr id="1" name="">
+          <a:extLst>
+            <a:ext uri="{FF2B5EF4-FFF2-40B4-BE49-F238E27FC236}">
+              <a16:creationId xmlns:a16="http://schemas.microsoft.com/office/drawing/2014/main" id="{F1B2C501-0AD6-5B32-DDDC-05A21536BA19}"/>
+            </a:ext>
+          </a:extLst>
+        </p:cNvPr>
+        <p:cNvGrpSpPr/>
+        <p:nvPr/>
+      </p:nvGrpSpPr>
+      <p:grpSpPr>
+        <a:xfrm>
+          <a:off x="0" y="0"/>
+          <a:ext cx="0" cy="0"/>
+          <a:chOff x="0" y="0"/>
+          <a:chExt cx="0" cy="0"/>
+        </a:xfrm>
+      </p:grpSpPr>
+      <p:sp>
+        <p:nvSpPr>
+          <p:cNvPr id="2" name="Cím 1">
+            <a:extLst>
+              <a:ext uri="{FF2B5EF4-FFF2-40B4-BE49-F238E27FC236}">
+                <a16:creationId xmlns:a16="http://schemas.microsoft.com/office/drawing/2014/main" id="{9C54E7D8-02A4-07C3-A3AB-327D3C92F617}"/>
+              </a:ext>
+            </a:extLst>
+          </p:cNvPr>
+          <p:cNvSpPr>
+            <a:spLocks noGrp="1"/>
+          </p:cNvSpPr>
+          <p:nvPr>
+            <p:ph type="title"/>
+          </p:nvPr>
+        </p:nvSpPr>
+        <p:spPr>
+          <a:xfrm>
+            <a:off x="0" y="0"/>
+            <a:ext cx="12192000" cy="1008000"/>
+          </a:xfrm>
+        </p:spPr>
+        <p:txBody>
+          <a:bodyPr>
+            <a:normAutofit/>
+          </a:bodyPr>
+          <a:lstStyle/>
+          <a:p>
+            <a:pPr algn="ctr"/>
+            <a:r>
+              <a:rPr lang="hu-HU" sz="5400">
+                <a:solidFill>
+                  <a:schemeClr val="bg1"/>
+                </a:solidFill>
+                <a:latin typeface="Times New Roman" panose="02020603050405020304" pitchFamily="18" charset="0"/>
+                <a:cs typeface="Times New Roman" panose="02020603050405020304" pitchFamily="18" charset="0"/>
+              </a:rPr>
+              <a:t>Újratervezett főoldal</a:t>
+            </a:r>
+            <a:endParaRPr lang="hu-HU" sz="5400" dirty="0">
+              <a:solidFill>
+                <a:schemeClr val="bg1"/>
+              </a:solidFill>
+              <a:latin typeface="Times New Roman" panose="02020603050405020304" pitchFamily="18" charset="0"/>
+              <a:cs typeface="Times New Roman" panose="02020603050405020304" pitchFamily="18" charset="0"/>
+            </a:endParaRPr>
+          </a:p>
+        </p:txBody>
+      </p:sp>
+      <p:pic>
+        <p:nvPicPr>
+          <p:cNvPr id="5" name="Kép 4">
+            <a:extLst>
+              <a:ext uri="{FF2B5EF4-FFF2-40B4-BE49-F238E27FC236}">
+                <a16:creationId xmlns:a16="http://schemas.microsoft.com/office/drawing/2014/main" id="{3B3C09B2-1AC8-DC72-E207-625CD6F86948}"/>
+              </a:ext>
+            </a:extLst>
+          </p:cNvPr>
+          <p:cNvPicPr>
+            <a:picLocks noChangeAspect="1"/>
+          </p:cNvPicPr>
+          <p:nvPr/>
+        </p:nvPicPr>
+        <p:blipFill>
+          <a:blip r:embed="rId3"/>
+          <a:stretch>
+            <a:fillRect/>
+          </a:stretch>
+        </p:blipFill>
+        <p:spPr>
+          <a:xfrm>
+            <a:off x="28304" y="882000"/>
+            <a:ext cx="12135391" cy="5976000"/>
+          </a:xfrm>
+          <a:prstGeom prst="rect">
+            <a:avLst/>
+          </a:prstGeom>
+        </p:spPr>
+      </p:pic>
+    </p:spTree>
+    <p:extLst>
+      <p:ext uri="{BB962C8B-B14F-4D97-AF65-F5344CB8AC3E}">
+        <p14:creationId xmlns:p14="http://schemas.microsoft.com/office/powerpoint/2010/main" val="3998714109"/>
+      </p:ext>
+    </p:extLst>
+  </p:cSld>
+  <p:clrMapOvr>
+    <a:masterClrMapping/>
+  </p:clrMapOvr>
+</p:sld>
+</file>
+
+<file path=ppt/slides/slide11.xml><?xml version="1.0" encoding="utf-8"?>
+<p:sld xmlns:a="http://schemas.openxmlformats.org/drawingml/2006/main" xmlns:r="http://schemas.openxmlformats.org/officeDocument/2006/relationships" xmlns:p="http://schemas.openxmlformats.org/presentationml/2006/main">
+  <p:cSld>
+    <p:bg>
+      <p:bgPr>
+        <a:blipFill dpi="0" rotWithShape="1">
+          <a:blip r:embed="rId2">
+            <a:lum/>
+          </a:blip>
+          <a:srcRect/>
+          <a:stretch>
+            <a:fillRect t="-17000" b="-17000"/>
+          </a:stretch>
+        </a:blipFill>
+        <a:effectLst/>
+      </p:bgPr>
+    </p:bg>
+    <p:spTree>
+      <p:nvGrpSpPr>
+        <p:cNvPr id="1" name="">
+          <a:extLst>
+            <a:ext uri="{FF2B5EF4-FFF2-40B4-BE49-F238E27FC236}">
+              <a16:creationId xmlns:a16="http://schemas.microsoft.com/office/drawing/2014/main" id="{665AD452-00E3-08BA-ADB2-A03C6D28EB44}"/>
+            </a:ext>
+          </a:extLst>
+        </p:cNvPr>
+        <p:cNvGrpSpPr/>
+        <p:nvPr/>
+      </p:nvGrpSpPr>
+      <p:grpSpPr>
+        <a:xfrm>
+          <a:off x="0" y="0"/>
+          <a:ext cx="0" cy="0"/>
+          <a:chOff x="0" y="0"/>
+          <a:chExt cx="0" cy="0"/>
+        </a:xfrm>
+      </p:grpSpPr>
+      <p:sp>
+        <p:nvSpPr>
+          <p:cNvPr id="2" name="Cím 1">
+            <a:extLst>
+              <a:ext uri="{FF2B5EF4-FFF2-40B4-BE49-F238E27FC236}">
+                <a16:creationId xmlns:a16="http://schemas.microsoft.com/office/drawing/2014/main" id="{0129A515-EF64-500C-9EE1-F8F19889D9BF}"/>
+              </a:ext>
+            </a:extLst>
+          </p:cNvPr>
+          <p:cNvSpPr>
+            <a:spLocks noGrp="1"/>
+          </p:cNvSpPr>
+          <p:nvPr>
+            <p:ph type="title"/>
+          </p:nvPr>
+        </p:nvSpPr>
+        <p:spPr>
+          <a:xfrm>
+            <a:off x="0" y="1"/>
+            <a:ext cx="12192000" cy="1008000"/>
+          </a:xfrm>
+        </p:spPr>
+        <p:txBody>
+          <a:bodyPr>
+            <a:normAutofit/>
+          </a:bodyPr>
+          <a:lstStyle/>
+          <a:p>
+            <a:pPr algn="ctr"/>
+            <a:r>
+              <a:rPr lang="hu-HU" sz="5400" dirty="0">
+                <a:solidFill>
+                  <a:schemeClr val="bg1"/>
+                </a:solidFill>
+                <a:latin typeface="Times New Roman" panose="02020603050405020304" pitchFamily="18" charset="0"/>
+                <a:cs typeface="Times New Roman" panose="02020603050405020304" pitchFamily="18" charset="0"/>
+              </a:rPr>
+              <a:t>Tesztsor választó felület</a:t>
+            </a:r>
+          </a:p>
+        </p:txBody>
+      </p:sp>
+      <p:pic>
+        <p:nvPicPr>
+          <p:cNvPr id="5" name="Kép 4" descr="A képen diagram, szöveg, sor, képernyőkép látható&#10;&#10;Automatikusan generált leírás">
+            <a:extLst>
+              <a:ext uri="{FF2B5EF4-FFF2-40B4-BE49-F238E27FC236}">
+                <a16:creationId xmlns:a16="http://schemas.microsoft.com/office/drawing/2014/main" id="{073445BB-8AF3-5398-B11E-560696198FB7}"/>
+              </a:ext>
+            </a:extLst>
+          </p:cNvPr>
+          <p:cNvPicPr>
+            <a:picLocks noChangeAspect="1"/>
+          </p:cNvPicPr>
+          <p:nvPr/>
+        </p:nvPicPr>
+        <p:blipFill>
+          <a:blip r:embed="rId3">
+            <a:extLst>
+              <a:ext uri="{28A0092B-C50C-407E-A947-70E740481C1C}">
+                <a14:useLocalDpi xmlns:a14="http://schemas.microsoft.com/office/drawing/2010/main" val="0"/>
+              </a:ext>
+            </a:extLst>
+          </a:blip>
+          <a:stretch>
+            <a:fillRect/>
+          </a:stretch>
+        </p:blipFill>
+        <p:spPr>
+          <a:xfrm>
+            <a:off x="366392" y="881999"/>
+            <a:ext cx="11459216" cy="5976000"/>
+          </a:xfrm>
+          <a:prstGeom prst="rect">
+            <a:avLst/>
+          </a:prstGeom>
+        </p:spPr>
+      </p:pic>
+    </p:spTree>
+    <p:extLst>
+      <p:ext uri="{BB962C8B-B14F-4D97-AF65-F5344CB8AC3E}">
+        <p14:creationId xmlns:p14="http://schemas.microsoft.com/office/powerpoint/2010/main" val="820335069"/>
+      </p:ext>
+    </p:extLst>
+  </p:cSld>
+  <p:clrMapOvr>
+    <a:masterClrMapping/>
+  </p:clrMapOvr>
+</p:sld>
+</file>
+
+<file path=ppt/slides/slide12.xml><?xml version="1.0" encoding="utf-8"?>
+<p:sld xmlns:a="http://schemas.openxmlformats.org/drawingml/2006/main" xmlns:r="http://schemas.openxmlformats.org/officeDocument/2006/relationships" xmlns:p="http://schemas.openxmlformats.org/presentationml/2006/main">
+  <p:cSld>
+    <p:bg>
+      <p:bgPr>
+        <a:blipFill dpi="0" rotWithShape="1">
+          <a:blip r:embed="rId2">
+            <a:lum/>
+          </a:blip>
+          <a:srcRect/>
+          <a:stretch>
+            <a:fillRect t="-17000" b="-17000"/>
+          </a:stretch>
+        </a:blipFill>
+        <a:effectLst/>
+      </p:bgPr>
+    </p:bg>
+    <p:spTree>
+      <p:nvGrpSpPr>
+        <p:cNvPr id="1" name="">
+          <a:extLst>
+            <a:ext uri="{FF2B5EF4-FFF2-40B4-BE49-F238E27FC236}">
+              <a16:creationId xmlns:a16="http://schemas.microsoft.com/office/drawing/2014/main" id="{334A817E-0BC7-30EE-4112-53202197352D}"/>
+            </a:ext>
+          </a:extLst>
+        </p:cNvPr>
+        <p:cNvGrpSpPr/>
+        <p:nvPr/>
+      </p:nvGrpSpPr>
+      <p:grpSpPr>
+        <a:xfrm>
+          <a:off x="0" y="0"/>
+          <a:ext cx="0" cy="0"/>
+          <a:chOff x="0" y="0"/>
+          <a:chExt cx="0" cy="0"/>
+        </a:xfrm>
+      </p:grpSpPr>
+      <p:sp>
+        <p:nvSpPr>
+          <p:cNvPr id="2" name="Cím 1">
+            <a:extLst>
+              <a:ext uri="{FF2B5EF4-FFF2-40B4-BE49-F238E27FC236}">
+                <a16:creationId xmlns:a16="http://schemas.microsoft.com/office/drawing/2014/main" id="{D54BC962-494A-A134-67D9-36FACC7A7B00}"/>
+              </a:ext>
+            </a:extLst>
+          </p:cNvPr>
+          <p:cNvSpPr>
+            <a:spLocks noGrp="1"/>
+          </p:cNvSpPr>
+          <p:nvPr>
+            <p:ph type="title"/>
+          </p:nvPr>
+        </p:nvSpPr>
+        <p:spPr>
+          <a:xfrm>
+            <a:off x="0" y="0"/>
+            <a:ext cx="12192000" cy="1008000"/>
+          </a:xfrm>
+        </p:spPr>
+        <p:txBody>
+          <a:bodyPr>
+            <a:normAutofit/>
+          </a:bodyPr>
+          <a:lstStyle/>
+          <a:p>
+            <a:pPr algn="ctr"/>
+            <a:r>
+              <a:rPr lang="hu-HU" sz="5400" dirty="0">
+                <a:solidFill>
+                  <a:schemeClr val="bg1"/>
+                </a:solidFill>
+                <a:latin typeface="Times New Roman" panose="02020603050405020304" pitchFamily="18" charset="0"/>
+                <a:cs typeface="Times New Roman" panose="02020603050405020304" pitchFamily="18" charset="0"/>
+              </a:rPr>
+              <a:t>Tesztsor </a:t>
+            </a:r>
+            <a:r>
+              <a:rPr lang="hu-HU" sz="5400">
+                <a:solidFill>
+                  <a:schemeClr val="bg1"/>
+                </a:solidFill>
+                <a:latin typeface="Times New Roman" panose="02020603050405020304" pitchFamily="18" charset="0"/>
+                <a:cs typeface="Times New Roman" panose="02020603050405020304" pitchFamily="18" charset="0"/>
+              </a:rPr>
+              <a:t>választó felület</a:t>
+            </a:r>
+            <a:endParaRPr lang="hu-HU" sz="5400" dirty="0">
+              <a:solidFill>
+                <a:schemeClr val="bg1"/>
+              </a:solidFill>
+              <a:latin typeface="Times New Roman" panose="02020603050405020304" pitchFamily="18" charset="0"/>
+              <a:cs typeface="Times New Roman" panose="02020603050405020304" pitchFamily="18" charset="0"/>
+            </a:endParaRPr>
+          </a:p>
+        </p:txBody>
+      </p:sp>
+      <p:pic>
+        <p:nvPicPr>
+          <p:cNvPr id="4" name="Kép 3">
+            <a:extLst>
+              <a:ext uri="{FF2B5EF4-FFF2-40B4-BE49-F238E27FC236}">
+                <a16:creationId xmlns:a16="http://schemas.microsoft.com/office/drawing/2014/main" id="{20B10D2D-2DBC-4724-DDEB-E921CFA232E4}"/>
+              </a:ext>
+            </a:extLst>
+          </p:cNvPr>
+          <p:cNvPicPr>
+            <a:picLocks noChangeAspect="1"/>
+          </p:cNvPicPr>
+          <p:nvPr/>
+        </p:nvPicPr>
+        <p:blipFill>
+          <a:blip r:embed="rId3"/>
+          <a:stretch>
+            <a:fillRect/>
+          </a:stretch>
+        </p:blipFill>
+        <p:spPr>
+          <a:xfrm>
+            <a:off x="28304" y="882000"/>
+            <a:ext cx="12135391" cy="5976000"/>
+          </a:xfrm>
+          <a:prstGeom prst="rect">
+            <a:avLst/>
+          </a:prstGeom>
+        </p:spPr>
+      </p:pic>
+    </p:spTree>
+    <p:extLst>
+      <p:ext uri="{BB962C8B-B14F-4D97-AF65-F5344CB8AC3E}">
+        <p14:creationId xmlns:p14="http://schemas.microsoft.com/office/powerpoint/2010/main" val="3828372338"/>
+      </p:ext>
+    </p:extLst>
+  </p:cSld>
+  <p:clrMapOvr>
+    <a:masterClrMapping/>
+  </p:clrMapOvr>
+</p:sld>
+</file>
+
+<file path=ppt/slides/slide13.xml><?xml version="1.0" encoding="utf-8"?>
+<p:sld xmlns:a="http://schemas.openxmlformats.org/drawingml/2006/main" xmlns:r="http://schemas.openxmlformats.org/officeDocument/2006/relationships" xmlns:p="http://schemas.openxmlformats.org/presentationml/2006/main">
+  <p:cSld>
+    <p:bg>
+      <p:bgPr>
+        <a:blipFill dpi="0" rotWithShape="1">
+          <a:blip r:embed="rId2">
+            <a:lum/>
+          </a:blip>
+          <a:srcRect/>
+          <a:stretch>
+            <a:fillRect t="-17000" b="-17000"/>
+          </a:stretch>
+        </a:blipFill>
+        <a:effectLst/>
+      </p:bgPr>
+    </p:bg>
+    <p:spTree>
+      <p:nvGrpSpPr>
+        <p:cNvPr id="1" name="">
+          <a:extLst>
+            <a:ext uri="{FF2B5EF4-FFF2-40B4-BE49-F238E27FC236}">
+              <a16:creationId xmlns:a16="http://schemas.microsoft.com/office/drawing/2014/main" id="{01443701-C98A-7868-56E4-AB500559F697}"/>
+            </a:ext>
+          </a:extLst>
+        </p:cNvPr>
+        <p:cNvGrpSpPr/>
+        <p:nvPr/>
+      </p:nvGrpSpPr>
+      <p:grpSpPr>
+        <a:xfrm>
+          <a:off x="0" y="0"/>
+          <a:ext cx="0" cy="0"/>
+          <a:chOff x="0" y="0"/>
+          <a:chExt cx="0" cy="0"/>
+        </a:xfrm>
+      </p:grpSpPr>
+      <p:sp>
+        <p:nvSpPr>
+          <p:cNvPr id="2" name="Cím 1">
+            <a:extLst>
+              <a:ext uri="{FF2B5EF4-FFF2-40B4-BE49-F238E27FC236}">
+                <a16:creationId xmlns:a16="http://schemas.microsoft.com/office/drawing/2014/main" id="{64552D08-6200-ED9B-1DF7-BD579F72111D}"/>
+              </a:ext>
+            </a:extLst>
+          </p:cNvPr>
+          <p:cNvSpPr>
+            <a:spLocks noGrp="1"/>
+          </p:cNvSpPr>
+          <p:nvPr>
+            <p:ph type="title"/>
+          </p:nvPr>
+        </p:nvSpPr>
+        <p:spPr>
+          <a:xfrm>
+            <a:off x="0" y="0"/>
+            <a:ext cx="12192000" cy="1008000"/>
+          </a:xfrm>
+        </p:spPr>
+        <p:txBody>
+          <a:bodyPr>
+            <a:normAutofit/>
+          </a:bodyPr>
+          <a:lstStyle/>
+          <a:p>
+            <a:pPr algn="ctr"/>
+            <a:r>
+              <a:rPr lang="hu-HU" sz="5400" dirty="0">
+                <a:solidFill>
+                  <a:schemeClr val="bg1"/>
+                </a:solidFill>
+                <a:latin typeface="Times New Roman" panose="02020603050405020304" pitchFamily="18" charset="0"/>
+                <a:cs typeface="Times New Roman" panose="02020603050405020304" pitchFamily="18" charset="0"/>
+              </a:rPr>
+              <a:t>Adatbázisból betöltött tesztfelület</a:t>
+            </a:r>
+          </a:p>
+        </p:txBody>
+      </p:sp>
+      <p:pic>
+        <p:nvPicPr>
+          <p:cNvPr id="5" name="Kép 4" descr="A képen szöveg, képernyőkép, sor, diagram látható&#10;&#10;Automatikusan generált leírás">
+            <a:extLst>
+              <a:ext uri="{FF2B5EF4-FFF2-40B4-BE49-F238E27FC236}">
+                <a16:creationId xmlns:a16="http://schemas.microsoft.com/office/drawing/2014/main" id="{D57B5857-0341-84D6-49D7-254C11483015}"/>
+              </a:ext>
+            </a:extLst>
+          </p:cNvPr>
+          <p:cNvPicPr>
+            <a:picLocks noChangeAspect="1"/>
+          </p:cNvPicPr>
+          <p:nvPr/>
+        </p:nvPicPr>
+        <p:blipFill>
+          <a:blip r:embed="rId3">
+            <a:extLst>
+              <a:ext uri="{28A0092B-C50C-407E-A947-70E740481C1C}">
+                <a14:useLocalDpi xmlns:a14="http://schemas.microsoft.com/office/drawing/2010/main" val="0"/>
+              </a:ext>
+            </a:extLst>
+          </a:blip>
+          <a:stretch>
+            <a:fillRect/>
+          </a:stretch>
+        </p:blipFill>
+        <p:spPr>
+          <a:xfrm>
+            <a:off x="371487" y="882000"/>
+            <a:ext cx="11449026" cy="5976000"/>
+          </a:xfrm>
+          <a:prstGeom prst="rect">
+            <a:avLst/>
+          </a:prstGeom>
+        </p:spPr>
+      </p:pic>
+    </p:spTree>
+    <p:extLst>
+      <p:ext uri="{BB962C8B-B14F-4D97-AF65-F5344CB8AC3E}">
+        <p14:creationId xmlns:p14="http://schemas.microsoft.com/office/powerpoint/2010/main" val="1632275736"/>
+      </p:ext>
+    </p:extLst>
+  </p:cSld>
+  <p:clrMapOvr>
+    <a:masterClrMapping/>
+  </p:clrMapOvr>
+</p:sld>
+</file>
+
+<file path=ppt/slides/slide14.xml><?xml version="1.0" encoding="utf-8"?>
+<p:sld xmlns:a="http://schemas.openxmlformats.org/drawingml/2006/main" xmlns:r="http://schemas.openxmlformats.org/officeDocument/2006/relationships" xmlns:p="http://schemas.openxmlformats.org/presentationml/2006/main">
+  <p:cSld>
+    <p:bg>
+      <p:bgPr>
+        <a:blipFill dpi="0" rotWithShape="1">
+          <a:blip r:embed="rId2">
+            <a:lum/>
+          </a:blip>
+          <a:srcRect/>
+          <a:stretch>
+            <a:fillRect t="-17000" b="-17000"/>
+          </a:stretch>
+        </a:blipFill>
+        <a:effectLst/>
+      </p:bgPr>
+    </p:bg>
+    <p:spTree>
+      <p:nvGrpSpPr>
+        <p:cNvPr id="1" name="">
+          <a:extLst>
+            <a:ext uri="{FF2B5EF4-FFF2-40B4-BE49-F238E27FC236}">
+              <a16:creationId xmlns:a16="http://schemas.microsoft.com/office/drawing/2014/main" id="{5AAE7DE5-0CC2-33C8-A0B3-BFB06E1614AF}"/>
+            </a:ext>
+          </a:extLst>
+        </p:cNvPr>
+        <p:cNvGrpSpPr/>
+        <p:nvPr/>
+      </p:nvGrpSpPr>
+      <p:grpSpPr>
+        <a:xfrm>
+          <a:off x="0" y="0"/>
+          <a:ext cx="0" cy="0"/>
+          <a:chOff x="0" y="0"/>
+          <a:chExt cx="0" cy="0"/>
+        </a:xfrm>
+      </p:grpSpPr>
+      <p:sp>
+        <p:nvSpPr>
+          <p:cNvPr id="2" name="Cím 1">
+            <a:extLst>
+              <a:ext uri="{FF2B5EF4-FFF2-40B4-BE49-F238E27FC236}">
+                <a16:creationId xmlns:a16="http://schemas.microsoft.com/office/drawing/2014/main" id="{F823BCCE-FC24-AA53-CE58-05296DBA086A}"/>
+              </a:ext>
+            </a:extLst>
+          </p:cNvPr>
+          <p:cNvSpPr>
+            <a:spLocks noGrp="1"/>
+          </p:cNvSpPr>
+          <p:nvPr>
+            <p:ph type="title"/>
+          </p:nvPr>
+        </p:nvSpPr>
+        <p:spPr>
+          <a:xfrm>
+            <a:off x="0" y="0"/>
+            <a:ext cx="12192000" cy="1008000"/>
+          </a:xfrm>
+        </p:spPr>
+        <p:txBody>
+          <a:bodyPr>
+            <a:normAutofit/>
+          </a:bodyPr>
+          <a:lstStyle/>
+          <a:p>
+            <a:pPr algn="ctr"/>
+            <a:r>
+              <a:rPr lang="hu-HU" sz="5400" dirty="0">
+                <a:solidFill>
+                  <a:schemeClr val="bg1"/>
+                </a:solidFill>
+                <a:latin typeface="Times New Roman" panose="02020603050405020304" pitchFamily="18" charset="0"/>
+                <a:cs typeface="Times New Roman" panose="02020603050405020304" pitchFamily="18" charset="0"/>
+              </a:rPr>
+              <a:t>Adatbázisból betöltött tesztfelület</a:t>
+            </a:r>
+          </a:p>
+        </p:txBody>
+      </p:sp>
+      <p:pic>
+        <p:nvPicPr>
+          <p:cNvPr id="5" name="Kép 4">
+            <a:extLst>
+              <a:ext uri="{FF2B5EF4-FFF2-40B4-BE49-F238E27FC236}">
+                <a16:creationId xmlns:a16="http://schemas.microsoft.com/office/drawing/2014/main" id="{8961180F-7949-D0D0-36FD-0D42A519B58A}"/>
+              </a:ext>
+            </a:extLst>
+          </p:cNvPr>
+          <p:cNvPicPr>
+            <a:picLocks noChangeAspect="1"/>
+          </p:cNvPicPr>
+          <p:nvPr/>
+        </p:nvPicPr>
+        <p:blipFill>
+          <a:blip r:embed="rId3"/>
+          <a:stretch>
+            <a:fillRect/>
+          </a:stretch>
+        </p:blipFill>
+        <p:spPr>
+          <a:xfrm>
+            <a:off x="21877" y="882000"/>
+            <a:ext cx="12148245" cy="5976000"/>
+          </a:xfrm>
+          <a:prstGeom prst="rect">
+            <a:avLst/>
+          </a:prstGeom>
+        </p:spPr>
+      </p:pic>
+    </p:spTree>
+    <p:extLst>
+      <p:ext uri="{BB962C8B-B14F-4D97-AF65-F5344CB8AC3E}">
+        <p14:creationId xmlns:p14="http://schemas.microsoft.com/office/powerpoint/2010/main" val="1536641983"/>
+      </p:ext>
+    </p:extLst>
+  </p:cSld>
+  <p:clrMapOvr>
+    <a:masterClrMapping/>
+  </p:clrMapOvr>
+</p:sld>
+</file>
+
+<file path=ppt/slides/slide15.xml><?xml version="1.0" encoding="utf-8"?>
+<p:sld xmlns:a="http://schemas.openxmlformats.org/drawingml/2006/main" xmlns:r="http://schemas.openxmlformats.org/officeDocument/2006/relationships" xmlns:p="http://schemas.openxmlformats.org/presentationml/2006/main">
+  <p:cSld>
+    <p:bg>
+      <p:bgPr>
+        <a:blipFill dpi="0" rotWithShape="1">
+          <a:blip r:embed="rId2">
+            <a:lum/>
+          </a:blip>
+          <a:srcRect/>
+          <a:stretch>
+            <a:fillRect t="-17000" b="-17000"/>
+          </a:stretch>
+        </a:blipFill>
+        <a:effectLst/>
+      </p:bgPr>
+    </p:bg>
+    <p:spTree>
+      <p:nvGrpSpPr>
+        <p:cNvPr id="1" name="">
+          <a:extLst>
+            <a:ext uri="{FF2B5EF4-FFF2-40B4-BE49-F238E27FC236}">
+              <a16:creationId xmlns:a16="http://schemas.microsoft.com/office/drawing/2014/main" id="{772BE697-1D70-3E66-9F7C-FFC8BFB378FE}"/>
+            </a:ext>
+          </a:extLst>
+        </p:cNvPr>
+        <p:cNvGrpSpPr/>
+        <p:nvPr/>
+      </p:nvGrpSpPr>
+      <p:grpSpPr>
+        <a:xfrm>
+          <a:off x="0" y="0"/>
+          <a:ext cx="0" cy="0"/>
+          <a:chOff x="0" y="0"/>
+          <a:chExt cx="0" cy="0"/>
+        </a:xfrm>
+      </p:grpSpPr>
+      <p:sp>
+        <p:nvSpPr>
+          <p:cNvPr id="2" name="Cím 1">
+            <a:extLst>
+              <a:ext uri="{FF2B5EF4-FFF2-40B4-BE49-F238E27FC236}">
+                <a16:creationId xmlns:a16="http://schemas.microsoft.com/office/drawing/2014/main" id="{3DBE5412-22CE-E453-420A-2B18A829388C}"/>
+              </a:ext>
+            </a:extLst>
+          </p:cNvPr>
+          <p:cNvSpPr>
+            <a:spLocks noGrp="1"/>
+          </p:cNvSpPr>
+          <p:nvPr>
+            <p:ph type="title"/>
+          </p:nvPr>
+        </p:nvSpPr>
+        <p:spPr>
+          <a:xfrm>
+            <a:off x="0" y="0"/>
+            <a:ext cx="12192000" cy="1008000"/>
+          </a:xfrm>
+        </p:spPr>
+        <p:txBody>
+          <a:bodyPr>
+            <a:normAutofit/>
+          </a:bodyPr>
+          <a:lstStyle/>
+          <a:p>
+            <a:pPr algn="ctr"/>
+            <a:r>
+              <a:rPr lang="hu-HU" sz="5400" dirty="0">
+                <a:solidFill>
+                  <a:schemeClr val="bg1"/>
+                </a:solidFill>
+                <a:latin typeface="Times New Roman" panose="02020603050405020304" pitchFamily="18" charset="0"/>
+                <a:cs typeface="Times New Roman" panose="02020603050405020304" pitchFamily="18" charset="0"/>
+              </a:rPr>
+              <a:t>Első funkcionális tesztelés részlete</a:t>
+            </a:r>
+          </a:p>
+        </p:txBody>
+      </p:sp>
+      <p:pic>
+        <p:nvPicPr>
+          <p:cNvPr id="4" name="Kép 3">
+            <a:extLst>
+              <a:ext uri="{FF2B5EF4-FFF2-40B4-BE49-F238E27FC236}">
+                <a16:creationId xmlns:a16="http://schemas.microsoft.com/office/drawing/2014/main" id="{C33B1850-0372-4070-DAA0-B7BE556BBEF7}"/>
+              </a:ext>
+            </a:extLst>
+          </p:cNvPr>
+          <p:cNvPicPr>
+            <a:picLocks noChangeAspect="1"/>
+          </p:cNvPicPr>
+          <p:nvPr/>
+        </p:nvPicPr>
+        <p:blipFill>
+          <a:blip r:embed="rId3"/>
+          <a:stretch>
+            <a:fillRect/>
+          </a:stretch>
+        </p:blipFill>
+        <p:spPr>
+          <a:xfrm>
+            <a:off x="2503906" y="882000"/>
+            <a:ext cx="7184188" cy="5976000"/>
+          </a:xfrm>
+          <a:prstGeom prst="rect">
+            <a:avLst/>
+          </a:prstGeom>
+        </p:spPr>
+      </p:pic>
+    </p:spTree>
+    <p:extLst>
+      <p:ext uri="{BB962C8B-B14F-4D97-AF65-F5344CB8AC3E}">
+        <p14:creationId xmlns:p14="http://schemas.microsoft.com/office/powerpoint/2010/main" val="2114516140"/>
+      </p:ext>
+    </p:extLst>
+  </p:cSld>
+  <p:clrMapOvr>
+    <a:masterClrMapping/>
+  </p:clrMapOvr>
+</p:sld>
+</file>
+
+<file path=ppt/slides/slide16.xml><?xml version="1.0" encoding="utf-8"?>
+<p:sld xmlns:a="http://schemas.openxmlformats.org/drawingml/2006/main" xmlns:r="http://schemas.openxmlformats.org/officeDocument/2006/relationships" xmlns:p="http://schemas.openxmlformats.org/presentationml/2006/main">
+  <p:cSld>
+    <p:bg>
+      <p:bgPr>
+        <a:blipFill dpi="0" rotWithShape="1">
+          <a:blip r:embed="rId2">
+            <a:lum/>
+          </a:blip>
+          <a:srcRect/>
+          <a:stretch>
+            <a:fillRect t="-17000" b="-17000"/>
+          </a:stretch>
+        </a:blipFill>
+        <a:effectLst/>
+      </p:bgPr>
+    </p:bg>
+    <p:spTree>
+      <p:nvGrpSpPr>
+        <p:cNvPr id="1" name="">
+          <a:extLst>
+            <a:ext uri="{FF2B5EF4-FFF2-40B4-BE49-F238E27FC236}">
+              <a16:creationId xmlns:a16="http://schemas.microsoft.com/office/drawing/2014/main" id="{A50946C3-C3D8-6343-5144-720439EFF5BE}"/>
+            </a:ext>
+          </a:extLst>
+        </p:cNvPr>
+        <p:cNvGrpSpPr/>
+        <p:nvPr/>
+      </p:nvGrpSpPr>
+      <p:grpSpPr>
+        <a:xfrm>
+          <a:off x="0" y="0"/>
+          <a:ext cx="0" cy="0"/>
+          <a:chOff x="0" y="0"/>
+          <a:chExt cx="0" cy="0"/>
+        </a:xfrm>
+      </p:grpSpPr>
+      <p:sp>
+        <p:nvSpPr>
+          <p:cNvPr id="2" name="Cím 1">
+            <a:extLst>
+              <a:ext uri="{FF2B5EF4-FFF2-40B4-BE49-F238E27FC236}">
+                <a16:creationId xmlns:a16="http://schemas.microsoft.com/office/drawing/2014/main" id="{588ED784-56BF-6CDD-4E8D-965CD312EC2C}"/>
+              </a:ext>
+            </a:extLst>
+          </p:cNvPr>
+          <p:cNvSpPr>
+            <a:spLocks noGrp="1"/>
+          </p:cNvSpPr>
+          <p:nvPr>
+            <p:ph type="title"/>
+          </p:nvPr>
+        </p:nvSpPr>
+        <p:spPr>
+          <a:xfrm>
+            <a:off x="0" y="0"/>
+            <a:ext cx="12192000" cy="1008000"/>
+          </a:xfrm>
+        </p:spPr>
+        <p:txBody>
+          <a:bodyPr>
+            <a:normAutofit/>
+          </a:bodyPr>
+          <a:lstStyle/>
+          <a:p>
+            <a:pPr algn="ctr"/>
+            <a:r>
+              <a:rPr lang="hu-HU" sz="5400" dirty="0">
+                <a:solidFill>
+                  <a:schemeClr val="bg1"/>
+                </a:solidFill>
+                <a:latin typeface="Times New Roman" panose="02020603050405020304" pitchFamily="18" charset="0"/>
+                <a:cs typeface="Times New Roman" panose="02020603050405020304" pitchFamily="18" charset="0"/>
+              </a:rPr>
+              <a:t>A 15 random feladat lekérése</a:t>
+            </a:r>
+          </a:p>
+        </p:txBody>
+      </p:sp>
+      <p:pic>
+        <p:nvPicPr>
+          <p:cNvPr id="5" name="Kép 4">
+            <a:extLst>
+              <a:ext uri="{FF2B5EF4-FFF2-40B4-BE49-F238E27FC236}">
+                <a16:creationId xmlns:a16="http://schemas.microsoft.com/office/drawing/2014/main" id="{A82AC41E-DFF8-5B8A-7373-8CEC4E1F60E1}"/>
+              </a:ext>
+            </a:extLst>
+          </p:cNvPr>
+          <p:cNvPicPr>
+            <a:picLocks noChangeAspect="1"/>
+          </p:cNvPicPr>
+          <p:nvPr/>
+        </p:nvPicPr>
+        <p:blipFill>
+          <a:blip r:embed="rId3"/>
+          <a:stretch>
+            <a:fillRect/>
+          </a:stretch>
+        </p:blipFill>
+        <p:spPr>
+          <a:xfrm>
+            <a:off x="0" y="1525503"/>
+            <a:ext cx="12192000" cy="4380440"/>
+          </a:xfrm>
+          <a:prstGeom prst="rect">
+            <a:avLst/>
+          </a:prstGeom>
+        </p:spPr>
+      </p:pic>
+    </p:spTree>
+    <p:extLst>
+      <p:ext uri="{BB962C8B-B14F-4D97-AF65-F5344CB8AC3E}">
+        <p14:creationId xmlns:p14="http://schemas.microsoft.com/office/powerpoint/2010/main" val="1124905096"/>
+      </p:ext>
+    </p:extLst>
+  </p:cSld>
+  <p:clrMapOvr>
+    <a:masterClrMapping/>
+  </p:clrMapOvr>
+</p:sld>
+</file>
+
+<file path=ppt/slides/slide17.xml><?xml version="1.0" encoding="utf-8"?>
 <p:sld xmlns:a="http://schemas.openxmlformats.org/drawingml/2006/main" xmlns:r="http://schemas.openxmlformats.org/officeDocument/2006/relationships" xmlns:p="http://schemas.openxmlformats.org/presentationml/2006/main">
   <p:cSld>
     <p:spTree>
@@ -3435,6 +5421,100 @@
           <p:cNvPr id="2" name="Cím 1">
             <a:extLst>
               <a:ext uri="{FF2B5EF4-FFF2-40B4-BE49-F238E27FC236}">
+                <a16:creationId xmlns:a16="http://schemas.microsoft.com/office/drawing/2014/main" id="{0A62F949-0455-C7EF-9F03-9AB8AD987077}"/>
+              </a:ext>
+            </a:extLst>
+          </p:cNvPr>
+          <p:cNvSpPr>
+            <a:spLocks noGrp="1"/>
+          </p:cNvSpPr>
+          <p:nvPr>
+            <p:ph type="title"/>
+          </p:nvPr>
+        </p:nvSpPr>
+        <p:spPr/>
+        <p:txBody>
+          <a:bodyPr/>
+          <a:lstStyle/>
+          <a:p>
+            <a:endParaRPr lang="hu-HU"/>
+          </a:p>
+        </p:txBody>
+      </p:sp>
+      <p:sp>
+        <p:nvSpPr>
+          <p:cNvPr id="3" name="Tartalom helye 2">
+            <a:extLst>
+              <a:ext uri="{FF2B5EF4-FFF2-40B4-BE49-F238E27FC236}">
+                <a16:creationId xmlns:a16="http://schemas.microsoft.com/office/drawing/2014/main" id="{36E33FA3-C83F-8817-3ADD-AC79B7901036}"/>
+              </a:ext>
+            </a:extLst>
+          </p:cNvPr>
+          <p:cNvSpPr>
+            <a:spLocks noGrp="1"/>
+          </p:cNvSpPr>
+          <p:nvPr>
+            <p:ph idx="1"/>
+          </p:nvPr>
+        </p:nvSpPr>
+        <p:spPr/>
+        <p:txBody>
+          <a:bodyPr/>
+          <a:lstStyle/>
+          <a:p>
+            <a:endParaRPr lang="hu-HU"/>
+          </a:p>
+        </p:txBody>
+      </p:sp>
+    </p:spTree>
+    <p:extLst>
+      <p:ext uri="{BB962C8B-B14F-4D97-AF65-F5344CB8AC3E}">
+        <p14:creationId xmlns:p14="http://schemas.microsoft.com/office/powerpoint/2010/main" val="1915039346"/>
+      </p:ext>
+    </p:extLst>
+  </p:cSld>
+  <p:clrMapOvr>
+    <a:masterClrMapping/>
+  </p:clrMapOvr>
+</p:sld>
+</file>
+
+<file path=ppt/slides/slide2.xml><?xml version="1.0" encoding="utf-8"?>
+<p:sld xmlns:a="http://schemas.openxmlformats.org/drawingml/2006/main" xmlns:r="http://schemas.openxmlformats.org/officeDocument/2006/relationships" xmlns:p="http://schemas.openxmlformats.org/presentationml/2006/main">
+  <p:cSld>
+    <p:bg>
+      <p:bgPr>
+        <a:blipFill dpi="0" rotWithShape="1">
+          <a:blip r:embed="rId2">
+            <a:lum/>
+          </a:blip>
+          <a:srcRect/>
+          <a:stretch>
+            <a:fillRect t="-17000" b="-17000"/>
+          </a:stretch>
+        </a:blipFill>
+        <a:effectLst/>
+      </p:bgPr>
+    </p:bg>
+    <p:spTree>
+      <p:nvGrpSpPr>
+        <p:cNvPr id="1" name=""/>
+        <p:cNvGrpSpPr/>
+        <p:nvPr/>
+      </p:nvGrpSpPr>
+      <p:grpSpPr>
+        <a:xfrm>
+          <a:off x="0" y="0"/>
+          <a:ext cx="0" cy="0"/>
+          <a:chOff x="0" y="0"/>
+          <a:chExt cx="0" cy="0"/>
+        </a:xfrm>
+      </p:grpSpPr>
+      <p:sp>
+        <p:nvSpPr>
+          <p:cNvPr id="2" name="Cím 1">
+            <a:extLst>
+              <a:ext uri="{FF2B5EF4-FFF2-40B4-BE49-F238E27FC236}">
                 <a16:creationId xmlns:a16="http://schemas.microsoft.com/office/drawing/2014/main" id="{054BD0B1-E2FA-1C37-7450-FD513FAA853E}"/>
               </a:ext>
             </a:extLst>
@@ -3461,6 +5541,9 @@
             <a:pPr algn="ctr"/>
             <a:r>
               <a:rPr lang="hu-HU" sz="5400" dirty="0">
+                <a:solidFill>
+                  <a:schemeClr val="bg1"/>
+                </a:solidFill>
                 <a:latin typeface="Times New Roman" panose="02020603050405020304" pitchFamily="18" charset="0"/>
                 <a:cs typeface="Times New Roman" panose="02020603050405020304" pitchFamily="18" charset="0"/>
               </a:rPr>
@@ -3501,15 +5584,18 @@
             <a:r>
               <a:rPr lang="hu-HU" sz="2400" b="0" i="0" u="none" strike="noStrike" dirty="0">
                 <a:solidFill>
-                  <a:srgbClr val="000000"/>
+                  <a:schemeClr val="bg1"/>
                 </a:solidFill>
                 <a:effectLst/>
                 <a:latin typeface="Times New Roman" panose="02020603050405020304" pitchFamily="18" charset="0"/>
                 <a:cs typeface="Times New Roman" panose="02020603050405020304" pitchFamily="18" charset="0"/>
               </a:rPr>
-              <a:t>Érettségi előtt álló diákoknak felkészülést segítő program feladatsorokkal.</a:t>
+              <a:t>Érettségi előtt álló diákoknak felkészülést segítő program, feladatsorokkal.</a:t>
             </a:r>
             <a:endParaRPr lang="hu-HU" sz="3600" dirty="0">
+              <a:solidFill>
+                <a:schemeClr val="bg1"/>
+              </a:solidFill>
               <a:effectLst/>
               <a:latin typeface="Times New Roman" panose="02020603050405020304" pitchFamily="18" charset="0"/>
               <a:cs typeface="Times New Roman" panose="02020603050405020304" pitchFamily="18" charset="0"/>
@@ -3520,7 +5606,7 @@
             <a:r>
               <a:rPr lang="hu-HU" sz="2400" dirty="0">
                 <a:solidFill>
-                  <a:srgbClr val="000000"/>
+                  <a:schemeClr val="bg1"/>
                 </a:solidFill>
                 <a:latin typeface="Times New Roman" panose="02020603050405020304" pitchFamily="18" charset="0"/>
                 <a:cs typeface="Times New Roman" panose="02020603050405020304" pitchFamily="18" charset="0"/>
@@ -3530,7 +5616,7 @@
             <a:r>
               <a:rPr lang="hu-HU" sz="2400" b="0" i="0" u="none" strike="noStrike" dirty="0">
                 <a:solidFill>
-                  <a:srgbClr val="000000"/>
+                  <a:schemeClr val="bg1"/>
                 </a:solidFill>
                 <a:effectLst/>
                 <a:latin typeface="Times New Roman" panose="02020603050405020304" pitchFamily="18" charset="0"/>
@@ -3539,6 +5625,9 @@
               <a:t>atematika, történelem illetve magyar nyelv és irodalom tantárgyakból.</a:t>
             </a:r>
             <a:endParaRPr lang="hu-HU" sz="3600" dirty="0">
+              <a:solidFill>
+                <a:schemeClr val="bg1"/>
+              </a:solidFill>
               <a:effectLst/>
               <a:latin typeface="Times New Roman" panose="02020603050405020304" pitchFamily="18" charset="0"/>
               <a:cs typeface="Times New Roman" panose="02020603050405020304" pitchFamily="18" charset="0"/>
@@ -3549,7 +5638,7 @@
             <a:r>
               <a:rPr lang="hu-HU" sz="2400" dirty="0">
                 <a:solidFill>
-                  <a:srgbClr val="000000"/>
+                  <a:schemeClr val="bg1"/>
                 </a:solidFill>
                 <a:latin typeface="Times New Roman" panose="02020603050405020304" pitchFamily="18" charset="0"/>
                 <a:cs typeface="Times New Roman" panose="02020603050405020304" pitchFamily="18" charset="0"/>
@@ -3559,17 +5648,17 @@
             <a:r>
               <a:rPr lang="hu-HU" sz="2400" b="0" i="0" u="none" strike="noStrike" dirty="0">
                 <a:solidFill>
-                  <a:srgbClr val="000000"/>
+                  <a:schemeClr val="bg1"/>
                 </a:solidFill>
                 <a:effectLst/>
                 <a:latin typeface="Times New Roman" panose="02020603050405020304" pitchFamily="18" charset="0"/>
                 <a:cs typeface="Times New Roman" panose="02020603050405020304" pitchFamily="18" charset="0"/>
               </a:rPr>
-              <a:t>lőző évek érettségi feladatait foglalja össze interaktív formában, így a diákoknak könnyebb gyakorolni a teszteket és egyből visszajelzést kapnak.</a:t>
+              <a:t>lőző évek átdolgozott érettségi feladatait foglalja össze interaktív formában, így a diákoknak könnyebb gyakorolni a teszteket és egyből visszajelzést kapnak.</a:t>
             </a:r>
             <a:endParaRPr lang="hu-HU" sz="3600" b="0" i="0" u="none" strike="noStrike" dirty="0">
               <a:solidFill>
-                <a:srgbClr val="000000"/>
+                <a:schemeClr val="bg1"/>
               </a:solidFill>
               <a:effectLst/>
               <a:latin typeface="Times New Roman" panose="02020603050405020304" pitchFamily="18" charset="0"/>
@@ -3594,6 +5683,20 @@
 <file path=ppt/slides/slide3.xml><?xml version="1.0" encoding="utf-8"?>
 <p:sld xmlns:a="http://schemas.openxmlformats.org/drawingml/2006/main" xmlns:r="http://schemas.openxmlformats.org/officeDocument/2006/relationships" xmlns:p="http://schemas.openxmlformats.org/presentationml/2006/main">
   <p:cSld>
+    <p:bg>
+      <p:bgPr>
+        <a:blipFill dpi="0" rotWithShape="1">
+          <a:blip r:embed="rId2">
+            <a:lum/>
+          </a:blip>
+          <a:srcRect/>
+          <a:stretch>
+            <a:fillRect t="-17000" b="-17000"/>
+          </a:stretch>
+        </a:blipFill>
+        <a:effectLst/>
+      </p:bgPr>
+    </p:bg>
     <p:spTree>
       <p:nvGrpSpPr>
         <p:cNvPr id="1" name=""/>
@@ -3639,6 +5742,9 @@
             <a:pPr algn="ctr"/>
             <a:r>
               <a:rPr lang="hu-HU" sz="5400" dirty="0">
+                <a:solidFill>
+                  <a:schemeClr val="bg1"/>
+                </a:solidFill>
                 <a:latin typeface="Times New Roman" panose="02020603050405020304" pitchFamily="18" charset="0"/>
                 <a:cs typeface="Times New Roman" panose="02020603050405020304" pitchFamily="18" charset="0"/>
               </a:rPr>
@@ -3681,7 +5787,7 @@
             <a:r>
               <a:rPr lang="hu-HU" sz="3600" b="0" i="0" u="none" strike="noStrike" dirty="0">
                 <a:solidFill>
-                  <a:srgbClr val="000000"/>
+                  <a:schemeClr val="bg1"/>
                 </a:solidFill>
                 <a:effectLst/>
                 <a:latin typeface="Times New Roman" panose="02020603050405020304" pitchFamily="18" charset="0"/>
@@ -3690,6 +5796,9 @@
               <a:t>Elsődleges funkciók:</a:t>
             </a:r>
             <a:endParaRPr lang="hu-HU" sz="4800" dirty="0">
+              <a:solidFill>
+                <a:schemeClr val="bg1"/>
+              </a:solidFill>
               <a:effectLst/>
               <a:latin typeface="Times New Roman" panose="02020603050405020304" pitchFamily="18" charset="0"/>
               <a:cs typeface="Times New Roman" panose="02020603050405020304" pitchFamily="18" charset="0"/>
@@ -3700,7 +5809,7 @@
             <a:r>
               <a:rPr lang="hu-HU" sz="2800" dirty="0">
                 <a:solidFill>
-                  <a:srgbClr val="000000"/>
+                  <a:schemeClr val="bg1"/>
                 </a:solidFill>
                 <a:latin typeface="Times New Roman" panose="02020603050405020304" pitchFamily="18" charset="0"/>
                 <a:cs typeface="Times New Roman" panose="02020603050405020304" pitchFamily="18" charset="0"/>
@@ -3713,7 +5822,7 @@
             <a:r>
               <a:rPr lang="hu-HU" sz="2800" dirty="0">
                 <a:solidFill>
-                  <a:srgbClr val="000000"/>
+                  <a:schemeClr val="bg1"/>
                 </a:solidFill>
                 <a:latin typeface="Times New Roman" panose="02020603050405020304" pitchFamily="18" charset="0"/>
                 <a:cs typeface="Times New Roman" panose="02020603050405020304" pitchFamily="18" charset="0"/>
@@ -3723,7 +5832,7 @@
             <a:r>
               <a:rPr lang="hu-HU" sz="2800" b="0" i="0" u="none" strike="noStrike" dirty="0">
                 <a:solidFill>
-                  <a:srgbClr val="000000"/>
+                  <a:schemeClr val="bg1"/>
                 </a:solidFill>
                 <a:effectLst/>
                 <a:latin typeface="Times New Roman" panose="02020603050405020304" pitchFamily="18" charset="0"/>
@@ -3737,7 +5846,7 @@
             <a:r>
               <a:rPr lang="hu-HU" sz="2800" dirty="0" err="1">
                 <a:solidFill>
-                  <a:srgbClr val="000000"/>
+                  <a:schemeClr val="bg1"/>
                 </a:solidFill>
                 <a:latin typeface="Times New Roman" panose="02020603050405020304" pitchFamily="18" charset="0"/>
                 <a:cs typeface="Times New Roman" panose="02020603050405020304" pitchFamily="18" charset="0"/>
@@ -3747,7 +5856,7 @@
             <a:r>
               <a:rPr lang="hu-HU" sz="2800" b="0" i="0" u="none" strike="noStrike" dirty="0" err="1">
                 <a:solidFill>
-                  <a:srgbClr val="000000"/>
+                  <a:schemeClr val="bg1"/>
                 </a:solidFill>
                 <a:effectLst/>
                 <a:latin typeface="Times New Roman" panose="02020603050405020304" pitchFamily="18" charset="0"/>
@@ -3758,7 +5867,7 @@
             <a:r>
               <a:rPr lang="hu-HU" sz="2800" b="0" i="0" u="none" strike="noStrike" dirty="0">
                 <a:solidFill>
-                  <a:srgbClr val="000000"/>
+                  <a:schemeClr val="bg1"/>
                 </a:solidFill>
                 <a:effectLst/>
                 <a:latin typeface="Times New Roman" panose="02020603050405020304" pitchFamily="18" charset="0"/>
@@ -3772,7 +5881,7 @@
             <a:r>
               <a:rPr lang="hu-HU" sz="2800" dirty="0">
                 <a:solidFill>
-                  <a:srgbClr val="000000"/>
+                  <a:schemeClr val="bg1"/>
                 </a:solidFill>
                 <a:latin typeface="Times New Roman" panose="02020603050405020304" pitchFamily="18" charset="0"/>
                 <a:cs typeface="Times New Roman" panose="02020603050405020304" pitchFamily="18" charset="0"/>
@@ -3782,7 +5891,7 @@
             <a:r>
               <a:rPr lang="hu-HU" sz="2800" b="0" i="0" u="none" strike="noStrike" dirty="0">
                 <a:solidFill>
-                  <a:srgbClr val="000000"/>
+                  <a:schemeClr val="bg1"/>
                 </a:solidFill>
                 <a:effectLst/>
                 <a:latin typeface="Times New Roman" panose="02020603050405020304" pitchFamily="18" charset="0"/>
@@ -3793,7 +5902,7 @@
             <a:r>
               <a:rPr lang="hu-HU" sz="2800" b="0" i="0" u="none" strike="noStrike" dirty="0" err="1">
                 <a:solidFill>
-                  <a:srgbClr val="000000"/>
+                  <a:schemeClr val="bg1"/>
                 </a:solidFill>
                 <a:effectLst/>
                 <a:latin typeface="Times New Roman" panose="02020603050405020304" pitchFamily="18" charset="0"/>
@@ -3803,7 +5912,7 @@
             </a:r>
             <a:endParaRPr lang="hu-HU" sz="2800" b="0" i="0" u="none" strike="noStrike" dirty="0">
               <a:solidFill>
-                <a:srgbClr val="000000"/>
+                <a:schemeClr val="bg1"/>
               </a:solidFill>
               <a:effectLst/>
               <a:latin typeface="Times New Roman" panose="02020603050405020304" pitchFamily="18" charset="0"/>
@@ -3815,7 +5924,7 @@
             <a:r>
               <a:rPr lang="hu-HU" sz="2800" dirty="0">
                 <a:solidFill>
-                  <a:srgbClr val="000000"/>
+                  <a:schemeClr val="bg1"/>
                 </a:solidFill>
                 <a:latin typeface="Times New Roman" panose="02020603050405020304" pitchFamily="18" charset="0"/>
                 <a:cs typeface="Times New Roman" panose="02020603050405020304" pitchFamily="18" charset="0"/>
@@ -3825,7 +5934,7 @@
             <a:r>
               <a:rPr lang="hu-HU" sz="2800" b="0" i="0" u="none" strike="noStrike" dirty="0">
                 <a:solidFill>
-                  <a:srgbClr val="000000"/>
+                  <a:schemeClr val="bg1"/>
                 </a:solidFill>
                 <a:effectLst/>
                 <a:latin typeface="Times New Roman" panose="02020603050405020304" pitchFamily="18" charset="0"/>
@@ -3836,7 +5945,7 @@
             <a:r>
               <a:rPr lang="hu-HU" sz="2800" b="0" i="0" u="none" strike="noStrike" dirty="0" err="1">
                 <a:solidFill>
-                  <a:srgbClr val="000000"/>
+                  <a:schemeClr val="bg1"/>
                 </a:solidFill>
                 <a:effectLst/>
                 <a:latin typeface="Times New Roman" panose="02020603050405020304" pitchFamily="18" charset="0"/>
@@ -3846,7 +5955,7 @@
             </a:r>
             <a:endParaRPr lang="hu-HU" sz="2800" b="0" i="0" u="none" strike="noStrike" dirty="0">
               <a:solidFill>
-                <a:srgbClr val="000000"/>
+                <a:schemeClr val="bg1"/>
               </a:solidFill>
               <a:effectLst/>
               <a:latin typeface="Times New Roman" panose="02020603050405020304" pitchFamily="18" charset="0"/>
@@ -3887,7 +5996,7 @@
             <a:r>
               <a:rPr lang="hu-HU" sz="3600" b="0" i="0" u="none" strike="noStrike" dirty="0">
                 <a:solidFill>
-                  <a:srgbClr val="000000"/>
+                  <a:schemeClr val="bg1"/>
                 </a:solidFill>
                 <a:effectLst/>
                 <a:latin typeface="Times New Roman" panose="02020603050405020304" pitchFamily="18" charset="0"/>
@@ -3896,6 +6005,9 @@
               <a:t>Extrák:</a:t>
             </a:r>
             <a:endParaRPr lang="hu-HU" sz="3600" dirty="0">
+              <a:solidFill>
+                <a:schemeClr val="bg1"/>
+              </a:solidFill>
               <a:latin typeface="Times New Roman" panose="02020603050405020304" pitchFamily="18" charset="0"/>
               <a:cs typeface="Times New Roman" panose="02020603050405020304" pitchFamily="18" charset="0"/>
             </a:endParaRPr>
@@ -3908,7 +6020,7 @@
             <a:r>
               <a:rPr lang="hu-HU" sz="2800" dirty="0" err="1">
                 <a:solidFill>
-                  <a:srgbClr val="000000"/>
+                  <a:schemeClr val="bg1"/>
                 </a:solidFill>
                 <a:latin typeface="Times New Roman" panose="02020603050405020304" pitchFamily="18" charset="0"/>
                 <a:cs typeface="Times New Roman" panose="02020603050405020304" pitchFamily="18" charset="0"/>
@@ -3918,7 +6030,7 @@
             <a:r>
               <a:rPr lang="hu-HU" sz="2800" b="0" i="0" u="none" strike="noStrike" dirty="0" err="1">
                 <a:solidFill>
-                  <a:srgbClr val="000000"/>
+                  <a:schemeClr val="bg1"/>
                 </a:solidFill>
                 <a:effectLst/>
                 <a:latin typeface="Times New Roman" panose="02020603050405020304" pitchFamily="18" charset="0"/>
@@ -3929,7 +6041,7 @@
             <a:r>
               <a:rPr lang="hu-HU" sz="2800" b="0" i="0" u="none" strike="noStrike" dirty="0">
                 <a:solidFill>
-                  <a:srgbClr val="000000"/>
+                  <a:schemeClr val="bg1"/>
                 </a:solidFill>
                 <a:effectLst/>
                 <a:latin typeface="Times New Roman" panose="02020603050405020304" pitchFamily="18" charset="0"/>
@@ -3940,7 +6052,7 @@
             <a:r>
               <a:rPr lang="hu-HU" sz="2800" b="0" i="0" u="none" strike="noStrike" dirty="0" err="1">
                 <a:solidFill>
-                  <a:srgbClr val="000000"/>
+                  <a:schemeClr val="bg1"/>
                 </a:solidFill>
                 <a:effectLst/>
                 <a:latin typeface="Times New Roman" panose="02020603050405020304" pitchFamily="18" charset="0"/>
@@ -3950,7 +6062,7 @@
             </a:r>
             <a:endParaRPr lang="hu-HU" sz="2800" dirty="0">
               <a:solidFill>
-                <a:srgbClr val="000000"/>
+                <a:schemeClr val="bg1"/>
               </a:solidFill>
               <a:latin typeface="Times New Roman" panose="02020603050405020304" pitchFamily="18" charset="0"/>
               <a:cs typeface="Times New Roman" panose="02020603050405020304" pitchFamily="18" charset="0"/>
@@ -3964,7 +6076,7 @@
             <a:r>
               <a:rPr lang="hu-HU" sz="2800" b="0" i="0" u="none" strike="noStrike" dirty="0">
                 <a:solidFill>
-                  <a:srgbClr val="000000"/>
+                  <a:schemeClr val="bg1"/>
                 </a:solidFill>
                 <a:effectLst/>
                 <a:latin typeface="Times New Roman" panose="02020603050405020304" pitchFamily="18" charset="0"/>
@@ -3974,7 +6086,7 @@
             </a:r>
             <a:endParaRPr lang="hu-HU" sz="2800" dirty="0">
               <a:solidFill>
-                <a:srgbClr val="000000"/>
+                <a:schemeClr val="bg1"/>
               </a:solidFill>
               <a:latin typeface="Times New Roman" panose="02020603050405020304" pitchFamily="18" charset="0"/>
               <a:cs typeface="Times New Roman" panose="02020603050405020304" pitchFamily="18" charset="0"/>
@@ -3988,7 +6100,7 @@
             <a:r>
               <a:rPr lang="hu-HU" sz="2800" dirty="0">
                 <a:solidFill>
-                  <a:srgbClr val="000000"/>
+                  <a:schemeClr val="bg1"/>
                 </a:solidFill>
                 <a:latin typeface="Times New Roman" panose="02020603050405020304" pitchFamily="18" charset="0"/>
                 <a:cs typeface="Times New Roman" panose="02020603050405020304" pitchFamily="18" charset="0"/>
@@ -3998,7 +6110,7 @@
             <a:r>
               <a:rPr lang="hu-HU" sz="2800" b="0" i="0" u="none" strike="noStrike" dirty="0">
                 <a:solidFill>
-                  <a:srgbClr val="000000"/>
+                  <a:schemeClr val="bg1"/>
                 </a:solidFill>
                 <a:effectLst/>
                 <a:latin typeface="Times New Roman" panose="02020603050405020304" pitchFamily="18" charset="0"/>
@@ -4015,7 +6127,7 @@
             <a:r>
               <a:rPr lang="hu-HU" sz="2800" dirty="0" err="1">
                 <a:solidFill>
-                  <a:srgbClr val="000000"/>
+                  <a:schemeClr val="bg1"/>
                 </a:solidFill>
                 <a:latin typeface="Times New Roman" panose="02020603050405020304" pitchFamily="18" charset="0"/>
                 <a:cs typeface="Times New Roman" panose="02020603050405020304" pitchFamily="18" charset="0"/>
@@ -4025,7 +6137,7 @@
             <a:r>
               <a:rPr lang="hu-HU" sz="2800" b="0" i="0" u="none" strike="noStrike" dirty="0" err="1">
                 <a:solidFill>
-                  <a:srgbClr val="000000"/>
+                  <a:schemeClr val="bg1"/>
                 </a:solidFill>
                 <a:effectLst/>
                 <a:latin typeface="Times New Roman" panose="02020603050405020304" pitchFamily="18" charset="0"/>
@@ -4036,7 +6148,7 @@
             <a:r>
               <a:rPr lang="hu-HU" sz="2800" b="0" i="0" u="none" strike="noStrike" dirty="0">
                 <a:solidFill>
-                  <a:srgbClr val="000000"/>
+                  <a:schemeClr val="bg1"/>
                 </a:solidFill>
                 <a:effectLst/>
                 <a:latin typeface="Times New Roman" panose="02020603050405020304" pitchFamily="18" charset="0"/>
@@ -4047,7 +6159,7 @@
             <a:r>
               <a:rPr lang="hu-HU" sz="2800" b="0" i="0" u="none" strike="noStrike" dirty="0" err="1">
                 <a:solidFill>
-                  <a:srgbClr val="000000"/>
+                  <a:schemeClr val="bg1"/>
                 </a:solidFill>
                 <a:effectLst/>
                 <a:latin typeface="Times New Roman" panose="02020603050405020304" pitchFamily="18" charset="0"/>
@@ -4057,7 +6169,7 @@
             </a:r>
             <a:endParaRPr lang="hu-HU" sz="2800" dirty="0">
               <a:solidFill>
-                <a:srgbClr val="000000"/>
+                <a:schemeClr val="bg1"/>
               </a:solidFill>
               <a:latin typeface="Times New Roman" panose="02020603050405020304" pitchFamily="18" charset="0"/>
               <a:cs typeface="Times New Roman" panose="02020603050405020304" pitchFamily="18" charset="0"/>
@@ -4071,7 +6183,7 @@
             <a:r>
               <a:rPr lang="hu-HU" sz="2800" dirty="0">
                 <a:solidFill>
-                  <a:srgbClr val="000000"/>
+                  <a:schemeClr val="bg1"/>
                 </a:solidFill>
                 <a:latin typeface="Times New Roman" panose="02020603050405020304" pitchFamily="18" charset="0"/>
                 <a:cs typeface="Times New Roman" panose="02020603050405020304" pitchFamily="18" charset="0"/>
@@ -4081,7 +6193,7 @@
             <a:r>
               <a:rPr lang="hu-HU" sz="2800" b="0" i="0" u="none" strike="noStrike" dirty="0">
                 <a:solidFill>
-                  <a:srgbClr val="000000"/>
+                  <a:schemeClr val="bg1"/>
                 </a:solidFill>
                 <a:effectLst/>
                 <a:latin typeface="Times New Roman" panose="02020603050405020304" pitchFamily="18" charset="0"/>
@@ -4092,7 +6204,7 @@
             <a:r>
               <a:rPr lang="hu-HU" sz="2800" b="0" i="0" u="none" strike="noStrike" dirty="0" err="1">
                 <a:solidFill>
-                  <a:srgbClr val="000000"/>
+                  <a:schemeClr val="bg1"/>
                 </a:solidFill>
                 <a:effectLst/>
                 <a:latin typeface="Times New Roman" panose="02020603050405020304" pitchFamily="18" charset="0"/>
@@ -4103,7 +6215,7 @@
             <a:r>
               <a:rPr lang="hu-HU" sz="2800" b="0" i="0" u="none" strike="noStrike" dirty="0">
                 <a:solidFill>
-                  <a:srgbClr val="000000"/>
+                  <a:schemeClr val="bg1"/>
                 </a:solidFill>
                 <a:effectLst/>
                 <a:latin typeface="Times New Roman" panose="02020603050405020304" pitchFamily="18" charset="0"/>
@@ -4114,7 +6226,7 @@
             <a:r>
               <a:rPr lang="hu-HU" sz="2800" b="0" i="0" u="none" strike="noStrike" dirty="0" err="1">
                 <a:solidFill>
-                  <a:srgbClr val="000000"/>
+                  <a:schemeClr val="bg1"/>
                 </a:solidFill>
                 <a:effectLst/>
                 <a:latin typeface="Times New Roman" panose="02020603050405020304" pitchFamily="18" charset="0"/>
@@ -4125,7 +6237,7 @@
             <a:r>
               <a:rPr lang="hu-HU" sz="2800" b="0" i="0" u="none" strike="noStrike" dirty="0">
                 <a:solidFill>
-                  <a:srgbClr val="000000"/>
+                  <a:schemeClr val="bg1"/>
                 </a:solidFill>
                 <a:effectLst/>
                 <a:latin typeface="Times New Roman" panose="02020603050405020304" pitchFamily="18" charset="0"/>
@@ -4152,6 +6264,20 @@
 <file path=ppt/slides/slide4.xml><?xml version="1.0" encoding="utf-8"?>
 <p:sld xmlns:a="http://schemas.openxmlformats.org/drawingml/2006/main" xmlns:r="http://schemas.openxmlformats.org/officeDocument/2006/relationships" xmlns:p="http://schemas.openxmlformats.org/presentationml/2006/main">
   <p:cSld>
+    <p:bg>
+      <p:bgPr>
+        <a:blipFill dpi="0" rotWithShape="1">
+          <a:blip r:embed="rId2">
+            <a:lum/>
+          </a:blip>
+          <a:srcRect/>
+          <a:stretch>
+            <a:fillRect t="-17000" b="-17000"/>
+          </a:stretch>
+        </a:blipFill>
+        <a:effectLst/>
+      </p:bgPr>
+    </p:bg>
     <p:spTree>
       <p:nvGrpSpPr>
         <p:cNvPr id="1" name=""/>
@@ -4189,10 +6315,13 @@
           <a:p>
             <a:r>
               <a:rPr lang="hu-HU" dirty="0">
+                <a:solidFill>
+                  <a:schemeClr val="bg1"/>
+                </a:solidFill>
                 <a:latin typeface="Times New Roman" panose="02020603050405020304" pitchFamily="18" charset="0"/>
                 <a:cs typeface="Times New Roman" panose="02020603050405020304" pitchFamily="18" charset="0"/>
               </a:rPr>
-              <a:t>Fejlesztői környezet, programnyelvek</a:t>
+              <a:t>Fejlesztői környezetek, programnyelvek</a:t>
             </a:r>
           </a:p>
         </p:txBody>
@@ -4220,6 +6349,9 @@
           <a:p>
             <a:r>
               <a:rPr lang="hu-HU" dirty="0">
+                <a:solidFill>
+                  <a:schemeClr val="bg1"/>
+                </a:solidFill>
                 <a:latin typeface="Times New Roman" panose="02020603050405020304" pitchFamily="18" charset="0"/>
                 <a:cs typeface="Times New Roman" panose="02020603050405020304" pitchFamily="18" charset="0"/>
               </a:rPr>
@@ -4230,6 +6362,9 @@
             <a:pPr lvl="1"/>
             <a:r>
               <a:rPr lang="hu-HU" dirty="0">
+                <a:solidFill>
+                  <a:schemeClr val="bg1"/>
+                </a:solidFill>
                 <a:latin typeface="Times New Roman" panose="02020603050405020304" pitchFamily="18" charset="0"/>
                 <a:cs typeface="Times New Roman" panose="02020603050405020304" pitchFamily="18" charset="0"/>
               </a:rPr>
@@ -4237,12 +6372,18 @@
             </a:r>
             <a:r>
               <a:rPr lang="hu-HU" dirty="0" err="1">
+                <a:solidFill>
+                  <a:schemeClr val="bg1"/>
+                </a:solidFill>
                 <a:latin typeface="Times New Roman" panose="02020603050405020304" pitchFamily="18" charset="0"/>
                 <a:cs typeface="Times New Roman" panose="02020603050405020304" pitchFamily="18" charset="0"/>
               </a:rPr>
               <a:t>Studio</a:t>
             </a:r>
             <a:endParaRPr lang="hu-HU" dirty="0">
+              <a:solidFill>
+                <a:schemeClr val="bg1"/>
+              </a:solidFill>
               <a:latin typeface="Times New Roman" panose="02020603050405020304" pitchFamily="18" charset="0"/>
               <a:cs typeface="Times New Roman" panose="02020603050405020304" pitchFamily="18" charset="0"/>
             </a:endParaRPr>
@@ -4251,6 +6392,9 @@
             <a:pPr lvl="1"/>
             <a:r>
               <a:rPr lang="hu-HU" dirty="0">
+                <a:solidFill>
+                  <a:schemeClr val="bg1"/>
+                </a:solidFill>
                 <a:latin typeface="Times New Roman" panose="02020603050405020304" pitchFamily="18" charset="0"/>
                 <a:cs typeface="Times New Roman" panose="02020603050405020304" pitchFamily="18" charset="0"/>
               </a:rPr>
@@ -4258,6 +6402,9 @@
             </a:r>
             <a:r>
               <a:rPr lang="hu-HU" dirty="0" err="1">
+                <a:solidFill>
+                  <a:schemeClr val="bg1"/>
+                </a:solidFill>
                 <a:latin typeface="Times New Roman" panose="02020603050405020304" pitchFamily="18" charset="0"/>
                 <a:cs typeface="Times New Roman" panose="02020603050405020304" pitchFamily="18" charset="0"/>
               </a:rPr>
@@ -4265,6 +6412,9 @@
             </a:r>
             <a:r>
               <a:rPr lang="hu-HU" dirty="0">
+                <a:solidFill>
+                  <a:schemeClr val="bg1"/>
+                </a:solidFill>
                 <a:latin typeface="Times New Roman" panose="02020603050405020304" pitchFamily="18" charset="0"/>
                 <a:cs typeface="Times New Roman" panose="02020603050405020304" pitchFamily="18" charset="0"/>
               </a:rPr>
@@ -4272,12 +6422,18 @@
             </a:r>
             <a:r>
               <a:rPr lang="hu-HU" dirty="0" err="1">
+                <a:solidFill>
+                  <a:schemeClr val="bg1"/>
+                </a:solidFill>
                 <a:latin typeface="Times New Roman" panose="02020603050405020304" pitchFamily="18" charset="0"/>
                 <a:cs typeface="Times New Roman" panose="02020603050405020304" pitchFamily="18" charset="0"/>
               </a:rPr>
               <a:t>Code</a:t>
             </a:r>
             <a:endParaRPr lang="hu-HU" dirty="0">
+              <a:solidFill>
+                <a:schemeClr val="bg1"/>
+              </a:solidFill>
               <a:latin typeface="Times New Roman" panose="02020603050405020304" pitchFamily="18" charset="0"/>
               <a:cs typeface="Times New Roman" panose="02020603050405020304" pitchFamily="18" charset="0"/>
             </a:endParaRPr>
@@ -4285,6 +6441,9 @@
           <a:p>
             <a:r>
               <a:rPr lang="hu-HU" dirty="0">
+                <a:solidFill>
+                  <a:schemeClr val="bg1"/>
+                </a:solidFill>
                 <a:latin typeface="Times New Roman" panose="02020603050405020304" pitchFamily="18" charset="0"/>
                 <a:cs typeface="Times New Roman" panose="02020603050405020304" pitchFamily="18" charset="0"/>
               </a:rPr>
@@ -4295,6 +6454,9 @@
             <a:pPr lvl="1"/>
             <a:r>
               <a:rPr lang="hu-HU" dirty="0">
+                <a:solidFill>
+                  <a:schemeClr val="bg1"/>
+                </a:solidFill>
                 <a:latin typeface="Times New Roman" panose="02020603050405020304" pitchFamily="18" charset="0"/>
                 <a:cs typeface="Times New Roman" panose="02020603050405020304" pitchFamily="18" charset="0"/>
               </a:rPr>
@@ -4304,21 +6466,23 @@
           <a:p>
             <a:pPr lvl="1"/>
             <a:r>
-              <a:rPr lang="hu-HU">
+              <a:rPr lang="hu-HU" dirty="0">
+                <a:solidFill>
+                  <a:schemeClr val="bg1"/>
+                </a:solidFill>
                 <a:latin typeface="Times New Roman" panose="02020603050405020304" pitchFamily="18" charset="0"/>
                 <a:cs typeface="Times New Roman" panose="02020603050405020304" pitchFamily="18" charset="0"/>
               </a:rPr>
               <a:t>SQL</a:t>
             </a:r>
-            <a:endParaRPr lang="hu-HU" dirty="0">
-              <a:latin typeface="Times New Roman" panose="02020603050405020304" pitchFamily="18" charset="0"/>
-              <a:cs typeface="Times New Roman" panose="02020603050405020304" pitchFamily="18" charset="0"/>
-            </a:endParaRPr>
           </a:p>
           <a:p>
             <a:pPr lvl="1"/>
             <a:r>
               <a:rPr lang="hu-HU" dirty="0">
+                <a:solidFill>
+                  <a:schemeClr val="bg1"/>
+                </a:solidFill>
                 <a:latin typeface="Times New Roman" panose="02020603050405020304" pitchFamily="18" charset="0"/>
                 <a:cs typeface="Times New Roman" panose="02020603050405020304" pitchFamily="18" charset="0"/>
               </a:rPr>
@@ -4329,6 +6493,9 @@
             <a:pPr lvl="1"/>
             <a:r>
               <a:rPr lang="hu-HU" dirty="0">
+                <a:solidFill>
+                  <a:schemeClr val="bg1"/>
+                </a:solidFill>
                 <a:latin typeface="Times New Roman" panose="02020603050405020304" pitchFamily="18" charset="0"/>
                 <a:cs typeface="Times New Roman" panose="02020603050405020304" pitchFamily="18" charset="0"/>
               </a:rPr>
@@ -4353,6 +6520,20 @@
 <file path=ppt/slides/slide5.xml><?xml version="1.0" encoding="utf-8"?>
 <p:sld xmlns:a="http://schemas.openxmlformats.org/drawingml/2006/main" xmlns:r="http://schemas.openxmlformats.org/officeDocument/2006/relationships" xmlns:p="http://schemas.openxmlformats.org/presentationml/2006/main">
   <p:cSld>
+    <p:bg>
+      <p:bgPr>
+        <a:blipFill dpi="0" rotWithShape="1">
+          <a:blip r:embed="rId2">
+            <a:lum/>
+          </a:blip>
+          <a:srcRect/>
+          <a:stretch>
+            <a:fillRect t="-17000" b="-17000"/>
+          </a:stretch>
+        </a:blipFill>
+        <a:effectLst/>
+      </p:bgPr>
+    </p:bg>
     <p:spTree>
       <p:nvGrpSpPr>
         <p:cNvPr id="1" name=""/>
@@ -4386,7 +6567,7 @@
         <p:spPr>
           <a:xfrm>
             <a:off x="0" y="1"/>
-            <a:ext cx="12192000" cy="1260000"/>
+            <a:ext cx="12192000" cy="1008000"/>
           </a:xfrm>
         </p:spPr>
         <p:txBody>
@@ -4398,6 +6579,9 @@
             <a:pPr algn="ctr"/>
             <a:r>
               <a:rPr lang="hu-HU" sz="5400" dirty="0">
+                <a:solidFill>
+                  <a:schemeClr val="bg1"/>
+                </a:solidFill>
                 <a:latin typeface="Times New Roman" panose="02020603050405020304" pitchFamily="18" charset="0"/>
                 <a:cs typeface="Times New Roman" panose="02020603050405020304" pitchFamily="18" charset="0"/>
               </a:rPr>
@@ -4421,7 +6605,7 @@
           <p:nvPr/>
         </p:nvPicPr>
         <p:blipFill>
-          <a:blip r:embed="rId2">
+          <a:blip r:embed="rId3">
             <a:extLst>
               <a:ext uri="{28A0092B-C50C-407E-A947-70E740481C1C}">
                 <a14:useLocalDpi xmlns:a14="http://schemas.microsoft.com/office/drawing/2010/main" val="0"/>
@@ -4434,8 +6618,8 @@
         </p:blipFill>
         <p:spPr>
           <a:xfrm>
-            <a:off x="1059958" y="1265505"/>
-            <a:ext cx="10072083" cy="5592495"/>
+            <a:off x="714612" y="881999"/>
+            <a:ext cx="10762775" cy="5976000"/>
           </a:xfrm>
           <a:prstGeom prst="rect">
             <a:avLst/>
@@ -4458,6 +6642,20 @@
 <file path=ppt/slides/slide6.xml><?xml version="1.0" encoding="utf-8"?>
 <p:sld xmlns:a="http://schemas.openxmlformats.org/drawingml/2006/main" xmlns:r="http://schemas.openxmlformats.org/officeDocument/2006/relationships" xmlns:p="http://schemas.openxmlformats.org/presentationml/2006/main">
   <p:cSld>
+    <p:bg>
+      <p:bgPr>
+        <a:blipFill dpi="0" rotWithShape="1">
+          <a:blip r:embed="rId2">
+            <a:lum/>
+          </a:blip>
+          <a:srcRect/>
+          <a:stretch>
+            <a:fillRect t="-17000" b="-17000"/>
+          </a:stretch>
+        </a:blipFill>
+        <a:effectLst/>
+      </p:bgPr>
+    </p:bg>
     <p:spTree>
       <p:nvGrpSpPr>
         <p:cNvPr id="1" name="">
@@ -4497,7 +6695,7 @@
         <p:spPr>
           <a:xfrm>
             <a:off x="0" y="1"/>
-            <a:ext cx="12192000" cy="1260000"/>
+            <a:ext cx="12192000" cy="1008000"/>
           </a:xfrm>
         </p:spPr>
         <p:txBody>
@@ -4509,6 +6707,9 @@
             <a:pPr algn="ctr"/>
             <a:r>
               <a:rPr lang="hu-HU" sz="5400" dirty="0">
+                <a:solidFill>
+                  <a:schemeClr val="bg1"/>
+                </a:solidFill>
                 <a:latin typeface="Times New Roman" panose="02020603050405020304" pitchFamily="18" charset="0"/>
                 <a:cs typeface="Times New Roman" panose="02020603050405020304" pitchFamily="18" charset="0"/>
               </a:rPr>
@@ -4532,21 +6733,20 @@
           <p:nvPr/>
         </p:nvPicPr>
         <p:blipFill>
-          <a:blip r:embed="rId2">
+          <a:blip r:embed="rId3">
             <a:extLst>
               <a:ext uri="{28A0092B-C50C-407E-A947-70E740481C1C}">
                 <a14:useLocalDpi xmlns:a14="http://schemas.microsoft.com/office/drawing/2010/main" val="0"/>
               </a:ext>
             </a:extLst>
           </a:blip>
-          <a:stretch>
-            <a:fillRect/>
-          </a:stretch>
+          <a:srcRect r="19332"/>
+          <a:stretch/>
         </p:blipFill>
         <p:spPr>
           <a:xfrm>
-            <a:off x="1897501" y="1260002"/>
-            <a:ext cx="8396997" cy="5597998"/>
+            <a:off x="2480462" y="881999"/>
+            <a:ext cx="7231076" cy="5976000"/>
           </a:xfrm>
           <a:prstGeom prst="rect">
             <a:avLst/>
@@ -4569,6 +6769,20 @@
 <file path=ppt/slides/slide7.xml><?xml version="1.0" encoding="utf-8"?>
 <p:sld xmlns:a="http://schemas.openxmlformats.org/drawingml/2006/main" xmlns:r="http://schemas.openxmlformats.org/officeDocument/2006/relationships" xmlns:p="http://schemas.openxmlformats.org/presentationml/2006/main">
   <p:cSld>
+    <p:bg>
+      <p:bgPr>
+        <a:blipFill dpi="0" rotWithShape="1">
+          <a:blip r:embed="rId2">
+            <a:lum/>
+          </a:blip>
+          <a:srcRect/>
+          <a:stretch>
+            <a:fillRect t="-17000" b="-17000"/>
+          </a:stretch>
+        </a:blipFill>
+        <a:effectLst/>
+      </p:bgPr>
+    </p:bg>
     <p:spTree>
       <p:nvGrpSpPr>
         <p:cNvPr id="1" name=""/>
@@ -4602,7 +6816,7 @@
         <p:spPr>
           <a:xfrm>
             <a:off x="0" y="1"/>
-            <a:ext cx="12192000" cy="1260000"/>
+            <a:ext cx="12192000" cy="1008000"/>
           </a:xfrm>
         </p:spPr>
         <p:txBody>
@@ -4614,6 +6828,9 @@
             <a:pPr algn="ctr"/>
             <a:r>
               <a:rPr lang="hu-HU" sz="5400" dirty="0">
+                <a:solidFill>
+                  <a:schemeClr val="bg1"/>
+                </a:solidFill>
                 <a:latin typeface="Times New Roman" panose="02020603050405020304" pitchFamily="18" charset="0"/>
                 <a:cs typeface="Times New Roman" panose="02020603050405020304" pitchFamily="18" charset="0"/>
               </a:rPr>
@@ -4637,15 +6854,15 @@
           <p:nvPr/>
         </p:nvPicPr>
         <p:blipFill>
-          <a:blip r:embed="rId2"/>
+          <a:blip r:embed="rId3"/>
           <a:stretch>
             <a:fillRect/>
           </a:stretch>
         </p:blipFill>
         <p:spPr>
           <a:xfrm>
-            <a:off x="1128081" y="976722"/>
-            <a:ext cx="9935838" cy="5588910"/>
+            <a:off x="784001" y="881999"/>
+            <a:ext cx="10623997" cy="5976000"/>
           </a:xfrm>
           <a:prstGeom prst="rect">
             <a:avLst/>
@@ -4668,6 +6885,20 @@
 <file path=ppt/slides/slide8.xml><?xml version="1.0" encoding="utf-8"?>
 <p:sld xmlns:a="http://schemas.openxmlformats.org/drawingml/2006/main" xmlns:r="http://schemas.openxmlformats.org/officeDocument/2006/relationships" xmlns:p="http://schemas.openxmlformats.org/presentationml/2006/main">
   <p:cSld>
+    <p:bg>
+      <p:bgPr>
+        <a:blipFill dpi="0" rotWithShape="1">
+          <a:blip r:embed="rId2">
+            <a:lum/>
+          </a:blip>
+          <a:srcRect/>
+          <a:stretch>
+            <a:fillRect t="-17000" b="-17000"/>
+          </a:stretch>
+        </a:blipFill>
+        <a:effectLst/>
+      </p:bgPr>
+    </p:bg>
     <p:spTree>
       <p:nvGrpSpPr>
         <p:cNvPr id="1" name="">
@@ -4707,7 +6938,7 @@
         <p:spPr>
           <a:xfrm>
             <a:off x="0" y="1"/>
-            <a:ext cx="12192000" cy="1260000"/>
+            <a:ext cx="12192000" cy="1008000"/>
           </a:xfrm>
         </p:spPr>
         <p:txBody>
@@ -4719,10 +6950,13 @@
             <a:pPr algn="ctr"/>
             <a:r>
               <a:rPr lang="hu-HU" sz="5400" dirty="0">
+                <a:solidFill>
+                  <a:schemeClr val="bg1"/>
+                </a:solidFill>
                 <a:latin typeface="Times New Roman" panose="02020603050405020304" pitchFamily="18" charset="0"/>
                 <a:cs typeface="Times New Roman" panose="02020603050405020304" pitchFamily="18" charset="0"/>
               </a:rPr>
-              <a:t>Első statikus alweboldal</a:t>
+              <a:t>Első statikus tesztfelület</a:t>
             </a:r>
           </a:p>
         </p:txBody>
@@ -4742,15 +6976,15 @@
           <p:nvPr/>
         </p:nvPicPr>
         <p:blipFill>
-          <a:blip r:embed="rId2"/>
+          <a:blip r:embed="rId3"/>
           <a:stretch>
             <a:fillRect/>
           </a:stretch>
         </p:blipFill>
         <p:spPr>
           <a:xfrm>
-            <a:off x="412479" y="972787"/>
-            <a:ext cx="11367041" cy="5590800"/>
+            <a:off x="41783" y="881999"/>
+            <a:ext cx="12150217" cy="5976000"/>
           </a:xfrm>
           <a:prstGeom prst="rect">
             <a:avLst/>
@@ -4761,6 +6995,134 @@
     <p:extLst>
       <p:ext uri="{BB962C8B-B14F-4D97-AF65-F5344CB8AC3E}">
         <p14:creationId xmlns:p14="http://schemas.microsoft.com/office/powerpoint/2010/main" val="1835036337"/>
+      </p:ext>
+    </p:extLst>
+  </p:cSld>
+  <p:clrMapOvr>
+    <a:masterClrMapping/>
+  </p:clrMapOvr>
+</p:sld>
+</file>
+
+<file path=ppt/slides/slide9.xml><?xml version="1.0" encoding="utf-8"?>
+<p:sld xmlns:a="http://schemas.openxmlformats.org/drawingml/2006/main" xmlns:r="http://schemas.openxmlformats.org/officeDocument/2006/relationships" xmlns:p="http://schemas.openxmlformats.org/presentationml/2006/main">
+  <p:cSld>
+    <p:bg>
+      <p:bgPr>
+        <a:blipFill dpi="0" rotWithShape="1">
+          <a:blip r:embed="rId2">
+            <a:lum/>
+          </a:blip>
+          <a:srcRect/>
+          <a:stretch>
+            <a:fillRect t="-17000" b="-17000"/>
+          </a:stretch>
+        </a:blipFill>
+        <a:effectLst/>
+      </p:bgPr>
+    </p:bg>
+    <p:spTree>
+      <p:nvGrpSpPr>
+        <p:cNvPr id="1" name="">
+          <a:extLst>
+            <a:ext uri="{FF2B5EF4-FFF2-40B4-BE49-F238E27FC236}">
+              <a16:creationId xmlns:a16="http://schemas.microsoft.com/office/drawing/2014/main" id="{02B777B2-8C30-C7FB-A37B-010F9F8830BA}"/>
+            </a:ext>
+          </a:extLst>
+        </p:cNvPr>
+        <p:cNvGrpSpPr/>
+        <p:nvPr/>
+      </p:nvGrpSpPr>
+      <p:grpSpPr>
+        <a:xfrm>
+          <a:off x="0" y="0"/>
+          <a:ext cx="0" cy="0"/>
+          <a:chOff x="0" y="0"/>
+          <a:chExt cx="0" cy="0"/>
+        </a:xfrm>
+      </p:grpSpPr>
+      <p:sp>
+        <p:nvSpPr>
+          <p:cNvPr id="2" name="Cím 1">
+            <a:extLst>
+              <a:ext uri="{FF2B5EF4-FFF2-40B4-BE49-F238E27FC236}">
+                <a16:creationId xmlns:a16="http://schemas.microsoft.com/office/drawing/2014/main" id="{F8F33CD4-8CD2-DDED-099E-67E8212898A0}"/>
+              </a:ext>
+            </a:extLst>
+          </p:cNvPr>
+          <p:cNvSpPr>
+            <a:spLocks noGrp="1"/>
+          </p:cNvSpPr>
+          <p:nvPr>
+            <p:ph type="title"/>
+          </p:nvPr>
+        </p:nvSpPr>
+        <p:spPr>
+          <a:xfrm>
+            <a:off x="0" y="0"/>
+            <a:ext cx="12192000" cy="1008000"/>
+          </a:xfrm>
+        </p:spPr>
+        <p:txBody>
+          <a:bodyPr>
+            <a:normAutofit/>
+          </a:bodyPr>
+          <a:lstStyle/>
+          <a:p>
+            <a:pPr algn="ctr"/>
+            <a:r>
+              <a:rPr lang="hu-HU" sz="5400" dirty="0">
+                <a:solidFill>
+                  <a:schemeClr val="bg1"/>
+                </a:solidFill>
+                <a:latin typeface="Times New Roman" panose="02020603050405020304" pitchFamily="18" charset="0"/>
+                <a:cs typeface="Times New Roman" panose="02020603050405020304" pitchFamily="18" charset="0"/>
+              </a:rPr>
+              <a:t>Újratervezett főoldal</a:t>
+            </a:r>
+          </a:p>
+        </p:txBody>
+      </p:sp>
+      <p:pic>
+        <p:nvPicPr>
+          <p:cNvPr id="5" name="Kép 4" descr="A képen szöveg, képernyőkép, diagram, Téglalap látható&#10;&#10;Automatikusan generált leírás">
+            <a:extLst>
+              <a:ext uri="{FF2B5EF4-FFF2-40B4-BE49-F238E27FC236}">
+                <a16:creationId xmlns:a16="http://schemas.microsoft.com/office/drawing/2014/main" id="{318F7566-8FF3-FB90-5CB0-F082C26EC53E}"/>
+              </a:ext>
+            </a:extLst>
+          </p:cNvPr>
+          <p:cNvPicPr>
+            <a:picLocks noChangeAspect="1"/>
+          </p:cNvPicPr>
+          <p:nvPr/>
+        </p:nvPicPr>
+        <p:blipFill>
+          <a:blip r:embed="rId3">
+            <a:extLst>
+              <a:ext uri="{28A0092B-C50C-407E-A947-70E740481C1C}">
+                <a14:useLocalDpi xmlns:a14="http://schemas.microsoft.com/office/drawing/2010/main" val="0"/>
+              </a:ext>
+            </a:extLst>
+          </a:blip>
+          <a:stretch>
+            <a:fillRect/>
+          </a:stretch>
+        </p:blipFill>
+        <p:spPr>
+          <a:xfrm>
+            <a:off x="455030" y="882000"/>
+            <a:ext cx="11281940" cy="5976000"/>
+          </a:xfrm>
+          <a:prstGeom prst="rect">
+            <a:avLst/>
+          </a:prstGeom>
+        </p:spPr>
+      </p:pic>
+    </p:spTree>
+    <p:extLst>
+      <p:ext uri="{BB962C8B-B14F-4D97-AF65-F5344CB8AC3E}">
+        <p14:creationId xmlns:p14="http://schemas.microsoft.com/office/powerpoint/2010/main" val="636208272"/>
       </p:ext>
     </p:extLst>
   </p:cSld>

--- a/erettsegizzunk.pptx
+++ b/erettsegizzunk.pptx
@@ -19,9 +19,10 @@
     <p:sldId id="266" r:id="rId13"/>
     <p:sldId id="272" r:id="rId14"/>
     <p:sldId id="267" r:id="rId15"/>
-    <p:sldId id="268" r:id="rId16"/>
-    <p:sldId id="269" r:id="rId17"/>
-    <p:sldId id="264" r:id="rId18"/>
+    <p:sldId id="273" r:id="rId16"/>
+    <p:sldId id="268" r:id="rId17"/>
+    <p:sldId id="269" r:id="rId18"/>
+    <p:sldId id="264" r:id="rId19"/>
   </p:sldIdLst>
   <p:sldSz cx="12192000" cy="6858000"/>
   <p:notesSz cx="6858000" cy="9144000"/>
@@ -275,7 +276,7 @@
           <a:p>
             <a:fld id="{4C7B857E-0E47-4F46-9551-FC2A48AEF6DC}" type="datetimeFigureOut">
               <a:rPr lang="hu-HU" smtClean="0"/>
-              <a:t>2024. 12. 15.</a:t>
+              <a:t>2025. 01. 20.</a:t>
             </a:fld>
             <a:endParaRPr lang="hu-HU"/>
           </a:p>
@@ -473,7 +474,7 @@
           <a:p>
             <a:fld id="{4C7B857E-0E47-4F46-9551-FC2A48AEF6DC}" type="datetimeFigureOut">
               <a:rPr lang="hu-HU" smtClean="0"/>
-              <a:t>2024. 12. 15.</a:t>
+              <a:t>2025. 01. 20.</a:t>
             </a:fld>
             <a:endParaRPr lang="hu-HU"/>
           </a:p>
@@ -681,7 +682,7 @@
           <a:p>
             <a:fld id="{4C7B857E-0E47-4F46-9551-FC2A48AEF6DC}" type="datetimeFigureOut">
               <a:rPr lang="hu-HU" smtClean="0"/>
-              <a:t>2024. 12. 15.</a:t>
+              <a:t>2025. 01. 20.</a:t>
             </a:fld>
             <a:endParaRPr lang="hu-HU"/>
           </a:p>
@@ -879,7 +880,7 @@
           <a:p>
             <a:fld id="{4C7B857E-0E47-4F46-9551-FC2A48AEF6DC}" type="datetimeFigureOut">
               <a:rPr lang="hu-HU" smtClean="0"/>
-              <a:t>2024. 12. 15.</a:t>
+              <a:t>2025. 01. 20.</a:t>
             </a:fld>
             <a:endParaRPr lang="hu-HU"/>
           </a:p>
@@ -1154,7 +1155,7 @@
           <a:p>
             <a:fld id="{4C7B857E-0E47-4F46-9551-FC2A48AEF6DC}" type="datetimeFigureOut">
               <a:rPr lang="hu-HU" smtClean="0"/>
-              <a:t>2024. 12. 15.</a:t>
+              <a:t>2025. 01. 20.</a:t>
             </a:fld>
             <a:endParaRPr lang="hu-HU"/>
           </a:p>
@@ -1419,7 +1420,7 @@
           <a:p>
             <a:fld id="{4C7B857E-0E47-4F46-9551-FC2A48AEF6DC}" type="datetimeFigureOut">
               <a:rPr lang="hu-HU" smtClean="0"/>
-              <a:t>2024. 12. 15.</a:t>
+              <a:t>2025. 01. 20.</a:t>
             </a:fld>
             <a:endParaRPr lang="hu-HU"/>
           </a:p>
@@ -1831,7 +1832,7 @@
           <a:p>
             <a:fld id="{4C7B857E-0E47-4F46-9551-FC2A48AEF6DC}" type="datetimeFigureOut">
               <a:rPr lang="hu-HU" smtClean="0"/>
-              <a:t>2024. 12. 15.</a:t>
+              <a:t>2025. 01. 20.</a:t>
             </a:fld>
             <a:endParaRPr lang="hu-HU"/>
           </a:p>
@@ -1972,7 +1973,7 @@
           <a:p>
             <a:fld id="{4C7B857E-0E47-4F46-9551-FC2A48AEF6DC}" type="datetimeFigureOut">
               <a:rPr lang="hu-HU" smtClean="0"/>
-              <a:t>2024. 12. 15.</a:t>
+              <a:t>2025. 01. 20.</a:t>
             </a:fld>
             <a:endParaRPr lang="hu-HU"/>
           </a:p>
@@ -2085,7 +2086,7 @@
           <a:p>
             <a:fld id="{4C7B857E-0E47-4F46-9551-FC2A48AEF6DC}" type="datetimeFigureOut">
               <a:rPr lang="hu-HU" smtClean="0"/>
-              <a:t>2024. 12. 15.</a:t>
+              <a:t>2025. 01. 20.</a:t>
             </a:fld>
             <a:endParaRPr lang="hu-HU"/>
           </a:p>
@@ -2396,7 +2397,7 @@
           <a:p>
             <a:fld id="{4C7B857E-0E47-4F46-9551-FC2A48AEF6DC}" type="datetimeFigureOut">
               <a:rPr lang="hu-HU" smtClean="0"/>
-              <a:t>2024. 12. 15.</a:t>
+              <a:t>2025. 01. 20.</a:t>
             </a:fld>
             <a:endParaRPr lang="hu-HU"/>
           </a:p>
@@ -2684,7 +2685,7 @@
           <a:p>
             <a:fld id="{4C7B857E-0E47-4F46-9551-FC2A48AEF6DC}" type="datetimeFigureOut">
               <a:rPr lang="hu-HU" smtClean="0"/>
-              <a:t>2024. 12. 15.</a:t>
+              <a:t>2025. 01. 20.</a:t>
             </a:fld>
             <a:endParaRPr lang="hu-HU"/>
           </a:p>
@@ -2925,7 +2926,7 @@
           <a:p>
             <a:fld id="{4C7B857E-0E47-4F46-9551-FC2A48AEF6DC}" type="datetimeFigureOut">
               <a:rPr lang="hu-HU" smtClean="0"/>
-              <a:t>2024. 12. 15.</a:t>
+              <a:t>2025. 01. 20.</a:t>
             </a:fld>
             <a:endParaRPr lang="hu-HU"/>
           </a:p>
@@ -5177,6 +5178,128 @@
         <p:cNvPr id="1" name="">
           <a:extLst>
             <a:ext uri="{FF2B5EF4-FFF2-40B4-BE49-F238E27FC236}">
+              <a16:creationId xmlns:a16="http://schemas.microsoft.com/office/drawing/2014/main" id="{3AFFD975-9A6E-4278-9AA9-581B6162C7A8}"/>
+            </a:ext>
+          </a:extLst>
+        </p:cNvPr>
+        <p:cNvGrpSpPr/>
+        <p:nvPr/>
+      </p:nvGrpSpPr>
+      <p:grpSpPr>
+        <a:xfrm>
+          <a:off x="0" y="0"/>
+          <a:ext cx="0" cy="0"/>
+          <a:chOff x="0" y="0"/>
+          <a:chExt cx="0" cy="0"/>
+        </a:xfrm>
+      </p:grpSpPr>
+      <p:sp>
+        <p:nvSpPr>
+          <p:cNvPr id="2" name="Cím 1">
+            <a:extLst>
+              <a:ext uri="{FF2B5EF4-FFF2-40B4-BE49-F238E27FC236}">
+                <a16:creationId xmlns:a16="http://schemas.microsoft.com/office/drawing/2014/main" id="{630ABECF-F969-B9E4-00D7-A7C4222CA519}"/>
+              </a:ext>
+            </a:extLst>
+          </p:cNvPr>
+          <p:cNvSpPr>
+            <a:spLocks noGrp="1"/>
+          </p:cNvSpPr>
+          <p:nvPr>
+            <p:ph type="title"/>
+          </p:nvPr>
+        </p:nvSpPr>
+        <p:spPr>
+          <a:xfrm>
+            <a:off x="0" y="0"/>
+            <a:ext cx="12192000" cy="1008000"/>
+          </a:xfrm>
+        </p:spPr>
+        <p:txBody>
+          <a:bodyPr>
+            <a:normAutofit/>
+          </a:bodyPr>
+          <a:lstStyle/>
+          <a:p>
+            <a:pPr algn="ctr"/>
+            <a:r>
+              <a:rPr lang="hu-HU" sz="5400" dirty="0">
+                <a:solidFill>
+                  <a:schemeClr val="bg1"/>
+                </a:solidFill>
+                <a:latin typeface="Times New Roman" panose="02020603050405020304" pitchFamily="18" charset="0"/>
+                <a:cs typeface="Times New Roman" panose="02020603050405020304" pitchFamily="18" charset="0"/>
+              </a:rPr>
+              <a:t>Feladatok kitöltése utáni statisztika</a:t>
+            </a:r>
+          </a:p>
+        </p:txBody>
+      </p:sp>
+      <p:pic>
+        <p:nvPicPr>
+          <p:cNvPr id="4" name="Kép 3">
+            <a:extLst>
+              <a:ext uri="{FF2B5EF4-FFF2-40B4-BE49-F238E27FC236}">
+                <a16:creationId xmlns:a16="http://schemas.microsoft.com/office/drawing/2014/main" id="{F4DDADDC-978D-62C5-15E9-60BFF6D0F6F5}"/>
+              </a:ext>
+            </a:extLst>
+          </p:cNvPr>
+          <p:cNvPicPr>
+            <a:picLocks noChangeAspect="1"/>
+          </p:cNvPicPr>
+          <p:nvPr/>
+        </p:nvPicPr>
+        <p:blipFill>
+          <a:blip r:embed="rId3"/>
+          <a:stretch>
+            <a:fillRect/>
+          </a:stretch>
+        </p:blipFill>
+        <p:spPr>
+          <a:xfrm>
+            <a:off x="0" y="879536"/>
+            <a:ext cx="12192000" cy="5978464"/>
+          </a:xfrm>
+          <a:prstGeom prst="rect">
+            <a:avLst/>
+          </a:prstGeom>
+        </p:spPr>
+      </p:pic>
+    </p:spTree>
+    <p:extLst>
+      <p:ext uri="{BB962C8B-B14F-4D97-AF65-F5344CB8AC3E}">
+        <p14:creationId xmlns:p14="http://schemas.microsoft.com/office/powerpoint/2010/main" val="2754351528"/>
+      </p:ext>
+    </p:extLst>
+  </p:cSld>
+  <p:clrMapOvr>
+    <a:masterClrMapping/>
+  </p:clrMapOvr>
+</p:sld>
+</file>
+
+<file path=ppt/slides/slide16.xml><?xml version="1.0" encoding="utf-8"?>
+<p:sld xmlns:a="http://schemas.openxmlformats.org/drawingml/2006/main" xmlns:r="http://schemas.openxmlformats.org/officeDocument/2006/relationships" xmlns:p="http://schemas.openxmlformats.org/presentationml/2006/main">
+  <p:cSld>
+    <p:bg>
+      <p:bgPr>
+        <a:blipFill dpi="0" rotWithShape="1">
+          <a:blip r:embed="rId2">
+            <a:lum/>
+          </a:blip>
+          <a:srcRect/>
+          <a:stretch>
+            <a:fillRect t="-17000" b="-17000"/>
+          </a:stretch>
+        </a:blipFill>
+        <a:effectLst/>
+      </p:bgPr>
+    </p:bg>
+    <p:spTree>
+      <p:nvGrpSpPr>
+        <p:cNvPr id="1" name="">
+          <a:extLst>
+            <a:ext uri="{FF2B5EF4-FFF2-40B4-BE49-F238E27FC236}">
               <a16:creationId xmlns:a16="http://schemas.microsoft.com/office/drawing/2014/main" id="{772BE697-1D70-3E66-9F7C-FFC8BFB378FE}"/>
             </a:ext>
           </a:extLst>
@@ -5277,7 +5400,7 @@
 </p:sld>
 </file>
 
-<file path=ppt/slides/slide16.xml><?xml version="1.0" encoding="utf-8"?>
+<file path=ppt/slides/slide17.xml><?xml version="1.0" encoding="utf-8"?>
 <p:sld xmlns:a="http://schemas.openxmlformats.org/drawingml/2006/main" xmlns:r="http://schemas.openxmlformats.org/officeDocument/2006/relationships" xmlns:p="http://schemas.openxmlformats.org/presentationml/2006/main">
   <p:cSld>
     <p:bg>
@@ -5399,7 +5522,7 @@
 </p:sld>
 </file>
 
-<file path=ppt/slides/slide17.xml><?xml version="1.0" encoding="utf-8"?>
+<file path=ppt/slides/slide18.xml><?xml version="1.0" encoding="utf-8"?>
 <p:sld xmlns:a="http://schemas.openxmlformats.org/drawingml/2006/main" xmlns:r="http://schemas.openxmlformats.org/officeDocument/2006/relationships" xmlns:p="http://schemas.openxmlformats.org/presentationml/2006/main">
   <p:cSld>
     <p:spTree>

--- a/erettsegizzunk.pptx
+++ b/erettsegizzunk.pptx
@@ -9,20 +9,14 @@
     <p:sldId id="257" r:id="rId3"/>
     <p:sldId id="260" r:id="rId4"/>
     <p:sldId id="261" r:id="rId5"/>
-    <p:sldId id="258" r:id="rId6"/>
-    <p:sldId id="262" r:id="rId7"/>
-    <p:sldId id="259" r:id="rId8"/>
-    <p:sldId id="263" r:id="rId9"/>
-    <p:sldId id="270" r:id="rId10"/>
-    <p:sldId id="265" r:id="rId11"/>
-    <p:sldId id="271" r:id="rId12"/>
-    <p:sldId id="266" r:id="rId13"/>
-    <p:sldId id="272" r:id="rId14"/>
-    <p:sldId id="267" r:id="rId15"/>
-    <p:sldId id="273" r:id="rId16"/>
-    <p:sldId id="268" r:id="rId17"/>
-    <p:sldId id="269" r:id="rId18"/>
-    <p:sldId id="264" r:id="rId19"/>
+    <p:sldId id="259" r:id="rId6"/>
+    <p:sldId id="263" r:id="rId7"/>
+    <p:sldId id="265" r:id="rId8"/>
+    <p:sldId id="266" r:id="rId9"/>
+    <p:sldId id="267" r:id="rId10"/>
+    <p:sldId id="268" r:id="rId11"/>
+    <p:sldId id="269" r:id="rId12"/>
+    <p:sldId id="264" r:id="rId13"/>
   </p:sldIdLst>
   <p:sldSz cx="12192000" cy="6858000"/>
   <p:notesSz cx="6858000" cy="9144000"/>
@@ -276,7 +270,7 @@
           <a:p>
             <a:fld id="{4C7B857E-0E47-4F46-9551-FC2A48AEF6DC}" type="datetimeFigureOut">
               <a:rPr lang="hu-HU" smtClean="0"/>
-              <a:t>2025. 01. 20.</a:t>
+              <a:t>2025. 01. 21.</a:t>
             </a:fld>
             <a:endParaRPr lang="hu-HU"/>
           </a:p>
@@ -474,7 +468,7 @@
           <a:p>
             <a:fld id="{4C7B857E-0E47-4F46-9551-FC2A48AEF6DC}" type="datetimeFigureOut">
               <a:rPr lang="hu-HU" smtClean="0"/>
-              <a:t>2025. 01. 20.</a:t>
+              <a:t>2025. 01. 21.</a:t>
             </a:fld>
             <a:endParaRPr lang="hu-HU"/>
           </a:p>
@@ -682,7 +676,7 @@
           <a:p>
             <a:fld id="{4C7B857E-0E47-4F46-9551-FC2A48AEF6DC}" type="datetimeFigureOut">
               <a:rPr lang="hu-HU" smtClean="0"/>
-              <a:t>2025. 01. 20.</a:t>
+              <a:t>2025. 01. 21.</a:t>
             </a:fld>
             <a:endParaRPr lang="hu-HU"/>
           </a:p>
@@ -880,7 +874,7 @@
           <a:p>
             <a:fld id="{4C7B857E-0E47-4F46-9551-FC2A48AEF6DC}" type="datetimeFigureOut">
               <a:rPr lang="hu-HU" smtClean="0"/>
-              <a:t>2025. 01. 20.</a:t>
+              <a:t>2025. 01. 21.</a:t>
             </a:fld>
             <a:endParaRPr lang="hu-HU"/>
           </a:p>
@@ -1155,7 +1149,7 @@
           <a:p>
             <a:fld id="{4C7B857E-0E47-4F46-9551-FC2A48AEF6DC}" type="datetimeFigureOut">
               <a:rPr lang="hu-HU" smtClean="0"/>
-              <a:t>2025. 01. 20.</a:t>
+              <a:t>2025. 01. 21.</a:t>
             </a:fld>
             <a:endParaRPr lang="hu-HU"/>
           </a:p>
@@ -1420,7 +1414,7 @@
           <a:p>
             <a:fld id="{4C7B857E-0E47-4F46-9551-FC2A48AEF6DC}" type="datetimeFigureOut">
               <a:rPr lang="hu-HU" smtClean="0"/>
-              <a:t>2025. 01. 20.</a:t>
+              <a:t>2025. 01. 21.</a:t>
             </a:fld>
             <a:endParaRPr lang="hu-HU"/>
           </a:p>
@@ -1832,7 +1826,7 @@
           <a:p>
             <a:fld id="{4C7B857E-0E47-4F46-9551-FC2A48AEF6DC}" type="datetimeFigureOut">
               <a:rPr lang="hu-HU" smtClean="0"/>
-              <a:t>2025. 01. 20.</a:t>
+              <a:t>2025. 01. 21.</a:t>
             </a:fld>
             <a:endParaRPr lang="hu-HU"/>
           </a:p>
@@ -1973,7 +1967,7 @@
           <a:p>
             <a:fld id="{4C7B857E-0E47-4F46-9551-FC2A48AEF6DC}" type="datetimeFigureOut">
               <a:rPr lang="hu-HU" smtClean="0"/>
-              <a:t>2025. 01. 20.</a:t>
+              <a:t>2025. 01. 21.</a:t>
             </a:fld>
             <a:endParaRPr lang="hu-HU"/>
           </a:p>
@@ -2086,7 +2080,7 @@
           <a:p>
             <a:fld id="{4C7B857E-0E47-4F46-9551-FC2A48AEF6DC}" type="datetimeFigureOut">
               <a:rPr lang="hu-HU" smtClean="0"/>
-              <a:t>2025. 01. 20.</a:t>
+              <a:t>2025. 01. 21.</a:t>
             </a:fld>
             <a:endParaRPr lang="hu-HU"/>
           </a:p>
@@ -2397,7 +2391,7 @@
           <a:p>
             <a:fld id="{4C7B857E-0E47-4F46-9551-FC2A48AEF6DC}" type="datetimeFigureOut">
               <a:rPr lang="hu-HU" smtClean="0"/>
-              <a:t>2025. 01. 20.</a:t>
+              <a:t>2025. 01. 21.</a:t>
             </a:fld>
             <a:endParaRPr lang="hu-HU"/>
           </a:p>
@@ -2685,7 +2679,7 @@
           <a:p>
             <a:fld id="{4C7B857E-0E47-4F46-9551-FC2A48AEF6DC}" type="datetimeFigureOut">
               <a:rPr lang="hu-HU" smtClean="0"/>
-              <a:t>2025. 01. 20.</a:t>
+              <a:t>2025. 01. 21.</a:t>
             </a:fld>
             <a:endParaRPr lang="hu-HU"/>
           </a:p>
@@ -2926,7 +2920,7 @@
           <a:p>
             <a:fld id="{4C7B857E-0E47-4F46-9551-FC2A48AEF6DC}" type="datetimeFigureOut">
               <a:rPr lang="hu-HU" smtClean="0"/>
-              <a:t>2025. 01. 20.</a:t>
+              <a:t>2025. 01. 21.</a:t>
             </a:fld>
             <a:endParaRPr lang="hu-HU"/>
           </a:p>
@@ -4437,7 +4431,7 @@
           <a:p>
             <a:pPr algn="l"/>
             <a:r>
-              <a:rPr lang="hu-HU" dirty="0">
+              <a:rPr lang="hu-HU" dirty="0" err="1">
                 <a:solidFill>
                   <a:schemeClr val="tx1">
                     <a:lumMod val="85000"/>
@@ -4447,8 +4441,44 @@
                 <a:latin typeface="Times New Roman" panose="02020603050405020304" pitchFamily="18" charset="0"/>
                 <a:cs typeface="Times New Roman" panose="02020603050405020304" pitchFamily="18" charset="0"/>
               </a:rPr>
-              <a:t>Érettségizzünk</a:t>
-            </a:r>
+              <a:t>Let’s</a:t>
+            </a:r>
+            <a:r>
+              <a:rPr lang="hu-HU" dirty="0">
+                <a:solidFill>
+                  <a:schemeClr val="tx1">
+                    <a:lumMod val="85000"/>
+                    <a:lumOff val="15000"/>
+                  </a:schemeClr>
+                </a:solidFill>
+                <a:latin typeface="Times New Roman" panose="02020603050405020304" pitchFamily="18" charset="0"/>
+                <a:cs typeface="Times New Roman" panose="02020603050405020304" pitchFamily="18" charset="0"/>
+              </a:rPr>
+              <a:t> </a:t>
+            </a:r>
+            <a:r>
+              <a:rPr lang="hu-HU" dirty="0" err="1">
+                <a:solidFill>
+                  <a:schemeClr val="tx1">
+                    <a:lumMod val="85000"/>
+                    <a:lumOff val="15000"/>
+                  </a:schemeClr>
+                </a:solidFill>
+                <a:latin typeface="Times New Roman" panose="02020603050405020304" pitchFamily="18" charset="0"/>
+                <a:cs typeface="Times New Roman" panose="02020603050405020304" pitchFamily="18" charset="0"/>
+              </a:rPr>
+              <a:t>Graduate</a:t>
+            </a:r>
+            <a:endParaRPr lang="hu-HU" dirty="0">
+              <a:solidFill>
+                <a:schemeClr val="tx1">
+                  <a:lumMod val="85000"/>
+                  <a:lumOff val="15000"/>
+                </a:schemeClr>
+              </a:solidFill>
+              <a:latin typeface="Times New Roman" panose="02020603050405020304" pitchFamily="18" charset="0"/>
+              <a:cs typeface="Times New Roman" panose="02020603050405020304" pitchFamily="18" charset="0"/>
+            </a:endParaRPr>
           </a:p>
         </p:txBody>
       </p:sp>
@@ -4492,7 +4522,7 @@
                 <a:latin typeface="Times New Roman" panose="02020603050405020304" pitchFamily="18" charset="0"/>
                 <a:cs typeface="Times New Roman" panose="02020603050405020304" pitchFamily="18" charset="0"/>
               </a:rPr>
-              <a:t>By: Lipták Dárius, Gáspár Zsolt, Bernát Olivér</a:t>
+              <a:t>By: Dárius Lipták, Zsolt Gáspár, Olivér Bernát</a:t>
             </a:r>
           </a:p>
         </p:txBody>
@@ -4511,774 +4541,6 @@
 </file>
 
 <file path=ppt/slides/slide10.xml><?xml version="1.0" encoding="utf-8"?>
-<p:sld xmlns:a="http://schemas.openxmlformats.org/drawingml/2006/main" xmlns:r="http://schemas.openxmlformats.org/officeDocument/2006/relationships" xmlns:p="http://schemas.openxmlformats.org/presentationml/2006/main">
-  <p:cSld>
-    <p:bg>
-      <p:bgPr>
-        <a:blipFill dpi="0" rotWithShape="1">
-          <a:blip r:embed="rId2">
-            <a:lum/>
-          </a:blip>
-          <a:srcRect/>
-          <a:stretch>
-            <a:fillRect t="-17000" b="-17000"/>
-          </a:stretch>
-        </a:blipFill>
-        <a:effectLst/>
-      </p:bgPr>
-    </p:bg>
-    <p:spTree>
-      <p:nvGrpSpPr>
-        <p:cNvPr id="1" name="">
-          <a:extLst>
-            <a:ext uri="{FF2B5EF4-FFF2-40B4-BE49-F238E27FC236}">
-              <a16:creationId xmlns:a16="http://schemas.microsoft.com/office/drawing/2014/main" id="{F1B2C501-0AD6-5B32-DDDC-05A21536BA19}"/>
-            </a:ext>
-          </a:extLst>
-        </p:cNvPr>
-        <p:cNvGrpSpPr/>
-        <p:nvPr/>
-      </p:nvGrpSpPr>
-      <p:grpSpPr>
-        <a:xfrm>
-          <a:off x="0" y="0"/>
-          <a:ext cx="0" cy="0"/>
-          <a:chOff x="0" y="0"/>
-          <a:chExt cx="0" cy="0"/>
-        </a:xfrm>
-      </p:grpSpPr>
-      <p:sp>
-        <p:nvSpPr>
-          <p:cNvPr id="2" name="Cím 1">
-            <a:extLst>
-              <a:ext uri="{FF2B5EF4-FFF2-40B4-BE49-F238E27FC236}">
-                <a16:creationId xmlns:a16="http://schemas.microsoft.com/office/drawing/2014/main" id="{9C54E7D8-02A4-07C3-A3AB-327D3C92F617}"/>
-              </a:ext>
-            </a:extLst>
-          </p:cNvPr>
-          <p:cNvSpPr>
-            <a:spLocks noGrp="1"/>
-          </p:cNvSpPr>
-          <p:nvPr>
-            <p:ph type="title"/>
-          </p:nvPr>
-        </p:nvSpPr>
-        <p:spPr>
-          <a:xfrm>
-            <a:off x="0" y="0"/>
-            <a:ext cx="12192000" cy="1008000"/>
-          </a:xfrm>
-        </p:spPr>
-        <p:txBody>
-          <a:bodyPr>
-            <a:normAutofit/>
-          </a:bodyPr>
-          <a:lstStyle/>
-          <a:p>
-            <a:pPr algn="ctr"/>
-            <a:r>
-              <a:rPr lang="hu-HU" sz="5400">
-                <a:solidFill>
-                  <a:schemeClr val="bg1"/>
-                </a:solidFill>
-                <a:latin typeface="Times New Roman" panose="02020603050405020304" pitchFamily="18" charset="0"/>
-                <a:cs typeface="Times New Roman" panose="02020603050405020304" pitchFamily="18" charset="0"/>
-              </a:rPr>
-              <a:t>Újratervezett főoldal</a:t>
-            </a:r>
-            <a:endParaRPr lang="hu-HU" sz="5400" dirty="0">
-              <a:solidFill>
-                <a:schemeClr val="bg1"/>
-              </a:solidFill>
-              <a:latin typeface="Times New Roman" panose="02020603050405020304" pitchFamily="18" charset="0"/>
-              <a:cs typeface="Times New Roman" panose="02020603050405020304" pitchFamily="18" charset="0"/>
-            </a:endParaRPr>
-          </a:p>
-        </p:txBody>
-      </p:sp>
-      <p:pic>
-        <p:nvPicPr>
-          <p:cNvPr id="5" name="Kép 4">
-            <a:extLst>
-              <a:ext uri="{FF2B5EF4-FFF2-40B4-BE49-F238E27FC236}">
-                <a16:creationId xmlns:a16="http://schemas.microsoft.com/office/drawing/2014/main" id="{3B3C09B2-1AC8-DC72-E207-625CD6F86948}"/>
-              </a:ext>
-            </a:extLst>
-          </p:cNvPr>
-          <p:cNvPicPr>
-            <a:picLocks noChangeAspect="1"/>
-          </p:cNvPicPr>
-          <p:nvPr/>
-        </p:nvPicPr>
-        <p:blipFill>
-          <a:blip r:embed="rId3"/>
-          <a:stretch>
-            <a:fillRect/>
-          </a:stretch>
-        </p:blipFill>
-        <p:spPr>
-          <a:xfrm>
-            <a:off x="28304" y="882000"/>
-            <a:ext cx="12135391" cy="5976000"/>
-          </a:xfrm>
-          <a:prstGeom prst="rect">
-            <a:avLst/>
-          </a:prstGeom>
-        </p:spPr>
-      </p:pic>
-    </p:spTree>
-    <p:extLst>
-      <p:ext uri="{BB962C8B-B14F-4D97-AF65-F5344CB8AC3E}">
-        <p14:creationId xmlns:p14="http://schemas.microsoft.com/office/powerpoint/2010/main" val="3998714109"/>
-      </p:ext>
-    </p:extLst>
-  </p:cSld>
-  <p:clrMapOvr>
-    <a:masterClrMapping/>
-  </p:clrMapOvr>
-</p:sld>
-</file>
-
-<file path=ppt/slides/slide11.xml><?xml version="1.0" encoding="utf-8"?>
-<p:sld xmlns:a="http://schemas.openxmlformats.org/drawingml/2006/main" xmlns:r="http://schemas.openxmlformats.org/officeDocument/2006/relationships" xmlns:p="http://schemas.openxmlformats.org/presentationml/2006/main">
-  <p:cSld>
-    <p:bg>
-      <p:bgPr>
-        <a:blipFill dpi="0" rotWithShape="1">
-          <a:blip r:embed="rId2">
-            <a:lum/>
-          </a:blip>
-          <a:srcRect/>
-          <a:stretch>
-            <a:fillRect t="-17000" b="-17000"/>
-          </a:stretch>
-        </a:blipFill>
-        <a:effectLst/>
-      </p:bgPr>
-    </p:bg>
-    <p:spTree>
-      <p:nvGrpSpPr>
-        <p:cNvPr id="1" name="">
-          <a:extLst>
-            <a:ext uri="{FF2B5EF4-FFF2-40B4-BE49-F238E27FC236}">
-              <a16:creationId xmlns:a16="http://schemas.microsoft.com/office/drawing/2014/main" id="{665AD452-00E3-08BA-ADB2-A03C6D28EB44}"/>
-            </a:ext>
-          </a:extLst>
-        </p:cNvPr>
-        <p:cNvGrpSpPr/>
-        <p:nvPr/>
-      </p:nvGrpSpPr>
-      <p:grpSpPr>
-        <a:xfrm>
-          <a:off x="0" y="0"/>
-          <a:ext cx="0" cy="0"/>
-          <a:chOff x="0" y="0"/>
-          <a:chExt cx="0" cy="0"/>
-        </a:xfrm>
-      </p:grpSpPr>
-      <p:sp>
-        <p:nvSpPr>
-          <p:cNvPr id="2" name="Cím 1">
-            <a:extLst>
-              <a:ext uri="{FF2B5EF4-FFF2-40B4-BE49-F238E27FC236}">
-                <a16:creationId xmlns:a16="http://schemas.microsoft.com/office/drawing/2014/main" id="{0129A515-EF64-500C-9EE1-F8F19889D9BF}"/>
-              </a:ext>
-            </a:extLst>
-          </p:cNvPr>
-          <p:cNvSpPr>
-            <a:spLocks noGrp="1"/>
-          </p:cNvSpPr>
-          <p:nvPr>
-            <p:ph type="title"/>
-          </p:nvPr>
-        </p:nvSpPr>
-        <p:spPr>
-          <a:xfrm>
-            <a:off x="0" y="1"/>
-            <a:ext cx="12192000" cy="1008000"/>
-          </a:xfrm>
-        </p:spPr>
-        <p:txBody>
-          <a:bodyPr>
-            <a:normAutofit/>
-          </a:bodyPr>
-          <a:lstStyle/>
-          <a:p>
-            <a:pPr algn="ctr"/>
-            <a:r>
-              <a:rPr lang="hu-HU" sz="5400" dirty="0">
-                <a:solidFill>
-                  <a:schemeClr val="bg1"/>
-                </a:solidFill>
-                <a:latin typeface="Times New Roman" panose="02020603050405020304" pitchFamily="18" charset="0"/>
-                <a:cs typeface="Times New Roman" panose="02020603050405020304" pitchFamily="18" charset="0"/>
-              </a:rPr>
-              <a:t>Tesztsor választó felület</a:t>
-            </a:r>
-          </a:p>
-        </p:txBody>
-      </p:sp>
-      <p:pic>
-        <p:nvPicPr>
-          <p:cNvPr id="5" name="Kép 4" descr="A képen diagram, szöveg, sor, képernyőkép látható&#10;&#10;Automatikusan generált leírás">
-            <a:extLst>
-              <a:ext uri="{FF2B5EF4-FFF2-40B4-BE49-F238E27FC236}">
-                <a16:creationId xmlns:a16="http://schemas.microsoft.com/office/drawing/2014/main" id="{073445BB-8AF3-5398-B11E-560696198FB7}"/>
-              </a:ext>
-            </a:extLst>
-          </p:cNvPr>
-          <p:cNvPicPr>
-            <a:picLocks noChangeAspect="1"/>
-          </p:cNvPicPr>
-          <p:nvPr/>
-        </p:nvPicPr>
-        <p:blipFill>
-          <a:blip r:embed="rId3">
-            <a:extLst>
-              <a:ext uri="{28A0092B-C50C-407E-A947-70E740481C1C}">
-                <a14:useLocalDpi xmlns:a14="http://schemas.microsoft.com/office/drawing/2010/main" val="0"/>
-              </a:ext>
-            </a:extLst>
-          </a:blip>
-          <a:stretch>
-            <a:fillRect/>
-          </a:stretch>
-        </p:blipFill>
-        <p:spPr>
-          <a:xfrm>
-            <a:off x="366392" y="881999"/>
-            <a:ext cx="11459216" cy="5976000"/>
-          </a:xfrm>
-          <a:prstGeom prst="rect">
-            <a:avLst/>
-          </a:prstGeom>
-        </p:spPr>
-      </p:pic>
-    </p:spTree>
-    <p:extLst>
-      <p:ext uri="{BB962C8B-B14F-4D97-AF65-F5344CB8AC3E}">
-        <p14:creationId xmlns:p14="http://schemas.microsoft.com/office/powerpoint/2010/main" val="820335069"/>
-      </p:ext>
-    </p:extLst>
-  </p:cSld>
-  <p:clrMapOvr>
-    <a:masterClrMapping/>
-  </p:clrMapOvr>
-</p:sld>
-</file>
-
-<file path=ppt/slides/slide12.xml><?xml version="1.0" encoding="utf-8"?>
-<p:sld xmlns:a="http://schemas.openxmlformats.org/drawingml/2006/main" xmlns:r="http://schemas.openxmlformats.org/officeDocument/2006/relationships" xmlns:p="http://schemas.openxmlformats.org/presentationml/2006/main">
-  <p:cSld>
-    <p:bg>
-      <p:bgPr>
-        <a:blipFill dpi="0" rotWithShape="1">
-          <a:blip r:embed="rId2">
-            <a:lum/>
-          </a:blip>
-          <a:srcRect/>
-          <a:stretch>
-            <a:fillRect t="-17000" b="-17000"/>
-          </a:stretch>
-        </a:blipFill>
-        <a:effectLst/>
-      </p:bgPr>
-    </p:bg>
-    <p:spTree>
-      <p:nvGrpSpPr>
-        <p:cNvPr id="1" name="">
-          <a:extLst>
-            <a:ext uri="{FF2B5EF4-FFF2-40B4-BE49-F238E27FC236}">
-              <a16:creationId xmlns:a16="http://schemas.microsoft.com/office/drawing/2014/main" id="{334A817E-0BC7-30EE-4112-53202197352D}"/>
-            </a:ext>
-          </a:extLst>
-        </p:cNvPr>
-        <p:cNvGrpSpPr/>
-        <p:nvPr/>
-      </p:nvGrpSpPr>
-      <p:grpSpPr>
-        <a:xfrm>
-          <a:off x="0" y="0"/>
-          <a:ext cx="0" cy="0"/>
-          <a:chOff x="0" y="0"/>
-          <a:chExt cx="0" cy="0"/>
-        </a:xfrm>
-      </p:grpSpPr>
-      <p:sp>
-        <p:nvSpPr>
-          <p:cNvPr id="2" name="Cím 1">
-            <a:extLst>
-              <a:ext uri="{FF2B5EF4-FFF2-40B4-BE49-F238E27FC236}">
-                <a16:creationId xmlns:a16="http://schemas.microsoft.com/office/drawing/2014/main" id="{D54BC962-494A-A134-67D9-36FACC7A7B00}"/>
-              </a:ext>
-            </a:extLst>
-          </p:cNvPr>
-          <p:cNvSpPr>
-            <a:spLocks noGrp="1"/>
-          </p:cNvSpPr>
-          <p:nvPr>
-            <p:ph type="title"/>
-          </p:nvPr>
-        </p:nvSpPr>
-        <p:spPr>
-          <a:xfrm>
-            <a:off x="0" y="0"/>
-            <a:ext cx="12192000" cy="1008000"/>
-          </a:xfrm>
-        </p:spPr>
-        <p:txBody>
-          <a:bodyPr>
-            <a:normAutofit/>
-          </a:bodyPr>
-          <a:lstStyle/>
-          <a:p>
-            <a:pPr algn="ctr"/>
-            <a:r>
-              <a:rPr lang="hu-HU" sz="5400" dirty="0">
-                <a:solidFill>
-                  <a:schemeClr val="bg1"/>
-                </a:solidFill>
-                <a:latin typeface="Times New Roman" panose="02020603050405020304" pitchFamily="18" charset="0"/>
-                <a:cs typeface="Times New Roman" panose="02020603050405020304" pitchFamily="18" charset="0"/>
-              </a:rPr>
-              <a:t>Tesztsor </a:t>
-            </a:r>
-            <a:r>
-              <a:rPr lang="hu-HU" sz="5400">
-                <a:solidFill>
-                  <a:schemeClr val="bg1"/>
-                </a:solidFill>
-                <a:latin typeface="Times New Roman" panose="02020603050405020304" pitchFamily="18" charset="0"/>
-                <a:cs typeface="Times New Roman" panose="02020603050405020304" pitchFamily="18" charset="0"/>
-              </a:rPr>
-              <a:t>választó felület</a:t>
-            </a:r>
-            <a:endParaRPr lang="hu-HU" sz="5400" dirty="0">
-              <a:solidFill>
-                <a:schemeClr val="bg1"/>
-              </a:solidFill>
-              <a:latin typeface="Times New Roman" panose="02020603050405020304" pitchFamily="18" charset="0"/>
-              <a:cs typeface="Times New Roman" panose="02020603050405020304" pitchFamily="18" charset="0"/>
-            </a:endParaRPr>
-          </a:p>
-        </p:txBody>
-      </p:sp>
-      <p:pic>
-        <p:nvPicPr>
-          <p:cNvPr id="4" name="Kép 3">
-            <a:extLst>
-              <a:ext uri="{FF2B5EF4-FFF2-40B4-BE49-F238E27FC236}">
-                <a16:creationId xmlns:a16="http://schemas.microsoft.com/office/drawing/2014/main" id="{20B10D2D-2DBC-4724-DDEB-E921CFA232E4}"/>
-              </a:ext>
-            </a:extLst>
-          </p:cNvPr>
-          <p:cNvPicPr>
-            <a:picLocks noChangeAspect="1"/>
-          </p:cNvPicPr>
-          <p:nvPr/>
-        </p:nvPicPr>
-        <p:blipFill>
-          <a:blip r:embed="rId3"/>
-          <a:stretch>
-            <a:fillRect/>
-          </a:stretch>
-        </p:blipFill>
-        <p:spPr>
-          <a:xfrm>
-            <a:off x="28304" y="882000"/>
-            <a:ext cx="12135391" cy="5976000"/>
-          </a:xfrm>
-          <a:prstGeom prst="rect">
-            <a:avLst/>
-          </a:prstGeom>
-        </p:spPr>
-      </p:pic>
-    </p:spTree>
-    <p:extLst>
-      <p:ext uri="{BB962C8B-B14F-4D97-AF65-F5344CB8AC3E}">
-        <p14:creationId xmlns:p14="http://schemas.microsoft.com/office/powerpoint/2010/main" val="3828372338"/>
-      </p:ext>
-    </p:extLst>
-  </p:cSld>
-  <p:clrMapOvr>
-    <a:masterClrMapping/>
-  </p:clrMapOvr>
-</p:sld>
-</file>
-
-<file path=ppt/slides/slide13.xml><?xml version="1.0" encoding="utf-8"?>
-<p:sld xmlns:a="http://schemas.openxmlformats.org/drawingml/2006/main" xmlns:r="http://schemas.openxmlformats.org/officeDocument/2006/relationships" xmlns:p="http://schemas.openxmlformats.org/presentationml/2006/main">
-  <p:cSld>
-    <p:bg>
-      <p:bgPr>
-        <a:blipFill dpi="0" rotWithShape="1">
-          <a:blip r:embed="rId2">
-            <a:lum/>
-          </a:blip>
-          <a:srcRect/>
-          <a:stretch>
-            <a:fillRect t="-17000" b="-17000"/>
-          </a:stretch>
-        </a:blipFill>
-        <a:effectLst/>
-      </p:bgPr>
-    </p:bg>
-    <p:spTree>
-      <p:nvGrpSpPr>
-        <p:cNvPr id="1" name="">
-          <a:extLst>
-            <a:ext uri="{FF2B5EF4-FFF2-40B4-BE49-F238E27FC236}">
-              <a16:creationId xmlns:a16="http://schemas.microsoft.com/office/drawing/2014/main" id="{01443701-C98A-7868-56E4-AB500559F697}"/>
-            </a:ext>
-          </a:extLst>
-        </p:cNvPr>
-        <p:cNvGrpSpPr/>
-        <p:nvPr/>
-      </p:nvGrpSpPr>
-      <p:grpSpPr>
-        <a:xfrm>
-          <a:off x="0" y="0"/>
-          <a:ext cx="0" cy="0"/>
-          <a:chOff x="0" y="0"/>
-          <a:chExt cx="0" cy="0"/>
-        </a:xfrm>
-      </p:grpSpPr>
-      <p:sp>
-        <p:nvSpPr>
-          <p:cNvPr id="2" name="Cím 1">
-            <a:extLst>
-              <a:ext uri="{FF2B5EF4-FFF2-40B4-BE49-F238E27FC236}">
-                <a16:creationId xmlns:a16="http://schemas.microsoft.com/office/drawing/2014/main" id="{64552D08-6200-ED9B-1DF7-BD579F72111D}"/>
-              </a:ext>
-            </a:extLst>
-          </p:cNvPr>
-          <p:cNvSpPr>
-            <a:spLocks noGrp="1"/>
-          </p:cNvSpPr>
-          <p:nvPr>
-            <p:ph type="title"/>
-          </p:nvPr>
-        </p:nvSpPr>
-        <p:spPr>
-          <a:xfrm>
-            <a:off x="0" y="0"/>
-            <a:ext cx="12192000" cy="1008000"/>
-          </a:xfrm>
-        </p:spPr>
-        <p:txBody>
-          <a:bodyPr>
-            <a:normAutofit/>
-          </a:bodyPr>
-          <a:lstStyle/>
-          <a:p>
-            <a:pPr algn="ctr"/>
-            <a:r>
-              <a:rPr lang="hu-HU" sz="5400" dirty="0">
-                <a:solidFill>
-                  <a:schemeClr val="bg1"/>
-                </a:solidFill>
-                <a:latin typeface="Times New Roman" panose="02020603050405020304" pitchFamily="18" charset="0"/>
-                <a:cs typeface="Times New Roman" panose="02020603050405020304" pitchFamily="18" charset="0"/>
-              </a:rPr>
-              <a:t>Adatbázisból betöltött tesztfelület</a:t>
-            </a:r>
-          </a:p>
-        </p:txBody>
-      </p:sp>
-      <p:pic>
-        <p:nvPicPr>
-          <p:cNvPr id="5" name="Kép 4" descr="A képen szöveg, képernyőkép, sor, diagram látható&#10;&#10;Automatikusan generált leírás">
-            <a:extLst>
-              <a:ext uri="{FF2B5EF4-FFF2-40B4-BE49-F238E27FC236}">
-                <a16:creationId xmlns:a16="http://schemas.microsoft.com/office/drawing/2014/main" id="{D57B5857-0341-84D6-49D7-254C11483015}"/>
-              </a:ext>
-            </a:extLst>
-          </p:cNvPr>
-          <p:cNvPicPr>
-            <a:picLocks noChangeAspect="1"/>
-          </p:cNvPicPr>
-          <p:nvPr/>
-        </p:nvPicPr>
-        <p:blipFill>
-          <a:blip r:embed="rId3">
-            <a:extLst>
-              <a:ext uri="{28A0092B-C50C-407E-A947-70E740481C1C}">
-                <a14:useLocalDpi xmlns:a14="http://schemas.microsoft.com/office/drawing/2010/main" val="0"/>
-              </a:ext>
-            </a:extLst>
-          </a:blip>
-          <a:stretch>
-            <a:fillRect/>
-          </a:stretch>
-        </p:blipFill>
-        <p:spPr>
-          <a:xfrm>
-            <a:off x="371487" y="882000"/>
-            <a:ext cx="11449026" cy="5976000"/>
-          </a:xfrm>
-          <a:prstGeom prst="rect">
-            <a:avLst/>
-          </a:prstGeom>
-        </p:spPr>
-      </p:pic>
-    </p:spTree>
-    <p:extLst>
-      <p:ext uri="{BB962C8B-B14F-4D97-AF65-F5344CB8AC3E}">
-        <p14:creationId xmlns:p14="http://schemas.microsoft.com/office/powerpoint/2010/main" val="1632275736"/>
-      </p:ext>
-    </p:extLst>
-  </p:cSld>
-  <p:clrMapOvr>
-    <a:masterClrMapping/>
-  </p:clrMapOvr>
-</p:sld>
-</file>
-
-<file path=ppt/slides/slide14.xml><?xml version="1.0" encoding="utf-8"?>
-<p:sld xmlns:a="http://schemas.openxmlformats.org/drawingml/2006/main" xmlns:r="http://schemas.openxmlformats.org/officeDocument/2006/relationships" xmlns:p="http://schemas.openxmlformats.org/presentationml/2006/main">
-  <p:cSld>
-    <p:bg>
-      <p:bgPr>
-        <a:blipFill dpi="0" rotWithShape="1">
-          <a:blip r:embed="rId2">
-            <a:lum/>
-          </a:blip>
-          <a:srcRect/>
-          <a:stretch>
-            <a:fillRect t="-17000" b="-17000"/>
-          </a:stretch>
-        </a:blipFill>
-        <a:effectLst/>
-      </p:bgPr>
-    </p:bg>
-    <p:spTree>
-      <p:nvGrpSpPr>
-        <p:cNvPr id="1" name="">
-          <a:extLst>
-            <a:ext uri="{FF2B5EF4-FFF2-40B4-BE49-F238E27FC236}">
-              <a16:creationId xmlns:a16="http://schemas.microsoft.com/office/drawing/2014/main" id="{5AAE7DE5-0CC2-33C8-A0B3-BFB06E1614AF}"/>
-            </a:ext>
-          </a:extLst>
-        </p:cNvPr>
-        <p:cNvGrpSpPr/>
-        <p:nvPr/>
-      </p:nvGrpSpPr>
-      <p:grpSpPr>
-        <a:xfrm>
-          <a:off x="0" y="0"/>
-          <a:ext cx="0" cy="0"/>
-          <a:chOff x="0" y="0"/>
-          <a:chExt cx="0" cy="0"/>
-        </a:xfrm>
-      </p:grpSpPr>
-      <p:sp>
-        <p:nvSpPr>
-          <p:cNvPr id="2" name="Cím 1">
-            <a:extLst>
-              <a:ext uri="{FF2B5EF4-FFF2-40B4-BE49-F238E27FC236}">
-                <a16:creationId xmlns:a16="http://schemas.microsoft.com/office/drawing/2014/main" id="{F823BCCE-FC24-AA53-CE58-05296DBA086A}"/>
-              </a:ext>
-            </a:extLst>
-          </p:cNvPr>
-          <p:cNvSpPr>
-            <a:spLocks noGrp="1"/>
-          </p:cNvSpPr>
-          <p:nvPr>
-            <p:ph type="title"/>
-          </p:nvPr>
-        </p:nvSpPr>
-        <p:spPr>
-          <a:xfrm>
-            <a:off x="0" y="0"/>
-            <a:ext cx="12192000" cy="1008000"/>
-          </a:xfrm>
-        </p:spPr>
-        <p:txBody>
-          <a:bodyPr>
-            <a:normAutofit/>
-          </a:bodyPr>
-          <a:lstStyle/>
-          <a:p>
-            <a:pPr algn="ctr"/>
-            <a:r>
-              <a:rPr lang="hu-HU" sz="5400" dirty="0">
-                <a:solidFill>
-                  <a:schemeClr val="bg1"/>
-                </a:solidFill>
-                <a:latin typeface="Times New Roman" panose="02020603050405020304" pitchFamily="18" charset="0"/>
-                <a:cs typeface="Times New Roman" panose="02020603050405020304" pitchFamily="18" charset="0"/>
-              </a:rPr>
-              <a:t>Adatbázisból betöltött tesztfelület</a:t>
-            </a:r>
-          </a:p>
-        </p:txBody>
-      </p:sp>
-      <p:pic>
-        <p:nvPicPr>
-          <p:cNvPr id="5" name="Kép 4">
-            <a:extLst>
-              <a:ext uri="{FF2B5EF4-FFF2-40B4-BE49-F238E27FC236}">
-                <a16:creationId xmlns:a16="http://schemas.microsoft.com/office/drawing/2014/main" id="{8961180F-7949-D0D0-36FD-0D42A519B58A}"/>
-              </a:ext>
-            </a:extLst>
-          </p:cNvPr>
-          <p:cNvPicPr>
-            <a:picLocks noChangeAspect="1"/>
-          </p:cNvPicPr>
-          <p:nvPr/>
-        </p:nvPicPr>
-        <p:blipFill>
-          <a:blip r:embed="rId3"/>
-          <a:stretch>
-            <a:fillRect/>
-          </a:stretch>
-        </p:blipFill>
-        <p:spPr>
-          <a:xfrm>
-            <a:off x="21877" y="882000"/>
-            <a:ext cx="12148245" cy="5976000"/>
-          </a:xfrm>
-          <a:prstGeom prst="rect">
-            <a:avLst/>
-          </a:prstGeom>
-        </p:spPr>
-      </p:pic>
-    </p:spTree>
-    <p:extLst>
-      <p:ext uri="{BB962C8B-B14F-4D97-AF65-F5344CB8AC3E}">
-        <p14:creationId xmlns:p14="http://schemas.microsoft.com/office/powerpoint/2010/main" val="1536641983"/>
-      </p:ext>
-    </p:extLst>
-  </p:cSld>
-  <p:clrMapOvr>
-    <a:masterClrMapping/>
-  </p:clrMapOvr>
-</p:sld>
-</file>
-
-<file path=ppt/slides/slide15.xml><?xml version="1.0" encoding="utf-8"?>
-<p:sld xmlns:a="http://schemas.openxmlformats.org/drawingml/2006/main" xmlns:r="http://schemas.openxmlformats.org/officeDocument/2006/relationships" xmlns:p="http://schemas.openxmlformats.org/presentationml/2006/main">
-  <p:cSld>
-    <p:bg>
-      <p:bgPr>
-        <a:blipFill dpi="0" rotWithShape="1">
-          <a:blip r:embed="rId2">
-            <a:lum/>
-          </a:blip>
-          <a:srcRect/>
-          <a:stretch>
-            <a:fillRect t="-17000" b="-17000"/>
-          </a:stretch>
-        </a:blipFill>
-        <a:effectLst/>
-      </p:bgPr>
-    </p:bg>
-    <p:spTree>
-      <p:nvGrpSpPr>
-        <p:cNvPr id="1" name="">
-          <a:extLst>
-            <a:ext uri="{FF2B5EF4-FFF2-40B4-BE49-F238E27FC236}">
-              <a16:creationId xmlns:a16="http://schemas.microsoft.com/office/drawing/2014/main" id="{3AFFD975-9A6E-4278-9AA9-581B6162C7A8}"/>
-            </a:ext>
-          </a:extLst>
-        </p:cNvPr>
-        <p:cNvGrpSpPr/>
-        <p:nvPr/>
-      </p:nvGrpSpPr>
-      <p:grpSpPr>
-        <a:xfrm>
-          <a:off x="0" y="0"/>
-          <a:ext cx="0" cy="0"/>
-          <a:chOff x="0" y="0"/>
-          <a:chExt cx="0" cy="0"/>
-        </a:xfrm>
-      </p:grpSpPr>
-      <p:sp>
-        <p:nvSpPr>
-          <p:cNvPr id="2" name="Cím 1">
-            <a:extLst>
-              <a:ext uri="{FF2B5EF4-FFF2-40B4-BE49-F238E27FC236}">
-                <a16:creationId xmlns:a16="http://schemas.microsoft.com/office/drawing/2014/main" id="{630ABECF-F969-B9E4-00D7-A7C4222CA519}"/>
-              </a:ext>
-            </a:extLst>
-          </p:cNvPr>
-          <p:cNvSpPr>
-            <a:spLocks noGrp="1"/>
-          </p:cNvSpPr>
-          <p:nvPr>
-            <p:ph type="title"/>
-          </p:nvPr>
-        </p:nvSpPr>
-        <p:spPr>
-          <a:xfrm>
-            <a:off x="0" y="0"/>
-            <a:ext cx="12192000" cy="1008000"/>
-          </a:xfrm>
-        </p:spPr>
-        <p:txBody>
-          <a:bodyPr>
-            <a:normAutofit/>
-          </a:bodyPr>
-          <a:lstStyle/>
-          <a:p>
-            <a:pPr algn="ctr"/>
-            <a:r>
-              <a:rPr lang="hu-HU" sz="5400" dirty="0">
-                <a:solidFill>
-                  <a:schemeClr val="bg1"/>
-                </a:solidFill>
-                <a:latin typeface="Times New Roman" panose="02020603050405020304" pitchFamily="18" charset="0"/>
-                <a:cs typeface="Times New Roman" panose="02020603050405020304" pitchFamily="18" charset="0"/>
-              </a:rPr>
-              <a:t>Feladatok kitöltése utáni statisztika</a:t>
-            </a:r>
-          </a:p>
-        </p:txBody>
-      </p:sp>
-      <p:pic>
-        <p:nvPicPr>
-          <p:cNvPr id="4" name="Kép 3">
-            <a:extLst>
-              <a:ext uri="{FF2B5EF4-FFF2-40B4-BE49-F238E27FC236}">
-                <a16:creationId xmlns:a16="http://schemas.microsoft.com/office/drawing/2014/main" id="{F4DDADDC-978D-62C5-15E9-60BFF6D0F6F5}"/>
-              </a:ext>
-            </a:extLst>
-          </p:cNvPr>
-          <p:cNvPicPr>
-            <a:picLocks noChangeAspect="1"/>
-          </p:cNvPicPr>
-          <p:nvPr/>
-        </p:nvPicPr>
-        <p:blipFill>
-          <a:blip r:embed="rId3"/>
-          <a:stretch>
-            <a:fillRect/>
-          </a:stretch>
-        </p:blipFill>
-        <p:spPr>
-          <a:xfrm>
-            <a:off x="0" y="879536"/>
-            <a:ext cx="12192000" cy="5978464"/>
-          </a:xfrm>
-          <a:prstGeom prst="rect">
-            <a:avLst/>
-          </a:prstGeom>
-        </p:spPr>
-      </p:pic>
-    </p:spTree>
-    <p:extLst>
-      <p:ext uri="{BB962C8B-B14F-4D97-AF65-F5344CB8AC3E}">
-        <p14:creationId xmlns:p14="http://schemas.microsoft.com/office/powerpoint/2010/main" val="2754351528"/>
-      </p:ext>
-    </p:extLst>
-  </p:cSld>
-  <p:clrMapOvr>
-    <a:masterClrMapping/>
-  </p:clrMapOvr>
-</p:sld>
-</file>
-
-<file path=ppt/slides/slide16.xml><?xml version="1.0" encoding="utf-8"?>
 <p:sld xmlns:a="http://schemas.openxmlformats.org/drawingml/2006/main" xmlns:r="http://schemas.openxmlformats.org/officeDocument/2006/relationships" xmlns:p="http://schemas.openxmlformats.org/presentationml/2006/main">
   <p:cSld>
     <p:bg>
@@ -5345,6 +4607,16 @@
           <a:p>
             <a:pPr algn="ctr"/>
             <a:r>
+              <a:rPr lang="hu-HU" sz="5400" dirty="0" err="1">
+                <a:solidFill>
+                  <a:schemeClr val="bg1"/>
+                </a:solidFill>
+                <a:latin typeface="Times New Roman" panose="02020603050405020304" pitchFamily="18" charset="0"/>
+                <a:cs typeface="Times New Roman" panose="02020603050405020304" pitchFamily="18" charset="0"/>
+              </a:rPr>
+              <a:t>First</a:t>
+            </a:r>
+            <a:r>
               <a:rPr lang="hu-HU" sz="5400" dirty="0">
                 <a:solidFill>
                   <a:schemeClr val="bg1"/>
@@ -5352,7 +4624,27 @@
                 <a:latin typeface="Times New Roman" panose="02020603050405020304" pitchFamily="18" charset="0"/>
                 <a:cs typeface="Times New Roman" panose="02020603050405020304" pitchFamily="18" charset="0"/>
               </a:rPr>
-              <a:t>Első funkcionális tesztelés részlete</a:t>
+              <a:t> </a:t>
+            </a:r>
+            <a:r>
+              <a:rPr lang="hu-HU" sz="5400" dirty="0" err="1">
+                <a:solidFill>
+                  <a:schemeClr val="bg1"/>
+                </a:solidFill>
+                <a:latin typeface="Times New Roman" panose="02020603050405020304" pitchFamily="18" charset="0"/>
+                <a:cs typeface="Times New Roman" panose="02020603050405020304" pitchFamily="18" charset="0"/>
+              </a:rPr>
+              <a:t>functional</a:t>
+            </a:r>
+            <a:r>
+              <a:rPr lang="hu-HU" sz="5400" dirty="0">
+                <a:solidFill>
+                  <a:schemeClr val="bg1"/>
+                </a:solidFill>
+                <a:latin typeface="Times New Roman" panose="02020603050405020304" pitchFamily="18" charset="0"/>
+                <a:cs typeface="Times New Roman" panose="02020603050405020304" pitchFamily="18" charset="0"/>
+              </a:rPr>
+              <a:t> testing</a:t>
             </a:r>
           </a:p>
         </p:txBody>
@@ -5400,7 +4692,7 @@
 </p:sld>
 </file>
 
-<file path=ppt/slides/slide17.xml><?xml version="1.0" encoding="utf-8"?>
+<file path=ppt/slides/slide11.xml><?xml version="1.0" encoding="utf-8"?>
 <p:sld xmlns:a="http://schemas.openxmlformats.org/drawingml/2006/main" xmlns:r="http://schemas.openxmlformats.org/officeDocument/2006/relationships" xmlns:p="http://schemas.openxmlformats.org/presentationml/2006/main">
   <p:cSld>
     <p:bg>
@@ -5467,6 +4759,16 @@
           <a:p>
             <a:pPr algn="ctr"/>
             <a:r>
+              <a:rPr lang="hu-HU" sz="5400" dirty="0" err="1">
+                <a:solidFill>
+                  <a:schemeClr val="bg1"/>
+                </a:solidFill>
+                <a:latin typeface="Times New Roman" panose="02020603050405020304" pitchFamily="18" charset="0"/>
+                <a:cs typeface="Times New Roman" panose="02020603050405020304" pitchFamily="18" charset="0"/>
+              </a:rPr>
+              <a:t>Fetching</a:t>
+            </a:r>
+            <a:r>
               <a:rPr lang="hu-HU" sz="5400" dirty="0">
                 <a:solidFill>
                   <a:schemeClr val="bg1"/>
@@ -5474,8 +4776,45 @@
                 <a:latin typeface="Times New Roman" panose="02020603050405020304" pitchFamily="18" charset="0"/>
                 <a:cs typeface="Times New Roman" panose="02020603050405020304" pitchFamily="18" charset="0"/>
               </a:rPr>
-              <a:t>A 15 random feladat lekérése</a:t>
-            </a:r>
+              <a:t> of </a:t>
+            </a:r>
+            <a:r>
+              <a:rPr lang="hu-HU" sz="5400" dirty="0" err="1">
+                <a:solidFill>
+                  <a:schemeClr val="bg1"/>
+                </a:solidFill>
+                <a:latin typeface="Times New Roman" panose="02020603050405020304" pitchFamily="18" charset="0"/>
+                <a:cs typeface="Times New Roman" panose="02020603050405020304" pitchFamily="18" charset="0"/>
+              </a:rPr>
+              <a:t>the</a:t>
+            </a:r>
+            <a:r>
+              <a:rPr lang="hu-HU" sz="5400" dirty="0">
+                <a:solidFill>
+                  <a:schemeClr val="bg1"/>
+                </a:solidFill>
+                <a:latin typeface="Times New Roman" panose="02020603050405020304" pitchFamily="18" charset="0"/>
+                <a:cs typeface="Times New Roman" panose="02020603050405020304" pitchFamily="18" charset="0"/>
+              </a:rPr>
+              <a:t> 15 random </a:t>
+            </a:r>
+            <a:r>
+              <a:rPr lang="hu-HU" sz="5400" dirty="0" err="1">
+                <a:solidFill>
+                  <a:schemeClr val="bg1"/>
+                </a:solidFill>
+                <a:latin typeface="Times New Roman" panose="02020603050405020304" pitchFamily="18" charset="0"/>
+                <a:cs typeface="Times New Roman" panose="02020603050405020304" pitchFamily="18" charset="0"/>
+              </a:rPr>
+              <a:t>tasks</a:t>
+            </a:r>
+            <a:endParaRPr lang="hu-HU" sz="5400" dirty="0">
+              <a:solidFill>
+                <a:schemeClr val="bg1"/>
+              </a:solidFill>
+              <a:latin typeface="Times New Roman" panose="02020603050405020304" pitchFamily="18" charset="0"/>
+              <a:cs typeface="Times New Roman" panose="02020603050405020304" pitchFamily="18" charset="0"/>
+            </a:endParaRPr>
           </a:p>
         </p:txBody>
       </p:sp>
@@ -5522,7 +4861,7 @@
 </p:sld>
 </file>
 
-<file path=ppt/slides/slide18.xml><?xml version="1.0" encoding="utf-8"?>
+<file path=ppt/slides/slide12.xml><?xml version="1.0" encoding="utf-8"?>
 <p:sld xmlns:a="http://schemas.openxmlformats.org/drawingml/2006/main" xmlns:r="http://schemas.openxmlformats.org/officeDocument/2006/relationships" xmlns:p="http://schemas.openxmlformats.org/presentationml/2006/main">
   <p:cSld>
     <p:spTree>
@@ -5663,6 +5002,16 @@
           <a:p>
             <a:pPr algn="ctr"/>
             <a:r>
+              <a:rPr lang="hu-HU" sz="5400" dirty="0" err="1">
+                <a:solidFill>
+                  <a:schemeClr val="bg1"/>
+                </a:solidFill>
+                <a:latin typeface="Times New Roman" panose="02020603050405020304" pitchFamily="18" charset="0"/>
+                <a:cs typeface="Times New Roman" panose="02020603050405020304" pitchFamily="18" charset="0"/>
+              </a:rPr>
+              <a:t>Learning</a:t>
+            </a:r>
+            <a:r>
               <a:rPr lang="hu-HU" sz="5400" dirty="0">
                 <a:solidFill>
                   <a:schemeClr val="bg1"/>
@@ -5670,7 +5019,27 @@
                 <a:latin typeface="Times New Roman" panose="02020603050405020304" pitchFamily="18" charset="0"/>
                 <a:cs typeface="Times New Roman" panose="02020603050405020304" pitchFamily="18" charset="0"/>
               </a:rPr>
-              <a:t>Tanulást segítő szoftver</a:t>
+              <a:t> </a:t>
+            </a:r>
+            <a:r>
+              <a:rPr lang="hu-HU" sz="5400" dirty="0" err="1">
+                <a:solidFill>
+                  <a:schemeClr val="bg1"/>
+                </a:solidFill>
+                <a:latin typeface="Times New Roman" panose="02020603050405020304" pitchFamily="18" charset="0"/>
+                <a:cs typeface="Times New Roman" panose="02020603050405020304" pitchFamily="18" charset="0"/>
+              </a:rPr>
+              <a:t>Assistance</a:t>
+            </a:r>
+            <a:r>
+              <a:rPr lang="hu-HU" sz="5400" dirty="0">
+                <a:solidFill>
+                  <a:schemeClr val="bg1"/>
+                </a:solidFill>
+                <a:latin typeface="Times New Roman" panose="02020603050405020304" pitchFamily="18" charset="0"/>
+                <a:cs typeface="Times New Roman" panose="02020603050405020304" pitchFamily="18" charset="0"/>
+              </a:rPr>
+              <a:t> Software</a:t>
             </a:r>
           </a:p>
         </p:txBody>
@@ -5693,8 +5062,8 @@
         </p:nvSpPr>
         <p:spPr>
           <a:xfrm>
-            <a:off x="838200" y="1825625"/>
-            <a:ext cx="10515600" cy="1802478"/>
+            <a:off x="838199" y="1825624"/>
+            <a:ext cx="11009672" cy="2353085"/>
           </a:xfrm>
         </p:spPr>
         <p:txBody>
@@ -5713,7 +5082,120 @@
                 <a:latin typeface="Times New Roman" panose="02020603050405020304" pitchFamily="18" charset="0"/>
                 <a:cs typeface="Times New Roman" panose="02020603050405020304" pitchFamily="18" charset="0"/>
               </a:rPr>
-              <a:t>Érettségi előtt álló diákoknak felkészülést segítő program, feladatsorokkal.</a:t>
+              <a:t>A preparation program </a:t>
+            </a:r>
+            <a:r>
+              <a:rPr lang="hu-HU" sz="2400" b="0" i="0" u="none" strike="noStrike" dirty="0" err="1">
+                <a:solidFill>
+                  <a:schemeClr val="bg1"/>
+                </a:solidFill>
+                <a:effectLst/>
+                <a:latin typeface="Times New Roman" panose="02020603050405020304" pitchFamily="18" charset="0"/>
+                <a:cs typeface="Times New Roman" panose="02020603050405020304" pitchFamily="18" charset="0"/>
+              </a:rPr>
+              <a:t>for</a:t>
+            </a:r>
+            <a:r>
+              <a:rPr lang="hu-HU" sz="2400" b="0" i="0" u="none" strike="noStrike" dirty="0">
+                <a:solidFill>
+                  <a:schemeClr val="bg1"/>
+                </a:solidFill>
+                <a:effectLst/>
+                <a:latin typeface="Times New Roman" panose="02020603050405020304" pitchFamily="18" charset="0"/>
+                <a:cs typeface="Times New Roman" panose="02020603050405020304" pitchFamily="18" charset="0"/>
+              </a:rPr>
+              <a:t> </a:t>
+            </a:r>
+            <a:r>
+              <a:rPr lang="hu-HU" sz="2400" b="0" i="0" u="none" strike="noStrike" dirty="0" err="1">
+                <a:solidFill>
+                  <a:schemeClr val="bg1"/>
+                </a:solidFill>
+                <a:effectLst/>
+                <a:latin typeface="Times New Roman" panose="02020603050405020304" pitchFamily="18" charset="0"/>
+                <a:cs typeface="Times New Roman" panose="02020603050405020304" pitchFamily="18" charset="0"/>
+              </a:rPr>
+              <a:t>student</a:t>
+            </a:r>
+            <a:r>
+              <a:rPr lang="hu-HU" sz="2400" dirty="0" err="1">
+                <a:solidFill>
+                  <a:schemeClr val="bg1"/>
+                </a:solidFill>
+                <a:latin typeface="Times New Roman" panose="02020603050405020304" pitchFamily="18" charset="0"/>
+                <a:cs typeface="Times New Roman" panose="02020603050405020304" pitchFamily="18" charset="0"/>
+              </a:rPr>
+              <a:t>s</a:t>
+            </a:r>
+            <a:r>
+              <a:rPr lang="hu-HU" sz="2400" dirty="0">
+                <a:solidFill>
+                  <a:schemeClr val="bg1"/>
+                </a:solidFill>
+                <a:latin typeface="Times New Roman" panose="02020603050405020304" pitchFamily="18" charset="0"/>
+                <a:cs typeface="Times New Roman" panose="02020603050405020304" pitchFamily="18" charset="0"/>
+              </a:rPr>
+              <a:t> preparing </a:t>
+            </a:r>
+            <a:r>
+              <a:rPr lang="hu-HU" sz="2400" dirty="0" err="1">
+                <a:solidFill>
+                  <a:schemeClr val="bg1"/>
+                </a:solidFill>
+                <a:latin typeface="Times New Roman" panose="02020603050405020304" pitchFamily="18" charset="0"/>
+                <a:cs typeface="Times New Roman" panose="02020603050405020304" pitchFamily="18" charset="0"/>
+              </a:rPr>
+              <a:t>for</a:t>
+            </a:r>
+            <a:r>
+              <a:rPr lang="hu-HU" sz="2400" dirty="0">
+                <a:solidFill>
+                  <a:schemeClr val="bg1"/>
+                </a:solidFill>
+                <a:latin typeface="Times New Roman" panose="02020603050405020304" pitchFamily="18" charset="0"/>
+                <a:cs typeface="Times New Roman" panose="02020603050405020304" pitchFamily="18" charset="0"/>
+              </a:rPr>
+              <a:t> </a:t>
+            </a:r>
+            <a:r>
+              <a:rPr lang="hu-HU" sz="2400" dirty="0" err="1">
+                <a:solidFill>
+                  <a:schemeClr val="bg1"/>
+                </a:solidFill>
+                <a:latin typeface="Times New Roman" panose="02020603050405020304" pitchFamily="18" charset="0"/>
+                <a:cs typeface="Times New Roman" panose="02020603050405020304" pitchFamily="18" charset="0"/>
+              </a:rPr>
+              <a:t>final</a:t>
+            </a:r>
+            <a:r>
+              <a:rPr lang="hu-HU" sz="2400" dirty="0">
+                <a:solidFill>
+                  <a:schemeClr val="bg1"/>
+                </a:solidFill>
+                <a:latin typeface="Times New Roman" panose="02020603050405020304" pitchFamily="18" charset="0"/>
+                <a:cs typeface="Times New Roman" panose="02020603050405020304" pitchFamily="18" charset="0"/>
+              </a:rPr>
+              <a:t> </a:t>
+            </a:r>
+            <a:r>
+              <a:rPr lang="hu-HU" sz="2400" dirty="0" err="1">
+                <a:solidFill>
+                  <a:schemeClr val="bg1"/>
+                </a:solidFill>
+                <a:latin typeface="Times New Roman" panose="02020603050405020304" pitchFamily="18" charset="0"/>
+                <a:cs typeface="Times New Roman" panose="02020603050405020304" pitchFamily="18" charset="0"/>
+              </a:rPr>
+              <a:t>exams</a:t>
+            </a:r>
+            <a:r>
+              <a:rPr lang="hu-HU" sz="2400" dirty="0">
+                <a:solidFill>
+                  <a:schemeClr val="bg1"/>
+                </a:solidFill>
+                <a:latin typeface="Times New Roman" panose="02020603050405020304" pitchFamily="18" charset="0"/>
+                <a:cs typeface="Times New Roman" panose="02020603050405020304" pitchFamily="18" charset="0"/>
+              </a:rPr>
+              <a:t>.</a:t>
             </a:r>
             <a:endParaRPr lang="hu-HU" sz="3600" dirty="0">
               <a:solidFill>
@@ -5727,6 +5209,115 @@
           <a:p>
             <a:pPr rtl="0"/>
             <a:r>
+              <a:rPr lang="hu-HU" sz="2400" b="0" i="0" u="none" strike="noStrike" dirty="0" err="1">
+                <a:solidFill>
+                  <a:schemeClr val="bg1"/>
+                </a:solidFill>
+                <a:effectLst/>
+                <a:latin typeface="Times New Roman" panose="02020603050405020304" pitchFamily="18" charset="0"/>
+                <a:cs typeface="Times New Roman" panose="02020603050405020304" pitchFamily="18" charset="0"/>
+              </a:rPr>
+              <a:t>Covers</a:t>
+            </a:r>
+            <a:r>
+              <a:rPr lang="hu-HU" sz="2400" b="0" i="0" u="none" strike="noStrike" dirty="0">
+                <a:solidFill>
+                  <a:schemeClr val="bg1"/>
+                </a:solidFill>
+                <a:effectLst/>
+                <a:latin typeface="Times New Roman" panose="02020603050405020304" pitchFamily="18" charset="0"/>
+                <a:cs typeface="Times New Roman" panose="02020603050405020304" pitchFamily="18" charset="0"/>
+              </a:rPr>
+              <a:t> </a:t>
+            </a:r>
+            <a:r>
+              <a:rPr lang="hu-HU" sz="2400" b="0" i="0" u="none" strike="noStrike" dirty="0" err="1">
+                <a:solidFill>
+                  <a:schemeClr val="bg1"/>
+                </a:solidFill>
+                <a:effectLst/>
+                <a:latin typeface="Times New Roman" panose="02020603050405020304" pitchFamily="18" charset="0"/>
+                <a:cs typeface="Times New Roman" panose="02020603050405020304" pitchFamily="18" charset="0"/>
+              </a:rPr>
+              <a:t>subjects</a:t>
+            </a:r>
+            <a:r>
+              <a:rPr lang="hu-HU" sz="2400" b="0" i="0" u="none" strike="noStrike" dirty="0">
+                <a:solidFill>
+                  <a:schemeClr val="bg1"/>
+                </a:solidFill>
+                <a:effectLst/>
+                <a:latin typeface="Times New Roman" panose="02020603050405020304" pitchFamily="18" charset="0"/>
+                <a:cs typeface="Times New Roman" panose="02020603050405020304" pitchFamily="18" charset="0"/>
+              </a:rPr>
+              <a:t> </a:t>
+            </a:r>
+            <a:r>
+              <a:rPr lang="hu-HU" sz="2400" b="0" i="0" u="none" strike="noStrike" dirty="0" err="1">
+                <a:solidFill>
+                  <a:schemeClr val="bg1"/>
+                </a:solidFill>
+                <a:effectLst/>
+                <a:latin typeface="Times New Roman" panose="02020603050405020304" pitchFamily="18" charset="0"/>
+                <a:cs typeface="Times New Roman" panose="02020603050405020304" pitchFamily="18" charset="0"/>
+              </a:rPr>
+              <a:t>such</a:t>
+            </a:r>
+            <a:r>
+              <a:rPr lang="hu-HU" sz="2400" b="0" i="0" u="none" strike="noStrike" dirty="0">
+                <a:solidFill>
+                  <a:schemeClr val="bg1"/>
+                </a:solidFill>
+                <a:effectLst/>
+                <a:latin typeface="Times New Roman" panose="02020603050405020304" pitchFamily="18" charset="0"/>
+                <a:cs typeface="Times New Roman" panose="02020603050405020304" pitchFamily="18" charset="0"/>
+              </a:rPr>
+              <a:t> </a:t>
+            </a:r>
+            <a:r>
+              <a:rPr lang="hu-HU" sz="2400" b="0" i="0" u="none" strike="noStrike" dirty="0" err="1">
+                <a:solidFill>
+                  <a:schemeClr val="bg1"/>
+                </a:solidFill>
+                <a:effectLst/>
+                <a:latin typeface="Times New Roman" panose="02020603050405020304" pitchFamily="18" charset="0"/>
+                <a:cs typeface="Times New Roman" panose="02020603050405020304" pitchFamily="18" charset="0"/>
+              </a:rPr>
+              <a:t>as</a:t>
+            </a:r>
+            <a:r>
+              <a:rPr lang="hu-HU" sz="2400" b="0" i="0" u="none" strike="noStrike" dirty="0">
+                <a:solidFill>
+                  <a:schemeClr val="bg1"/>
+                </a:solidFill>
+                <a:effectLst/>
+                <a:latin typeface="Times New Roman" panose="02020603050405020304" pitchFamily="18" charset="0"/>
+                <a:cs typeface="Times New Roman" panose="02020603050405020304" pitchFamily="18" charset="0"/>
+              </a:rPr>
+              <a:t> </a:t>
+            </a:r>
+            <a:r>
+              <a:rPr lang="hu-HU" sz="2400" dirty="0" err="1">
+                <a:solidFill>
+                  <a:schemeClr val="bg1"/>
+                </a:solidFill>
+                <a:latin typeface="Times New Roman" panose="02020603050405020304" pitchFamily="18" charset="0"/>
+                <a:cs typeface="Times New Roman" panose="02020603050405020304" pitchFamily="18" charset="0"/>
+              </a:rPr>
+              <a:t>M</a:t>
+            </a:r>
+            <a:r>
+              <a:rPr lang="hu-HU" sz="2400" b="0" i="0" u="none" strike="noStrike" dirty="0" err="1">
+                <a:solidFill>
+                  <a:schemeClr val="bg1"/>
+                </a:solidFill>
+                <a:effectLst/>
+                <a:latin typeface="Times New Roman" panose="02020603050405020304" pitchFamily="18" charset="0"/>
+                <a:cs typeface="Times New Roman" panose="02020603050405020304" pitchFamily="18" charset="0"/>
+              </a:rPr>
+              <a:t>athematics</a:t>
+            </a:r>
+            <a:r>
               <a:rPr lang="hu-HU" sz="2400" dirty="0">
                 <a:solidFill>
                   <a:schemeClr val="bg1"/>
@@ -5734,20 +5325,79 @@
                 <a:latin typeface="Times New Roman" panose="02020603050405020304" pitchFamily="18" charset="0"/>
                 <a:cs typeface="Times New Roman" panose="02020603050405020304" pitchFamily="18" charset="0"/>
               </a:rPr>
-              <a:t>M</a:t>
-            </a:r>
-            <a:r>
-              <a:rPr lang="hu-HU" sz="2400" b="0" i="0" u="none" strike="noStrike" dirty="0">
-                <a:solidFill>
-                  <a:schemeClr val="bg1"/>
-                </a:solidFill>
-                <a:effectLst/>
-                <a:latin typeface="Times New Roman" panose="02020603050405020304" pitchFamily="18" charset="0"/>
-                <a:cs typeface="Times New Roman" panose="02020603050405020304" pitchFamily="18" charset="0"/>
-              </a:rPr>
-              <a:t>atematika, történelem illetve magyar nyelv és irodalom tantárgyakból.</a:t>
-            </a:r>
-            <a:endParaRPr lang="hu-HU" sz="3600" dirty="0">
+              <a:t>, </a:t>
+            </a:r>
+            <a:r>
+              <a:rPr lang="hu-HU" sz="2400" dirty="0" err="1">
+                <a:solidFill>
+                  <a:schemeClr val="bg1"/>
+                </a:solidFill>
+                <a:latin typeface="Times New Roman" panose="02020603050405020304" pitchFamily="18" charset="0"/>
+                <a:cs typeface="Times New Roman" panose="02020603050405020304" pitchFamily="18" charset="0"/>
+              </a:rPr>
+              <a:t>History</a:t>
+            </a:r>
+            <a:r>
+              <a:rPr lang="hu-HU" sz="2400" dirty="0">
+                <a:solidFill>
+                  <a:schemeClr val="bg1"/>
+                </a:solidFill>
+                <a:latin typeface="Times New Roman" panose="02020603050405020304" pitchFamily="18" charset="0"/>
+                <a:cs typeface="Times New Roman" panose="02020603050405020304" pitchFamily="18" charset="0"/>
+              </a:rPr>
+              <a:t>, and </a:t>
+            </a:r>
+            <a:r>
+              <a:rPr lang="hu-HU" sz="2400" dirty="0" err="1">
+                <a:solidFill>
+                  <a:schemeClr val="bg1"/>
+                </a:solidFill>
+                <a:latin typeface="Times New Roman" panose="02020603050405020304" pitchFamily="18" charset="0"/>
+                <a:cs typeface="Times New Roman" panose="02020603050405020304" pitchFamily="18" charset="0"/>
+              </a:rPr>
+              <a:t>Hungarian</a:t>
+            </a:r>
+            <a:r>
+              <a:rPr lang="hu-HU" sz="2400" dirty="0">
+                <a:solidFill>
+                  <a:schemeClr val="bg1"/>
+                </a:solidFill>
+                <a:latin typeface="Times New Roman" panose="02020603050405020304" pitchFamily="18" charset="0"/>
+                <a:cs typeface="Times New Roman" panose="02020603050405020304" pitchFamily="18" charset="0"/>
+              </a:rPr>
+              <a:t> </a:t>
+            </a:r>
+            <a:r>
+              <a:rPr lang="hu-HU" sz="2400" dirty="0" err="1">
+                <a:solidFill>
+                  <a:schemeClr val="bg1"/>
+                </a:solidFill>
+                <a:latin typeface="Times New Roman" panose="02020603050405020304" pitchFamily="18" charset="0"/>
+                <a:cs typeface="Times New Roman" panose="02020603050405020304" pitchFamily="18" charset="0"/>
+              </a:rPr>
+              <a:t>language</a:t>
+            </a:r>
+            <a:r>
+              <a:rPr lang="hu-HU" sz="2400" dirty="0">
+                <a:solidFill>
+                  <a:schemeClr val="bg1"/>
+                </a:solidFill>
+                <a:latin typeface="Times New Roman" panose="02020603050405020304" pitchFamily="18" charset="0"/>
+                <a:cs typeface="Times New Roman" panose="02020603050405020304" pitchFamily="18" charset="0"/>
+              </a:rPr>
+              <a:t> and </a:t>
+            </a:r>
+            <a:r>
+              <a:rPr lang="hu-HU" sz="2400" dirty="0" err="1">
+                <a:solidFill>
+                  <a:schemeClr val="bg1"/>
+                </a:solidFill>
+                <a:latin typeface="Times New Roman" panose="02020603050405020304" pitchFamily="18" charset="0"/>
+                <a:cs typeface="Times New Roman" panose="02020603050405020304" pitchFamily="18" charset="0"/>
+              </a:rPr>
+              <a:t>literature</a:t>
+            </a:r>
+            <a:endParaRPr lang="hu-HU" sz="2400" b="0" i="0" u="none" strike="noStrike" dirty="0">
               <a:solidFill>
                 <a:schemeClr val="bg1"/>
               </a:solidFill>
@@ -5759,6 +5409,16 @@
           <a:p>
             <a:pPr rtl="0"/>
             <a:r>
+              <a:rPr lang="hu-HU" sz="2400" dirty="0" err="1">
+                <a:solidFill>
+                  <a:schemeClr val="bg1"/>
+                </a:solidFill>
+                <a:latin typeface="Times New Roman" panose="02020603050405020304" pitchFamily="18" charset="0"/>
+                <a:cs typeface="Times New Roman" panose="02020603050405020304" pitchFamily="18" charset="0"/>
+              </a:rPr>
+              <a:t>It</a:t>
+            </a:r>
+            <a:r>
               <a:rPr lang="hu-HU" sz="2400" dirty="0">
                 <a:solidFill>
                   <a:schemeClr val="bg1"/>
@@ -5766,18 +5426,447 @@
                 <a:latin typeface="Times New Roman" panose="02020603050405020304" pitchFamily="18" charset="0"/>
                 <a:cs typeface="Times New Roman" panose="02020603050405020304" pitchFamily="18" charset="0"/>
               </a:rPr>
-              <a:t>E</a:t>
-            </a:r>
-            <a:r>
-              <a:rPr lang="hu-HU" sz="2400" b="0" i="0" u="none" strike="noStrike" dirty="0">
-                <a:solidFill>
-                  <a:schemeClr val="bg1"/>
-                </a:solidFill>
-                <a:effectLst/>
-                <a:latin typeface="Times New Roman" panose="02020603050405020304" pitchFamily="18" charset="0"/>
-                <a:cs typeface="Times New Roman" panose="02020603050405020304" pitchFamily="18" charset="0"/>
-              </a:rPr>
-              <a:t>lőző évek átdolgozott érettségi feladatait foglalja össze interaktív formában, így a diákoknak könnyebb gyakorolni a teszteket és egyből visszajelzést kapnak.</a:t>
+              <a:t> </a:t>
+            </a:r>
+            <a:r>
+              <a:rPr lang="hu-HU" sz="2400" dirty="0" err="1">
+                <a:solidFill>
+                  <a:schemeClr val="bg1"/>
+                </a:solidFill>
+                <a:latin typeface="Times New Roman" panose="02020603050405020304" pitchFamily="18" charset="0"/>
+                <a:cs typeface="Times New Roman" panose="02020603050405020304" pitchFamily="18" charset="0"/>
+              </a:rPr>
+              <a:t>summerizes</a:t>
+            </a:r>
+            <a:r>
+              <a:rPr lang="hu-HU" sz="2400" dirty="0">
+                <a:solidFill>
+                  <a:schemeClr val="bg1"/>
+                </a:solidFill>
+                <a:latin typeface="Times New Roman" panose="02020603050405020304" pitchFamily="18" charset="0"/>
+                <a:cs typeface="Times New Roman" panose="02020603050405020304" pitchFamily="18" charset="0"/>
+              </a:rPr>
+              <a:t> </a:t>
+            </a:r>
+            <a:r>
+              <a:rPr lang="hu-HU" sz="2400" dirty="0" err="1">
+                <a:solidFill>
+                  <a:schemeClr val="bg1"/>
+                </a:solidFill>
+                <a:latin typeface="Times New Roman" panose="02020603050405020304" pitchFamily="18" charset="0"/>
+                <a:cs typeface="Times New Roman" panose="02020603050405020304" pitchFamily="18" charset="0"/>
+              </a:rPr>
+              <a:t>the</a:t>
+            </a:r>
+            <a:r>
+              <a:rPr lang="hu-HU" sz="2400" dirty="0">
+                <a:solidFill>
+                  <a:schemeClr val="bg1"/>
+                </a:solidFill>
+                <a:latin typeface="Times New Roman" panose="02020603050405020304" pitchFamily="18" charset="0"/>
+                <a:cs typeface="Times New Roman" panose="02020603050405020304" pitchFamily="18" charset="0"/>
+              </a:rPr>
+              <a:t> </a:t>
+            </a:r>
+            <a:r>
+              <a:rPr lang="hu-HU" sz="2400" dirty="0" err="1">
+                <a:solidFill>
+                  <a:schemeClr val="bg1"/>
+                </a:solidFill>
+                <a:latin typeface="Times New Roman" panose="02020603050405020304" pitchFamily="18" charset="0"/>
+                <a:cs typeface="Times New Roman" panose="02020603050405020304" pitchFamily="18" charset="0"/>
+              </a:rPr>
+              <a:t>revised</a:t>
+            </a:r>
+            <a:r>
+              <a:rPr lang="hu-HU" sz="2400" dirty="0">
+                <a:solidFill>
+                  <a:schemeClr val="bg1"/>
+                </a:solidFill>
+                <a:latin typeface="Times New Roman" panose="02020603050405020304" pitchFamily="18" charset="0"/>
+                <a:cs typeface="Times New Roman" panose="02020603050405020304" pitchFamily="18" charset="0"/>
+              </a:rPr>
+              <a:t> </a:t>
+            </a:r>
+            <a:r>
+              <a:rPr lang="hu-HU" sz="2400" dirty="0" err="1">
+                <a:solidFill>
+                  <a:schemeClr val="bg1"/>
+                </a:solidFill>
+                <a:latin typeface="Times New Roman" panose="02020603050405020304" pitchFamily="18" charset="0"/>
+                <a:cs typeface="Times New Roman" panose="02020603050405020304" pitchFamily="18" charset="0"/>
+              </a:rPr>
+              <a:t>final</a:t>
+            </a:r>
+            <a:r>
+              <a:rPr lang="hu-HU" sz="2400" dirty="0">
+                <a:solidFill>
+                  <a:schemeClr val="bg1"/>
+                </a:solidFill>
+                <a:latin typeface="Times New Roman" panose="02020603050405020304" pitchFamily="18" charset="0"/>
+                <a:cs typeface="Times New Roman" panose="02020603050405020304" pitchFamily="18" charset="0"/>
+              </a:rPr>
+              <a:t> </a:t>
+            </a:r>
+            <a:r>
+              <a:rPr lang="hu-HU" sz="2400" dirty="0" err="1">
+                <a:solidFill>
+                  <a:schemeClr val="bg1"/>
+                </a:solidFill>
+                <a:latin typeface="Times New Roman" panose="02020603050405020304" pitchFamily="18" charset="0"/>
+                <a:cs typeface="Times New Roman" panose="02020603050405020304" pitchFamily="18" charset="0"/>
+              </a:rPr>
+              <a:t>exam</a:t>
+            </a:r>
+            <a:r>
+              <a:rPr lang="hu-HU" sz="2400" dirty="0">
+                <a:solidFill>
+                  <a:schemeClr val="bg1"/>
+                </a:solidFill>
+                <a:latin typeface="Times New Roman" panose="02020603050405020304" pitchFamily="18" charset="0"/>
+                <a:cs typeface="Times New Roman" panose="02020603050405020304" pitchFamily="18" charset="0"/>
+              </a:rPr>
+              <a:t> </a:t>
+            </a:r>
+            <a:r>
+              <a:rPr lang="hu-HU" sz="2400" dirty="0" err="1">
+                <a:solidFill>
+                  <a:schemeClr val="bg1"/>
+                </a:solidFill>
+                <a:latin typeface="Times New Roman" panose="02020603050405020304" pitchFamily="18" charset="0"/>
+                <a:cs typeface="Times New Roman" panose="02020603050405020304" pitchFamily="18" charset="0"/>
+              </a:rPr>
+              <a:t>tasks</a:t>
+            </a:r>
+            <a:r>
+              <a:rPr lang="hu-HU" sz="2400" dirty="0">
+                <a:solidFill>
+                  <a:schemeClr val="bg1"/>
+                </a:solidFill>
+                <a:latin typeface="Times New Roman" panose="02020603050405020304" pitchFamily="18" charset="0"/>
+                <a:cs typeface="Times New Roman" panose="02020603050405020304" pitchFamily="18" charset="0"/>
+              </a:rPr>
+              <a:t> </a:t>
+            </a:r>
+            <a:r>
+              <a:rPr lang="hu-HU" sz="2400" dirty="0" err="1">
+                <a:solidFill>
+                  <a:schemeClr val="bg1"/>
+                </a:solidFill>
+                <a:latin typeface="Times New Roman" panose="02020603050405020304" pitchFamily="18" charset="0"/>
+                <a:cs typeface="Times New Roman" panose="02020603050405020304" pitchFamily="18" charset="0"/>
+              </a:rPr>
+              <a:t>from</a:t>
+            </a:r>
+            <a:r>
+              <a:rPr lang="hu-HU" sz="2400" dirty="0">
+                <a:solidFill>
+                  <a:schemeClr val="bg1"/>
+                </a:solidFill>
+                <a:latin typeface="Times New Roman" panose="02020603050405020304" pitchFamily="18" charset="0"/>
+                <a:cs typeface="Times New Roman" panose="02020603050405020304" pitchFamily="18" charset="0"/>
+              </a:rPr>
+              <a:t> </a:t>
+            </a:r>
+            <a:r>
+              <a:rPr lang="hu-HU" sz="2400" dirty="0" err="1">
+                <a:solidFill>
+                  <a:schemeClr val="bg1"/>
+                </a:solidFill>
+                <a:latin typeface="Times New Roman" panose="02020603050405020304" pitchFamily="18" charset="0"/>
+                <a:cs typeface="Times New Roman" panose="02020603050405020304" pitchFamily="18" charset="0"/>
+              </a:rPr>
+              <a:t>previous</a:t>
+            </a:r>
+            <a:r>
+              <a:rPr lang="hu-HU" sz="2400" dirty="0">
+                <a:solidFill>
+                  <a:schemeClr val="bg1"/>
+                </a:solidFill>
+                <a:latin typeface="Times New Roman" panose="02020603050405020304" pitchFamily="18" charset="0"/>
+                <a:cs typeface="Times New Roman" panose="02020603050405020304" pitchFamily="18" charset="0"/>
+              </a:rPr>
+              <a:t> </a:t>
+            </a:r>
+            <a:r>
+              <a:rPr lang="hu-HU" sz="2400" dirty="0" err="1">
+                <a:solidFill>
+                  <a:schemeClr val="bg1"/>
+                </a:solidFill>
+                <a:latin typeface="Times New Roman" panose="02020603050405020304" pitchFamily="18" charset="0"/>
+                <a:cs typeface="Times New Roman" panose="02020603050405020304" pitchFamily="18" charset="0"/>
+              </a:rPr>
+              <a:t>years</a:t>
+            </a:r>
+            <a:r>
+              <a:rPr lang="hu-HU" sz="2400" dirty="0">
+                <a:solidFill>
+                  <a:schemeClr val="bg1"/>
+                </a:solidFill>
+                <a:latin typeface="Times New Roman" panose="02020603050405020304" pitchFamily="18" charset="0"/>
+                <a:cs typeface="Times New Roman" panose="02020603050405020304" pitchFamily="18" charset="0"/>
+              </a:rPr>
+              <a:t> in an </a:t>
+            </a:r>
+            <a:r>
+              <a:rPr lang="hu-HU" sz="2400" dirty="0" err="1">
+                <a:solidFill>
+                  <a:schemeClr val="bg1"/>
+                </a:solidFill>
+                <a:latin typeface="Times New Roman" panose="02020603050405020304" pitchFamily="18" charset="0"/>
+                <a:cs typeface="Times New Roman" panose="02020603050405020304" pitchFamily="18" charset="0"/>
+              </a:rPr>
+              <a:t>interactive</a:t>
+            </a:r>
+            <a:r>
+              <a:rPr lang="hu-HU" sz="2400" dirty="0">
+                <a:solidFill>
+                  <a:schemeClr val="bg1"/>
+                </a:solidFill>
+                <a:latin typeface="Times New Roman" panose="02020603050405020304" pitchFamily="18" charset="0"/>
+                <a:cs typeface="Times New Roman" panose="02020603050405020304" pitchFamily="18" charset="0"/>
+              </a:rPr>
+              <a:t> </a:t>
+            </a:r>
+            <a:r>
+              <a:rPr lang="hu-HU" sz="2400" dirty="0" err="1">
+                <a:solidFill>
+                  <a:schemeClr val="bg1"/>
+                </a:solidFill>
+                <a:latin typeface="Times New Roman" panose="02020603050405020304" pitchFamily="18" charset="0"/>
+                <a:cs typeface="Times New Roman" panose="02020603050405020304" pitchFamily="18" charset="0"/>
+              </a:rPr>
+              <a:t>format</a:t>
+            </a:r>
+            <a:r>
+              <a:rPr lang="hu-HU" sz="2400" dirty="0">
+                <a:solidFill>
+                  <a:schemeClr val="bg1"/>
+                </a:solidFill>
+                <a:latin typeface="Times New Roman" panose="02020603050405020304" pitchFamily="18" charset="0"/>
+                <a:cs typeface="Times New Roman" panose="02020603050405020304" pitchFamily="18" charset="0"/>
+              </a:rPr>
+              <a:t>, </a:t>
+            </a:r>
+            <a:r>
+              <a:rPr lang="hu-HU" sz="2400" dirty="0" err="1">
+                <a:solidFill>
+                  <a:schemeClr val="bg1"/>
+                </a:solidFill>
+                <a:latin typeface="Times New Roman" panose="02020603050405020304" pitchFamily="18" charset="0"/>
+                <a:cs typeface="Times New Roman" panose="02020603050405020304" pitchFamily="18" charset="0"/>
+              </a:rPr>
+              <a:t>making</a:t>
+            </a:r>
+            <a:r>
+              <a:rPr lang="hu-HU" sz="2400" dirty="0">
+                <a:solidFill>
+                  <a:schemeClr val="bg1"/>
+                </a:solidFill>
+                <a:latin typeface="Times New Roman" panose="02020603050405020304" pitchFamily="18" charset="0"/>
+                <a:cs typeface="Times New Roman" panose="02020603050405020304" pitchFamily="18" charset="0"/>
+              </a:rPr>
+              <a:t> </a:t>
+            </a:r>
+            <a:r>
+              <a:rPr lang="hu-HU" sz="2400" dirty="0" err="1">
+                <a:solidFill>
+                  <a:schemeClr val="bg1"/>
+                </a:solidFill>
+                <a:latin typeface="Times New Roman" panose="02020603050405020304" pitchFamily="18" charset="0"/>
+                <a:cs typeface="Times New Roman" panose="02020603050405020304" pitchFamily="18" charset="0"/>
+              </a:rPr>
+              <a:t>it</a:t>
+            </a:r>
+            <a:r>
+              <a:rPr lang="hu-HU" sz="2400" dirty="0">
+                <a:solidFill>
+                  <a:schemeClr val="bg1"/>
+                </a:solidFill>
+                <a:latin typeface="Times New Roman" panose="02020603050405020304" pitchFamily="18" charset="0"/>
+                <a:cs typeface="Times New Roman" panose="02020603050405020304" pitchFamily="18" charset="0"/>
+              </a:rPr>
+              <a:t> </a:t>
+            </a:r>
+            <a:r>
+              <a:rPr lang="hu-HU" sz="2400" dirty="0" err="1">
+                <a:solidFill>
+                  <a:schemeClr val="bg1"/>
+                </a:solidFill>
+                <a:latin typeface="Times New Roman" panose="02020603050405020304" pitchFamily="18" charset="0"/>
+                <a:cs typeface="Times New Roman" panose="02020603050405020304" pitchFamily="18" charset="0"/>
+              </a:rPr>
+              <a:t>easier</a:t>
+            </a:r>
+            <a:r>
+              <a:rPr lang="hu-HU" sz="2400" dirty="0">
+                <a:solidFill>
+                  <a:schemeClr val="bg1"/>
+                </a:solidFill>
+                <a:latin typeface="Times New Roman" panose="02020603050405020304" pitchFamily="18" charset="0"/>
+                <a:cs typeface="Times New Roman" panose="02020603050405020304" pitchFamily="18" charset="0"/>
+              </a:rPr>
+              <a:t> </a:t>
+            </a:r>
+            <a:r>
+              <a:rPr lang="hu-HU" sz="2400" dirty="0" err="1">
+                <a:solidFill>
+                  <a:schemeClr val="bg1"/>
+                </a:solidFill>
+                <a:latin typeface="Times New Roman" panose="02020603050405020304" pitchFamily="18" charset="0"/>
+                <a:cs typeface="Times New Roman" panose="02020603050405020304" pitchFamily="18" charset="0"/>
+              </a:rPr>
+              <a:t>for</a:t>
+            </a:r>
+            <a:r>
+              <a:rPr lang="hu-HU" sz="2400" dirty="0">
+                <a:solidFill>
+                  <a:schemeClr val="bg1"/>
+                </a:solidFill>
+                <a:latin typeface="Times New Roman" panose="02020603050405020304" pitchFamily="18" charset="0"/>
+                <a:cs typeface="Times New Roman" panose="02020603050405020304" pitchFamily="18" charset="0"/>
+              </a:rPr>
+              <a:t> </a:t>
+            </a:r>
+            <a:r>
+              <a:rPr lang="hu-HU" sz="2400" dirty="0" err="1">
+                <a:solidFill>
+                  <a:schemeClr val="bg1"/>
+                </a:solidFill>
+                <a:latin typeface="Times New Roman" panose="02020603050405020304" pitchFamily="18" charset="0"/>
+                <a:cs typeface="Times New Roman" panose="02020603050405020304" pitchFamily="18" charset="0"/>
+              </a:rPr>
+              <a:t>students</a:t>
+            </a:r>
+            <a:r>
+              <a:rPr lang="hu-HU" sz="2400" dirty="0">
+                <a:solidFill>
+                  <a:schemeClr val="bg1"/>
+                </a:solidFill>
+                <a:latin typeface="Times New Roman" panose="02020603050405020304" pitchFamily="18" charset="0"/>
+                <a:cs typeface="Times New Roman" panose="02020603050405020304" pitchFamily="18" charset="0"/>
+              </a:rPr>
+              <a:t> </a:t>
+            </a:r>
+            <a:r>
+              <a:rPr lang="hu-HU" sz="2400" dirty="0" err="1">
+                <a:solidFill>
+                  <a:schemeClr val="bg1"/>
+                </a:solidFill>
+                <a:latin typeface="Times New Roman" panose="02020603050405020304" pitchFamily="18" charset="0"/>
+                <a:cs typeface="Times New Roman" panose="02020603050405020304" pitchFamily="18" charset="0"/>
+              </a:rPr>
+              <a:t>to</a:t>
+            </a:r>
+            <a:r>
+              <a:rPr lang="hu-HU" sz="2400" dirty="0">
+                <a:solidFill>
+                  <a:schemeClr val="bg1"/>
+                </a:solidFill>
+                <a:latin typeface="Times New Roman" panose="02020603050405020304" pitchFamily="18" charset="0"/>
+                <a:cs typeface="Times New Roman" panose="02020603050405020304" pitchFamily="18" charset="0"/>
+              </a:rPr>
+              <a:t> </a:t>
+            </a:r>
+            <a:r>
+              <a:rPr lang="hu-HU" sz="2400" dirty="0" err="1">
+                <a:solidFill>
+                  <a:schemeClr val="bg1"/>
+                </a:solidFill>
+                <a:latin typeface="Times New Roman" panose="02020603050405020304" pitchFamily="18" charset="0"/>
+                <a:cs typeface="Times New Roman" panose="02020603050405020304" pitchFamily="18" charset="0"/>
+              </a:rPr>
+              <a:t>practise</a:t>
+            </a:r>
+            <a:r>
+              <a:rPr lang="hu-HU" sz="2400" dirty="0">
+                <a:solidFill>
+                  <a:schemeClr val="bg1"/>
+                </a:solidFill>
+                <a:latin typeface="Times New Roman" panose="02020603050405020304" pitchFamily="18" charset="0"/>
+                <a:cs typeface="Times New Roman" panose="02020603050405020304" pitchFamily="18" charset="0"/>
+              </a:rPr>
+              <a:t> </a:t>
+            </a:r>
+            <a:r>
+              <a:rPr lang="hu-HU" sz="2400" dirty="0" err="1">
+                <a:solidFill>
+                  <a:schemeClr val="bg1"/>
+                </a:solidFill>
+                <a:latin typeface="Times New Roman" panose="02020603050405020304" pitchFamily="18" charset="0"/>
+                <a:cs typeface="Times New Roman" panose="02020603050405020304" pitchFamily="18" charset="0"/>
+              </a:rPr>
+              <a:t>tests</a:t>
+            </a:r>
+            <a:r>
+              <a:rPr lang="hu-HU" sz="2400" dirty="0">
+                <a:solidFill>
+                  <a:schemeClr val="bg1"/>
+                </a:solidFill>
+                <a:latin typeface="Times New Roman" panose="02020603050405020304" pitchFamily="18" charset="0"/>
+                <a:cs typeface="Times New Roman" panose="02020603050405020304" pitchFamily="18" charset="0"/>
+              </a:rPr>
+              <a:t> and </a:t>
+            </a:r>
+            <a:r>
+              <a:rPr lang="hu-HU" sz="2400" dirty="0" err="1">
+                <a:solidFill>
+                  <a:schemeClr val="bg1"/>
+                </a:solidFill>
+                <a:latin typeface="Times New Roman" panose="02020603050405020304" pitchFamily="18" charset="0"/>
+                <a:cs typeface="Times New Roman" panose="02020603050405020304" pitchFamily="18" charset="0"/>
+              </a:rPr>
+              <a:t>recieve</a:t>
+            </a:r>
+            <a:r>
+              <a:rPr lang="hu-HU" sz="2400" dirty="0">
+                <a:solidFill>
+                  <a:schemeClr val="bg1"/>
+                </a:solidFill>
+                <a:latin typeface="Times New Roman" panose="02020603050405020304" pitchFamily="18" charset="0"/>
+                <a:cs typeface="Times New Roman" panose="02020603050405020304" pitchFamily="18" charset="0"/>
+              </a:rPr>
+              <a:t> </a:t>
+            </a:r>
+            <a:r>
+              <a:rPr lang="hu-HU" sz="2400" dirty="0" err="1">
+                <a:solidFill>
+                  <a:schemeClr val="bg1"/>
+                </a:solidFill>
+                <a:latin typeface="Times New Roman" panose="02020603050405020304" pitchFamily="18" charset="0"/>
+                <a:cs typeface="Times New Roman" panose="02020603050405020304" pitchFamily="18" charset="0"/>
+              </a:rPr>
+              <a:t>immediate</a:t>
+            </a:r>
+            <a:r>
+              <a:rPr lang="hu-HU" sz="2400" dirty="0">
+                <a:solidFill>
+                  <a:schemeClr val="bg1"/>
+                </a:solidFill>
+                <a:latin typeface="Times New Roman" panose="02020603050405020304" pitchFamily="18" charset="0"/>
+                <a:cs typeface="Times New Roman" panose="02020603050405020304" pitchFamily="18" charset="0"/>
+              </a:rPr>
+              <a:t> </a:t>
+            </a:r>
+            <a:r>
+              <a:rPr lang="hu-HU" sz="2400" dirty="0" err="1">
+                <a:solidFill>
+                  <a:schemeClr val="bg1"/>
+                </a:solidFill>
+                <a:latin typeface="Times New Roman" panose="02020603050405020304" pitchFamily="18" charset="0"/>
+                <a:cs typeface="Times New Roman" panose="02020603050405020304" pitchFamily="18" charset="0"/>
+              </a:rPr>
+              <a:t>feedback</a:t>
+            </a:r>
+            <a:r>
+              <a:rPr lang="hu-HU" sz="2400" dirty="0">
+                <a:solidFill>
+                  <a:schemeClr val="bg1"/>
+                </a:solidFill>
+                <a:latin typeface="Times New Roman" panose="02020603050405020304" pitchFamily="18" charset="0"/>
+                <a:cs typeface="Times New Roman" panose="02020603050405020304" pitchFamily="18" charset="0"/>
+              </a:rPr>
+              <a:t>.</a:t>
             </a:r>
             <a:endParaRPr lang="hu-HU" sz="3600" b="0" i="0" u="none" strike="noStrike" dirty="0">
               <a:solidFill>
@@ -5864,6 +5953,16 @@
           <a:p>
             <a:pPr algn="ctr"/>
             <a:r>
+              <a:rPr lang="hu-HU" sz="5400" dirty="0" err="1">
+                <a:solidFill>
+                  <a:schemeClr val="bg1"/>
+                </a:solidFill>
+                <a:latin typeface="Times New Roman" panose="02020603050405020304" pitchFamily="18" charset="0"/>
+                <a:cs typeface="Times New Roman" panose="02020603050405020304" pitchFamily="18" charset="0"/>
+              </a:rPr>
+              <a:t>Functions</a:t>
+            </a:r>
+            <a:r>
               <a:rPr lang="hu-HU" sz="5400" dirty="0">
                 <a:solidFill>
                   <a:schemeClr val="bg1"/>
@@ -5871,8 +5970,25 @@
                 <a:latin typeface="Times New Roman" panose="02020603050405020304" pitchFamily="18" charset="0"/>
                 <a:cs typeface="Times New Roman" panose="02020603050405020304" pitchFamily="18" charset="0"/>
               </a:rPr>
-              <a:t>Funkciók    -    Ötletek</a:t>
-            </a:r>
+              <a:t>    -     </a:t>
+            </a:r>
+            <a:r>
+              <a:rPr lang="hu-HU" sz="5400" dirty="0" err="1">
+                <a:solidFill>
+                  <a:schemeClr val="bg1"/>
+                </a:solidFill>
+                <a:latin typeface="Times New Roman" panose="02020603050405020304" pitchFamily="18" charset="0"/>
+                <a:cs typeface="Times New Roman" panose="02020603050405020304" pitchFamily="18" charset="0"/>
+              </a:rPr>
+              <a:t>Ideas</a:t>
+            </a:r>
+            <a:endParaRPr lang="hu-HU" sz="5400" dirty="0">
+              <a:solidFill>
+                <a:schemeClr val="bg1"/>
+              </a:solidFill>
+              <a:latin typeface="Times New Roman" panose="02020603050405020304" pitchFamily="18" charset="0"/>
+              <a:cs typeface="Times New Roman" panose="02020603050405020304" pitchFamily="18" charset="0"/>
+            </a:endParaRPr>
           </a:p>
         </p:txBody>
       </p:sp>
@@ -5916,7 +6032,29 @@
                 <a:latin typeface="Times New Roman" panose="02020603050405020304" pitchFamily="18" charset="0"/>
                 <a:cs typeface="Times New Roman" panose="02020603050405020304" pitchFamily="18" charset="0"/>
               </a:rPr>
-              <a:t>Elsődleges funkciók:</a:t>
+              <a:t>Main </a:t>
+            </a:r>
+            <a:r>
+              <a:rPr lang="hu-HU" sz="3600" b="0" i="0" u="none" strike="noStrike" dirty="0" err="1">
+                <a:solidFill>
+                  <a:schemeClr val="bg1"/>
+                </a:solidFill>
+                <a:effectLst/>
+                <a:latin typeface="Times New Roman" panose="02020603050405020304" pitchFamily="18" charset="0"/>
+                <a:cs typeface="Times New Roman" panose="02020603050405020304" pitchFamily="18" charset="0"/>
+              </a:rPr>
+              <a:t>functions</a:t>
+            </a:r>
+            <a:r>
+              <a:rPr lang="hu-HU" sz="3600" b="0" i="0" u="none" strike="noStrike" dirty="0">
+                <a:solidFill>
+                  <a:schemeClr val="bg1"/>
+                </a:solidFill>
+                <a:effectLst/>
+                <a:latin typeface="Times New Roman" panose="02020603050405020304" pitchFamily="18" charset="0"/>
+                <a:cs typeface="Times New Roman" panose="02020603050405020304" pitchFamily="18" charset="0"/>
+              </a:rPr>
+              <a:t>:</a:t>
             </a:r>
             <a:endParaRPr lang="hu-HU" sz="4800" dirty="0">
               <a:solidFill>
@@ -5937,8 +6075,25 @@
                 <a:latin typeface="Times New Roman" panose="02020603050405020304" pitchFamily="18" charset="0"/>
                 <a:cs typeface="Times New Roman" panose="02020603050405020304" pitchFamily="18" charset="0"/>
               </a:rPr>
-              <a:t>Főmenü</a:t>
-            </a:r>
+              <a:t>Main </a:t>
+            </a:r>
+            <a:r>
+              <a:rPr lang="hu-HU" sz="2800" dirty="0" err="1">
+                <a:solidFill>
+                  <a:schemeClr val="bg1"/>
+                </a:solidFill>
+                <a:latin typeface="Times New Roman" panose="02020603050405020304" pitchFamily="18" charset="0"/>
+                <a:cs typeface="Times New Roman" panose="02020603050405020304" pitchFamily="18" charset="0"/>
+              </a:rPr>
+              <a:t>menu</a:t>
+            </a:r>
+            <a:endParaRPr lang="hu-HU" sz="2800" dirty="0">
+              <a:solidFill>
+                <a:schemeClr val="bg1"/>
+              </a:solidFill>
+              <a:latin typeface="Times New Roman" panose="02020603050405020304" pitchFamily="18" charset="0"/>
+              <a:cs typeface="Times New Roman" panose="02020603050405020304" pitchFamily="18" charset="0"/>
+            </a:endParaRPr>
           </a:p>
           <a:p>
             <a:pPr lvl="1" fontAlgn="base"/>
@@ -5950,7 +6105,38 @@
                 <a:latin typeface="Times New Roman" panose="02020603050405020304" pitchFamily="18" charset="0"/>
                 <a:cs typeface="Times New Roman" panose="02020603050405020304" pitchFamily="18" charset="0"/>
               </a:rPr>
-              <a:t>F</a:t>
+              <a:t>User </a:t>
+            </a:r>
+            <a:r>
+              <a:rPr lang="hu-HU" sz="2800" dirty="0" err="1">
+                <a:solidFill>
+                  <a:schemeClr val="bg1"/>
+                </a:solidFill>
+                <a:latin typeface="Times New Roman" panose="02020603050405020304" pitchFamily="18" charset="0"/>
+                <a:cs typeface="Times New Roman" panose="02020603050405020304" pitchFamily="18" charset="0"/>
+              </a:rPr>
+              <a:t>guide</a:t>
+            </a:r>
+            <a:endParaRPr lang="hu-HU" sz="2800" dirty="0">
+              <a:solidFill>
+                <a:schemeClr val="bg1"/>
+              </a:solidFill>
+              <a:latin typeface="Times New Roman" panose="02020603050405020304" pitchFamily="18" charset="0"/>
+              <a:cs typeface="Times New Roman" panose="02020603050405020304" pitchFamily="18" charset="0"/>
+            </a:endParaRPr>
+          </a:p>
+          <a:p>
+            <a:pPr lvl="1" fontAlgn="base"/>
+            <a:r>
+              <a:rPr lang="hu-HU" sz="2800" b="0" i="0" u="none" strike="noStrike" dirty="0" err="1">
+                <a:solidFill>
+                  <a:schemeClr val="bg1"/>
+                </a:solidFill>
+                <a:effectLst/>
+                <a:latin typeface="Times New Roman" panose="02020603050405020304" pitchFamily="18" charset="0"/>
+                <a:cs typeface="Times New Roman" panose="02020603050405020304" pitchFamily="18" charset="0"/>
+              </a:rPr>
+              <a:t>Quiz</a:t>
             </a:r>
             <a:r>
               <a:rPr lang="hu-HU" sz="2800" b="0" i="0" u="none" strike="noStrike" dirty="0">
@@ -5961,20 +6147,7 @@
                 <a:latin typeface="Times New Roman" panose="02020603050405020304" pitchFamily="18" charset="0"/>
                 <a:cs typeface="Times New Roman" panose="02020603050405020304" pitchFamily="18" charset="0"/>
               </a:rPr>
-              <a:t>elhasználási útmutató</a:t>
-            </a:r>
-          </a:p>
-          <a:p>
-            <a:pPr lvl="1" fontAlgn="base"/>
-            <a:r>
-              <a:rPr lang="hu-HU" sz="2800" dirty="0" err="1">
-                <a:solidFill>
-                  <a:schemeClr val="bg1"/>
-                </a:solidFill>
-                <a:latin typeface="Times New Roman" panose="02020603050405020304" pitchFamily="18" charset="0"/>
-                <a:cs typeface="Times New Roman" panose="02020603050405020304" pitchFamily="18" charset="0"/>
-              </a:rPr>
-              <a:t>Q</a:t>
+              <a:t> </a:t>
             </a:r>
             <a:r>
               <a:rPr lang="hu-HU" sz="2800" b="0" i="0" u="none" strike="noStrike" dirty="0" err="1">
@@ -5985,53 +6158,7 @@
                 <a:latin typeface="Times New Roman" panose="02020603050405020304" pitchFamily="18" charset="0"/>
                 <a:cs typeface="Times New Roman" panose="02020603050405020304" pitchFamily="18" charset="0"/>
               </a:rPr>
-              <a:t>uiz</a:t>
-            </a:r>
-            <a:r>
-              <a:rPr lang="hu-HU" sz="2800" b="0" i="0" u="none" strike="noStrike" dirty="0">
-                <a:solidFill>
-                  <a:schemeClr val="bg1"/>
-                </a:solidFill>
-                <a:effectLst/>
-                <a:latin typeface="Times New Roman" panose="02020603050405020304" pitchFamily="18" charset="0"/>
-                <a:cs typeface="Times New Roman" panose="02020603050405020304" pitchFamily="18" charset="0"/>
-              </a:rPr>
-              <a:t> interfész</a:t>
-            </a:r>
-          </a:p>
-          <a:p>
-            <a:pPr lvl="1" fontAlgn="base"/>
-            <a:r>
-              <a:rPr lang="hu-HU" sz="2800" dirty="0">
-                <a:solidFill>
-                  <a:schemeClr val="bg1"/>
-                </a:solidFill>
-                <a:latin typeface="Times New Roman" panose="02020603050405020304" pitchFamily="18" charset="0"/>
-                <a:cs typeface="Times New Roman" panose="02020603050405020304" pitchFamily="18" charset="0"/>
-              </a:rPr>
-              <a:t>F</a:t>
-            </a:r>
-            <a:r>
-              <a:rPr lang="hu-HU" sz="2800" b="0" i="0" u="none" strike="noStrike" dirty="0">
-                <a:solidFill>
-                  <a:schemeClr val="bg1"/>
-                </a:solidFill>
-                <a:effectLst/>
-                <a:latin typeface="Times New Roman" panose="02020603050405020304" pitchFamily="18" charset="0"/>
-                <a:cs typeface="Times New Roman" panose="02020603050405020304" pitchFamily="18" charset="0"/>
-              </a:rPr>
-              <a:t>eladatok listázása, </a:t>
-            </a:r>
-            <a:r>
-              <a:rPr lang="hu-HU" sz="2800" b="0" i="0" u="none" strike="noStrike" dirty="0" err="1">
-                <a:solidFill>
-                  <a:schemeClr val="bg1"/>
-                </a:solidFill>
-                <a:effectLst/>
-                <a:latin typeface="Times New Roman" panose="02020603050405020304" pitchFamily="18" charset="0"/>
-                <a:cs typeface="Times New Roman" panose="02020603050405020304" pitchFamily="18" charset="0"/>
-              </a:rPr>
-              <a:t>review</a:t>
+              <a:t>interface</a:t>
             </a:r>
             <a:endParaRPr lang="hu-HU" sz="2800" b="0" i="0" u="none" strike="noStrike" dirty="0">
               <a:solidFill>
@@ -6045,6 +6172,16 @@
           <a:p>
             <a:pPr lvl="1" fontAlgn="base"/>
             <a:r>
+              <a:rPr lang="hu-HU" sz="2800" dirty="0" err="1">
+                <a:solidFill>
+                  <a:schemeClr val="bg1"/>
+                </a:solidFill>
+                <a:latin typeface="Times New Roman" panose="02020603050405020304" pitchFamily="18" charset="0"/>
+                <a:cs typeface="Times New Roman" panose="02020603050405020304" pitchFamily="18" charset="0"/>
+              </a:rPr>
+              <a:t>Task</a:t>
+            </a:r>
+            <a:r>
               <a:rPr lang="hu-HU" sz="2800" dirty="0">
                 <a:solidFill>
                   <a:schemeClr val="bg1"/>
@@ -6052,7 +6189,38 @@
                 <a:latin typeface="Times New Roman" panose="02020603050405020304" pitchFamily="18" charset="0"/>
                 <a:cs typeface="Times New Roman" panose="02020603050405020304" pitchFamily="18" charset="0"/>
               </a:rPr>
-              <a:t>F</a:t>
+              <a:t> list, </a:t>
+            </a:r>
+            <a:r>
+              <a:rPr lang="hu-HU" sz="2800" dirty="0" err="1">
+                <a:solidFill>
+                  <a:schemeClr val="bg1"/>
+                </a:solidFill>
+                <a:latin typeface="Times New Roman" panose="02020603050405020304" pitchFamily="18" charset="0"/>
+                <a:cs typeface="Times New Roman" panose="02020603050405020304" pitchFamily="18" charset="0"/>
+              </a:rPr>
+              <a:t>Review</a:t>
+            </a:r>
+            <a:endParaRPr lang="hu-HU" sz="2800" dirty="0">
+              <a:solidFill>
+                <a:schemeClr val="bg1"/>
+              </a:solidFill>
+              <a:latin typeface="Times New Roman" panose="02020603050405020304" pitchFamily="18" charset="0"/>
+              <a:cs typeface="Times New Roman" panose="02020603050405020304" pitchFamily="18" charset="0"/>
+            </a:endParaRPr>
+          </a:p>
+          <a:p>
+            <a:pPr lvl="1" fontAlgn="base"/>
+            <a:r>
+              <a:rPr lang="hu-HU" sz="2800" b="0" i="0" u="none" strike="noStrike" dirty="0" err="1">
+                <a:solidFill>
+                  <a:schemeClr val="bg1"/>
+                </a:solidFill>
+                <a:effectLst/>
+                <a:latin typeface="Times New Roman" panose="02020603050405020304" pitchFamily="18" charset="0"/>
+                <a:cs typeface="Times New Roman" panose="02020603050405020304" pitchFamily="18" charset="0"/>
+              </a:rPr>
+              <a:t>Task</a:t>
             </a:r>
             <a:r>
               <a:rPr lang="hu-HU" sz="2800" b="0" i="0" u="none" strike="noStrike" dirty="0">
@@ -6063,7 +6231,7 @@
                 <a:latin typeface="Times New Roman" panose="02020603050405020304" pitchFamily="18" charset="0"/>
                 <a:cs typeface="Times New Roman" panose="02020603050405020304" pitchFamily="18" charset="0"/>
               </a:rPr>
-              <a:t>eladatok </a:t>
+              <a:t> </a:t>
             </a:r>
             <a:r>
               <a:rPr lang="hu-HU" sz="2800" b="0" i="0" u="none" strike="noStrike" dirty="0" err="1">
@@ -6074,7 +6242,7 @@
                 <a:latin typeface="Times New Roman" panose="02020603050405020304" pitchFamily="18" charset="0"/>
                 <a:cs typeface="Times New Roman" panose="02020603050405020304" pitchFamily="18" charset="0"/>
               </a:rPr>
-              <a:t>randomolása</a:t>
+              <a:t>randomizer</a:t>
             </a:r>
             <a:endParaRPr lang="hu-HU" sz="2800" b="0" i="0" u="none" strike="noStrike" dirty="0">
               <a:solidFill>
@@ -6117,6 +6285,17 @@
           <a:p>
             <a:pPr algn="ctr" rtl="0"/>
             <a:r>
+              <a:rPr lang="hu-HU" sz="3600" b="0" i="0" u="none" strike="noStrike" dirty="0" err="1">
+                <a:solidFill>
+                  <a:schemeClr val="bg1"/>
+                </a:solidFill>
+                <a:effectLst/>
+                <a:latin typeface="Times New Roman" panose="02020603050405020304" pitchFamily="18" charset="0"/>
+                <a:cs typeface="Times New Roman" panose="02020603050405020304" pitchFamily="18" charset="0"/>
+              </a:rPr>
+              <a:t>Extras</a:t>
+            </a:r>
+            <a:r>
               <a:rPr lang="hu-HU" sz="3600" b="0" i="0" u="none" strike="noStrike" dirty="0">
                 <a:solidFill>
                   <a:schemeClr val="bg1"/>
@@ -6125,7 +6304,7 @@
                 <a:latin typeface="Times New Roman" panose="02020603050405020304" pitchFamily="18" charset="0"/>
                 <a:cs typeface="Times New Roman" panose="02020603050405020304" pitchFamily="18" charset="0"/>
               </a:rPr>
-              <a:t>Extrák:</a:t>
+              <a:t>:</a:t>
             </a:r>
             <a:endParaRPr lang="hu-HU" sz="3600" dirty="0">
               <a:solidFill>
@@ -6197,7 +6376,7 @@
               <a:buChar char="•"/>
             </a:pPr>
             <a:r>
-              <a:rPr lang="hu-HU" sz="2800" b="0" i="0" u="none" strike="noStrike" dirty="0">
+              <a:rPr lang="hu-HU" sz="2800" b="0" i="0" u="none" strike="noStrike" dirty="0" err="1">
                 <a:solidFill>
                   <a:schemeClr val="bg1"/>
                 </a:solidFill>
@@ -6205,7 +6384,7 @@
                 <a:latin typeface="Times New Roman" panose="02020603050405020304" pitchFamily="18" charset="0"/>
                 <a:cs typeface="Times New Roman" panose="02020603050405020304" pitchFamily="18" charset="0"/>
               </a:rPr>
-              <a:t>Reklámok</a:t>
+              <a:t>Adverts</a:t>
             </a:r>
             <a:endParaRPr lang="hu-HU" sz="2800" dirty="0">
               <a:solidFill>
@@ -6221,6 +6400,16 @@
               <a:buChar char="•"/>
             </a:pPr>
             <a:r>
+              <a:rPr lang="hu-HU" sz="2800" dirty="0" err="1">
+                <a:solidFill>
+                  <a:schemeClr val="bg1"/>
+                </a:solidFill>
+                <a:latin typeface="Times New Roman" panose="02020603050405020304" pitchFamily="18" charset="0"/>
+                <a:cs typeface="Times New Roman" panose="02020603050405020304" pitchFamily="18" charset="0"/>
+              </a:rPr>
+              <a:t>Newletter</a:t>
+            </a:r>
+            <a:r>
               <a:rPr lang="hu-HU" sz="2800" dirty="0">
                 <a:solidFill>
                   <a:schemeClr val="bg1"/>
@@ -6228,19 +6417,26 @@
                 <a:latin typeface="Times New Roman" panose="02020603050405020304" pitchFamily="18" charset="0"/>
                 <a:cs typeface="Times New Roman" panose="02020603050405020304" pitchFamily="18" charset="0"/>
               </a:rPr>
-              <a:t>H</a:t>
-            </a:r>
-            <a:r>
-              <a:rPr lang="hu-HU" sz="2800" b="0" i="0" u="none" strike="noStrike" dirty="0">
-                <a:solidFill>
-                  <a:schemeClr val="bg1"/>
-                </a:solidFill>
-                <a:effectLst/>
-                <a:latin typeface="Times New Roman" panose="02020603050405020304" pitchFamily="18" charset="0"/>
-                <a:cs typeface="Times New Roman" panose="02020603050405020304" pitchFamily="18" charset="0"/>
-              </a:rPr>
-              <a:t>írlevél regisztráció</a:t>
-            </a:r>
+              <a:t> </a:t>
+            </a:r>
+            <a:r>
+              <a:rPr lang="hu-HU" sz="2800" dirty="0" err="1">
+                <a:solidFill>
+                  <a:schemeClr val="bg1"/>
+                </a:solidFill>
+                <a:latin typeface="Times New Roman" panose="02020603050405020304" pitchFamily="18" charset="0"/>
+                <a:cs typeface="Times New Roman" panose="02020603050405020304" pitchFamily="18" charset="0"/>
+              </a:rPr>
+              <a:t>registration</a:t>
+            </a:r>
+            <a:endParaRPr lang="hu-HU" sz="2800" b="0" i="0" u="none" strike="noStrike" dirty="0">
+              <a:solidFill>
+                <a:schemeClr val="bg1"/>
+              </a:solidFill>
+              <a:effectLst/>
+              <a:latin typeface="Times New Roman" panose="02020603050405020304" pitchFamily="18" charset="0"/>
+              <a:cs typeface="Times New Roman" panose="02020603050405020304" pitchFamily="18" charset="0"/>
+            </a:endParaRPr>
           </a:p>
           <a:p>
             <a:pPr marL="1028700" lvl="1" indent="-571500">
@@ -6311,18 +6507,7 @@
                 <a:latin typeface="Times New Roman" panose="02020603050405020304" pitchFamily="18" charset="0"/>
                 <a:cs typeface="Times New Roman" panose="02020603050405020304" pitchFamily="18" charset="0"/>
               </a:rPr>
-              <a:t>N</a:t>
-            </a:r>
-            <a:r>
-              <a:rPr lang="hu-HU" sz="2800" b="0" i="0" u="none" strike="noStrike" dirty="0">
-                <a:solidFill>
-                  <a:schemeClr val="bg1"/>
-                </a:solidFill>
-                <a:effectLst/>
-                <a:latin typeface="Times New Roman" panose="02020603050405020304" pitchFamily="18" charset="0"/>
-                <a:cs typeface="Times New Roman" panose="02020603050405020304" pitchFamily="18" charset="0"/>
-              </a:rPr>
-              <a:t>api </a:t>
+              <a:t>Daily </a:t>
             </a:r>
             <a:r>
               <a:rPr lang="hu-HU" sz="2800" b="0" i="0" u="none" strike="noStrike" dirty="0" err="1">
@@ -6431,12 +6616,27 @@
             <p:ph type="title"/>
           </p:nvPr>
         </p:nvSpPr>
-        <p:spPr/>
+        <p:spPr>
+          <a:xfrm>
+            <a:off x="838200" y="365125"/>
+            <a:ext cx="9397181" cy="1325563"/>
+          </a:xfrm>
+        </p:spPr>
         <p:txBody>
           <a:bodyPr/>
           <a:lstStyle/>
           <a:p>
             <a:r>
+              <a:rPr lang="hu-HU" dirty="0" err="1">
+                <a:solidFill>
+                  <a:schemeClr val="bg1"/>
+                </a:solidFill>
+                <a:latin typeface="Times New Roman" panose="02020603050405020304" pitchFamily="18" charset="0"/>
+                <a:cs typeface="Times New Roman" panose="02020603050405020304" pitchFamily="18" charset="0"/>
+              </a:rPr>
+              <a:t>Development</a:t>
+            </a:r>
+            <a:r>
               <a:rPr lang="hu-HU" dirty="0">
                 <a:solidFill>
                   <a:schemeClr val="bg1"/>
@@ -6444,32 +6644,18 @@
                 <a:latin typeface="Times New Roman" panose="02020603050405020304" pitchFamily="18" charset="0"/>
                 <a:cs typeface="Times New Roman" panose="02020603050405020304" pitchFamily="18" charset="0"/>
               </a:rPr>
-              <a:t>Fejlesztői környezetek, programnyelvek</a:t>
-            </a:r>
-          </a:p>
-        </p:txBody>
-      </p:sp>
-      <p:sp>
-        <p:nvSpPr>
-          <p:cNvPr id="3" name="Tartalom helye 2">
-            <a:extLst>
-              <a:ext uri="{FF2B5EF4-FFF2-40B4-BE49-F238E27FC236}">
-                <a16:creationId xmlns:a16="http://schemas.microsoft.com/office/drawing/2014/main" id="{D496F0DB-70AD-938C-5CD2-197CBF7FFD24}"/>
-              </a:ext>
-            </a:extLst>
-          </p:cNvPr>
-          <p:cNvSpPr>
-            <a:spLocks noGrp="1"/>
-          </p:cNvSpPr>
-          <p:nvPr>
-            <p:ph idx="1"/>
-          </p:nvPr>
-        </p:nvSpPr>
-        <p:spPr/>
-        <p:txBody>
-          <a:bodyPr/>
-          <a:lstStyle/>
-          <a:p>
+              <a:t> </a:t>
+            </a:r>
+            <a:r>
+              <a:rPr lang="hu-HU" dirty="0" err="1">
+                <a:solidFill>
+                  <a:schemeClr val="bg1"/>
+                </a:solidFill>
+                <a:latin typeface="Times New Roman" panose="02020603050405020304" pitchFamily="18" charset="0"/>
+                <a:cs typeface="Times New Roman" panose="02020603050405020304" pitchFamily="18" charset="0"/>
+              </a:rPr>
+              <a:t>Environments</a:t>
+            </a:r>
             <a:r>
               <a:rPr lang="hu-HU" dirty="0">
                 <a:solidFill>
@@ -6478,11 +6664,18 @@
                 <a:latin typeface="Times New Roman" panose="02020603050405020304" pitchFamily="18" charset="0"/>
                 <a:cs typeface="Times New Roman" panose="02020603050405020304" pitchFamily="18" charset="0"/>
               </a:rPr>
-              <a:t>Két fő környezet:</a:t>
-            </a:r>
-          </a:p>
-          <a:p>
-            <a:pPr lvl="1"/>
+              <a:t>, </a:t>
+            </a:r>
+            <a:r>
+              <a:rPr lang="hu-HU" dirty="0" err="1">
+                <a:solidFill>
+                  <a:schemeClr val="bg1"/>
+                </a:solidFill>
+                <a:latin typeface="Times New Roman" panose="02020603050405020304" pitchFamily="18" charset="0"/>
+                <a:cs typeface="Times New Roman" panose="02020603050405020304" pitchFamily="18" charset="0"/>
+              </a:rPr>
+              <a:t>Programming</a:t>
+            </a:r>
             <a:r>
               <a:rPr lang="hu-HU" dirty="0">
                 <a:solidFill>
@@ -6491,7 +6684,7 @@
                 <a:latin typeface="Times New Roman" panose="02020603050405020304" pitchFamily="18" charset="0"/>
                 <a:cs typeface="Times New Roman" panose="02020603050405020304" pitchFamily="18" charset="0"/>
               </a:rPr>
-              <a:t>Visual </a:t>
+              <a:t> </a:t>
             </a:r>
             <a:r>
               <a:rPr lang="hu-HU" dirty="0" err="1">
@@ -6501,7 +6694,7 @@
                 <a:latin typeface="Times New Roman" panose="02020603050405020304" pitchFamily="18" charset="0"/>
                 <a:cs typeface="Times New Roman" panose="02020603050405020304" pitchFamily="18" charset="0"/>
               </a:rPr>
-              <a:t>Studio</a:t>
+              <a:t>Languages</a:t>
             </a:r>
             <a:endParaRPr lang="hu-HU" dirty="0">
               <a:solidFill>
@@ -6511,6 +6704,70 @@
               <a:cs typeface="Times New Roman" panose="02020603050405020304" pitchFamily="18" charset="0"/>
             </a:endParaRPr>
           </a:p>
+        </p:txBody>
+      </p:sp>
+      <p:sp>
+        <p:nvSpPr>
+          <p:cNvPr id="3" name="Tartalom helye 2">
+            <a:extLst>
+              <a:ext uri="{FF2B5EF4-FFF2-40B4-BE49-F238E27FC236}">
+                <a16:creationId xmlns:a16="http://schemas.microsoft.com/office/drawing/2014/main" id="{D496F0DB-70AD-938C-5CD2-197CBF7FFD24}"/>
+              </a:ext>
+            </a:extLst>
+          </p:cNvPr>
+          <p:cNvSpPr>
+            <a:spLocks noGrp="1"/>
+          </p:cNvSpPr>
+          <p:nvPr>
+            <p:ph idx="1"/>
+          </p:nvPr>
+        </p:nvSpPr>
+        <p:spPr/>
+        <p:txBody>
+          <a:bodyPr/>
+          <a:lstStyle/>
+          <a:p>
+            <a:r>
+              <a:rPr lang="hu-HU" dirty="0" err="1">
+                <a:solidFill>
+                  <a:schemeClr val="bg1"/>
+                </a:solidFill>
+                <a:latin typeface="Times New Roman" panose="02020603050405020304" pitchFamily="18" charset="0"/>
+                <a:cs typeface="Times New Roman" panose="02020603050405020304" pitchFamily="18" charset="0"/>
+              </a:rPr>
+              <a:t>Two</a:t>
+            </a:r>
+            <a:r>
+              <a:rPr lang="hu-HU" dirty="0">
+                <a:solidFill>
+                  <a:schemeClr val="bg1"/>
+                </a:solidFill>
+                <a:latin typeface="Times New Roman" panose="02020603050405020304" pitchFamily="18" charset="0"/>
+                <a:cs typeface="Times New Roman" panose="02020603050405020304" pitchFamily="18" charset="0"/>
+              </a:rPr>
+              <a:t> main </a:t>
+            </a:r>
+            <a:r>
+              <a:rPr lang="hu-HU" dirty="0" err="1">
+                <a:solidFill>
+                  <a:schemeClr val="bg1"/>
+                </a:solidFill>
+                <a:latin typeface="Times New Roman" panose="02020603050405020304" pitchFamily="18" charset="0"/>
+                <a:cs typeface="Times New Roman" panose="02020603050405020304" pitchFamily="18" charset="0"/>
+              </a:rPr>
+              <a:t>Environments</a:t>
+            </a:r>
+            <a:r>
+              <a:rPr lang="hu-HU" dirty="0">
+                <a:solidFill>
+                  <a:schemeClr val="bg1"/>
+                </a:solidFill>
+                <a:latin typeface="Times New Roman" panose="02020603050405020304" pitchFamily="18" charset="0"/>
+                <a:cs typeface="Times New Roman" panose="02020603050405020304" pitchFamily="18" charset="0"/>
+              </a:rPr>
+              <a:t>:</a:t>
+            </a:r>
+          </a:p>
           <a:p>
             <a:pPr lvl="1"/>
             <a:r>
@@ -6532,26 +6789,6 @@
                 <a:cs typeface="Times New Roman" panose="02020603050405020304" pitchFamily="18" charset="0"/>
               </a:rPr>
               <a:t>Studio</a:t>
-            </a:r>
-            <a:r>
-              <a:rPr lang="hu-HU" dirty="0">
-                <a:solidFill>
-                  <a:schemeClr val="bg1"/>
-                </a:solidFill>
-                <a:latin typeface="Times New Roman" panose="02020603050405020304" pitchFamily="18" charset="0"/>
-                <a:cs typeface="Times New Roman" panose="02020603050405020304" pitchFamily="18" charset="0"/>
-              </a:rPr>
-              <a:t> </a:t>
-            </a:r>
-            <a:r>
-              <a:rPr lang="hu-HU" dirty="0" err="1">
-                <a:solidFill>
-                  <a:schemeClr val="bg1"/>
-                </a:solidFill>
-                <a:latin typeface="Times New Roman" panose="02020603050405020304" pitchFamily="18" charset="0"/>
-                <a:cs typeface="Times New Roman" panose="02020603050405020304" pitchFamily="18" charset="0"/>
-              </a:rPr>
-              <a:t>Code</a:t>
             </a:r>
             <a:endParaRPr lang="hu-HU" dirty="0">
               <a:solidFill>
@@ -6562,6 +6799,7 @@
             </a:endParaRPr>
           </a:p>
           <a:p>
+            <a:pPr lvl="1"/>
             <a:r>
               <a:rPr lang="hu-HU" dirty="0">
                 <a:solidFill>
@@ -6570,7 +6808,86 @@
                 <a:latin typeface="Times New Roman" panose="02020603050405020304" pitchFamily="18" charset="0"/>
                 <a:cs typeface="Times New Roman" panose="02020603050405020304" pitchFamily="18" charset="0"/>
               </a:rPr>
-              <a:t>Használt programnyelvek:</a:t>
+              <a:t>Visual </a:t>
+            </a:r>
+            <a:r>
+              <a:rPr lang="hu-HU" dirty="0" err="1">
+                <a:solidFill>
+                  <a:schemeClr val="bg1"/>
+                </a:solidFill>
+                <a:latin typeface="Times New Roman" panose="02020603050405020304" pitchFamily="18" charset="0"/>
+                <a:cs typeface="Times New Roman" panose="02020603050405020304" pitchFamily="18" charset="0"/>
+              </a:rPr>
+              <a:t>Studio</a:t>
+            </a:r>
+            <a:r>
+              <a:rPr lang="hu-HU" dirty="0">
+                <a:solidFill>
+                  <a:schemeClr val="bg1"/>
+                </a:solidFill>
+                <a:latin typeface="Times New Roman" panose="02020603050405020304" pitchFamily="18" charset="0"/>
+                <a:cs typeface="Times New Roman" panose="02020603050405020304" pitchFamily="18" charset="0"/>
+              </a:rPr>
+              <a:t> </a:t>
+            </a:r>
+            <a:r>
+              <a:rPr lang="hu-HU" dirty="0" err="1">
+                <a:solidFill>
+                  <a:schemeClr val="bg1"/>
+                </a:solidFill>
+                <a:latin typeface="Times New Roman" panose="02020603050405020304" pitchFamily="18" charset="0"/>
+                <a:cs typeface="Times New Roman" panose="02020603050405020304" pitchFamily="18" charset="0"/>
+              </a:rPr>
+              <a:t>Code</a:t>
+            </a:r>
+            <a:endParaRPr lang="hu-HU" dirty="0">
+              <a:solidFill>
+                <a:schemeClr val="bg1"/>
+              </a:solidFill>
+              <a:latin typeface="Times New Roman" panose="02020603050405020304" pitchFamily="18" charset="0"/>
+              <a:cs typeface="Times New Roman" panose="02020603050405020304" pitchFamily="18" charset="0"/>
+            </a:endParaRPr>
+          </a:p>
+          <a:p>
+            <a:r>
+              <a:rPr lang="hu-HU" dirty="0" err="1">
+                <a:solidFill>
+                  <a:schemeClr val="bg1"/>
+                </a:solidFill>
+                <a:latin typeface="Times New Roman" panose="02020603050405020304" pitchFamily="18" charset="0"/>
+                <a:cs typeface="Times New Roman" panose="02020603050405020304" pitchFamily="18" charset="0"/>
+              </a:rPr>
+              <a:t>Used</a:t>
+            </a:r>
+            <a:r>
+              <a:rPr lang="hu-HU" dirty="0">
+                <a:solidFill>
+                  <a:schemeClr val="bg1"/>
+                </a:solidFill>
+                <a:latin typeface="Times New Roman" panose="02020603050405020304" pitchFamily="18" charset="0"/>
+                <a:cs typeface="Times New Roman" panose="02020603050405020304" pitchFamily="18" charset="0"/>
+              </a:rPr>
+              <a:t> </a:t>
+            </a:r>
+            <a:r>
+              <a:rPr lang="hu-HU" dirty="0" err="1">
+                <a:solidFill>
+                  <a:schemeClr val="bg1"/>
+                </a:solidFill>
+                <a:latin typeface="Times New Roman" panose="02020603050405020304" pitchFamily="18" charset="0"/>
+                <a:cs typeface="Times New Roman" panose="02020603050405020304" pitchFamily="18" charset="0"/>
+              </a:rPr>
+              <a:t>Languages</a:t>
+            </a:r>
+            <a:r>
+              <a:rPr lang="hu-HU" dirty="0">
+                <a:solidFill>
+                  <a:schemeClr val="bg1"/>
+                </a:solidFill>
+                <a:latin typeface="Times New Roman" panose="02020603050405020304" pitchFamily="18" charset="0"/>
+                <a:cs typeface="Times New Roman" panose="02020603050405020304" pitchFamily="18" charset="0"/>
+              </a:rPr>
+              <a:t>:</a:t>
             </a:r>
           </a:p>
           <a:p>
@@ -6676,7 +6993,7 @@
           <p:cNvPr id="2" name="Cím 1">
             <a:extLst>
               <a:ext uri="{FF2B5EF4-FFF2-40B4-BE49-F238E27FC236}">
-                <a16:creationId xmlns:a16="http://schemas.microsoft.com/office/drawing/2014/main" id="{BCC8F8C4-99F3-BDB2-2C0A-47CB9CBED0AA}"/>
+                <a16:creationId xmlns:a16="http://schemas.microsoft.com/office/drawing/2014/main" id="{A6D1911F-33A6-29C8-C4A7-A1936B4D5E66}"/>
               </a:ext>
             </a:extLst>
           </p:cNvPr>
@@ -6701,6 +7018,16 @@
           <a:p>
             <a:pPr algn="ctr"/>
             <a:r>
+              <a:rPr lang="hu-HU" sz="5400" dirty="0" err="1">
+                <a:solidFill>
+                  <a:schemeClr val="bg1"/>
+                </a:solidFill>
+                <a:latin typeface="Times New Roman" panose="02020603050405020304" pitchFamily="18" charset="0"/>
+                <a:cs typeface="Times New Roman" panose="02020603050405020304" pitchFamily="18" charset="0"/>
+              </a:rPr>
+              <a:t>First</a:t>
+            </a:r>
+            <a:r>
               <a:rPr lang="hu-HU" sz="5400" dirty="0">
                 <a:solidFill>
                   <a:schemeClr val="bg1"/>
@@ -6708,126 +7035,18 @@
                 <a:latin typeface="Times New Roman" panose="02020603050405020304" pitchFamily="18" charset="0"/>
                 <a:cs typeface="Times New Roman" panose="02020603050405020304" pitchFamily="18" charset="0"/>
               </a:rPr>
-              <a:t>Első dizájn</a:t>
-            </a:r>
-          </a:p>
-        </p:txBody>
-      </p:sp>
-      <p:pic>
-        <p:nvPicPr>
-          <p:cNvPr id="5" name="Kép 4" descr="A képen szöveg, képernyőkép, diagram, sor látható&#10;&#10;Automatikusan generált leírás">
-            <a:extLst>
-              <a:ext uri="{FF2B5EF4-FFF2-40B4-BE49-F238E27FC236}">
-                <a16:creationId xmlns:a16="http://schemas.microsoft.com/office/drawing/2014/main" id="{8F2698D7-38F3-4FA5-AF3D-2535A09C2ED7}"/>
-              </a:ext>
-            </a:extLst>
-          </p:cNvPr>
-          <p:cNvPicPr>
-            <a:picLocks noChangeAspect="1"/>
-          </p:cNvPicPr>
-          <p:nvPr/>
-        </p:nvPicPr>
-        <p:blipFill>
-          <a:blip r:embed="rId3">
-            <a:extLst>
-              <a:ext uri="{28A0092B-C50C-407E-A947-70E740481C1C}">
-                <a14:useLocalDpi xmlns:a14="http://schemas.microsoft.com/office/drawing/2010/main" val="0"/>
-              </a:ext>
-            </a:extLst>
-          </a:blip>
-          <a:stretch>
-            <a:fillRect/>
-          </a:stretch>
-        </p:blipFill>
-        <p:spPr>
-          <a:xfrm>
-            <a:off x="714612" y="881999"/>
-            <a:ext cx="10762775" cy="5976000"/>
-          </a:xfrm>
-          <a:prstGeom prst="rect">
-            <a:avLst/>
-          </a:prstGeom>
-        </p:spPr>
-      </p:pic>
-    </p:spTree>
-    <p:extLst>
-      <p:ext uri="{BB962C8B-B14F-4D97-AF65-F5344CB8AC3E}">
-        <p14:creationId xmlns:p14="http://schemas.microsoft.com/office/powerpoint/2010/main" val="1083648696"/>
-      </p:ext>
-    </p:extLst>
-  </p:cSld>
-  <p:clrMapOvr>
-    <a:masterClrMapping/>
-  </p:clrMapOvr>
-</p:sld>
-</file>
-
-<file path=ppt/slides/slide6.xml><?xml version="1.0" encoding="utf-8"?>
-<p:sld xmlns:a="http://schemas.openxmlformats.org/drawingml/2006/main" xmlns:r="http://schemas.openxmlformats.org/officeDocument/2006/relationships" xmlns:p="http://schemas.openxmlformats.org/presentationml/2006/main">
-  <p:cSld>
-    <p:bg>
-      <p:bgPr>
-        <a:blipFill dpi="0" rotWithShape="1">
-          <a:blip r:embed="rId2">
-            <a:lum/>
-          </a:blip>
-          <a:srcRect/>
-          <a:stretch>
-            <a:fillRect t="-17000" b="-17000"/>
-          </a:stretch>
-        </a:blipFill>
-        <a:effectLst/>
-      </p:bgPr>
-    </p:bg>
-    <p:spTree>
-      <p:nvGrpSpPr>
-        <p:cNvPr id="1" name="">
-          <a:extLst>
-            <a:ext uri="{FF2B5EF4-FFF2-40B4-BE49-F238E27FC236}">
-              <a16:creationId xmlns:a16="http://schemas.microsoft.com/office/drawing/2014/main" id="{671C36F2-254B-9D30-A2C1-C3340DB43341}"/>
-            </a:ext>
-          </a:extLst>
-        </p:cNvPr>
-        <p:cNvGrpSpPr/>
-        <p:nvPr/>
-      </p:nvGrpSpPr>
-      <p:grpSpPr>
-        <a:xfrm>
-          <a:off x="0" y="0"/>
-          <a:ext cx="0" cy="0"/>
-          <a:chOff x="0" y="0"/>
-          <a:chExt cx="0" cy="0"/>
-        </a:xfrm>
-      </p:grpSpPr>
-      <p:sp>
-        <p:nvSpPr>
-          <p:cNvPr id="2" name="Cím 1">
-            <a:extLst>
-              <a:ext uri="{FF2B5EF4-FFF2-40B4-BE49-F238E27FC236}">
-                <a16:creationId xmlns:a16="http://schemas.microsoft.com/office/drawing/2014/main" id="{CBAE14AA-7C0E-DB74-B843-8FE217F0827F}"/>
-              </a:ext>
-            </a:extLst>
-          </p:cNvPr>
-          <p:cNvSpPr>
-            <a:spLocks noGrp="1"/>
-          </p:cNvSpPr>
-          <p:nvPr>
-            <p:ph type="title"/>
-          </p:nvPr>
-        </p:nvSpPr>
-        <p:spPr>
-          <a:xfrm>
-            <a:off x="0" y="1"/>
-            <a:ext cx="12192000" cy="1008000"/>
-          </a:xfrm>
-        </p:spPr>
-        <p:txBody>
-          <a:bodyPr>
-            <a:normAutofit/>
-          </a:bodyPr>
-          <a:lstStyle/>
-          <a:p>
-            <a:pPr algn="ctr"/>
+              <a:t> </a:t>
+            </a:r>
+            <a:r>
+              <a:rPr lang="hu-HU" sz="5400" dirty="0" err="1">
+                <a:solidFill>
+                  <a:schemeClr val="bg1"/>
+                </a:solidFill>
+                <a:latin typeface="Times New Roman" panose="02020603050405020304" pitchFamily="18" charset="0"/>
+                <a:cs typeface="Times New Roman" panose="02020603050405020304" pitchFamily="18" charset="0"/>
+              </a:rPr>
+              <a:t>static</a:t>
+            </a:r>
             <a:r>
               <a:rPr lang="hu-HU" sz="5400" dirty="0">
                 <a:solidFill>
@@ -6836,129 +7055,25 @@
                 <a:latin typeface="Times New Roman" panose="02020603050405020304" pitchFamily="18" charset="0"/>
                 <a:cs typeface="Times New Roman" panose="02020603050405020304" pitchFamily="18" charset="0"/>
               </a:rPr>
-              <a:t>Első dizájn</a:t>
-            </a:r>
-          </a:p>
-        </p:txBody>
-      </p:sp>
-      <p:pic>
-        <p:nvPicPr>
-          <p:cNvPr id="4" name="Kép 3" descr="A képen szöveg, képernyőkép, diagram, sor látható&#10;&#10;Automatikusan generált leírás">
-            <a:extLst>
-              <a:ext uri="{FF2B5EF4-FFF2-40B4-BE49-F238E27FC236}">
-                <a16:creationId xmlns:a16="http://schemas.microsoft.com/office/drawing/2014/main" id="{47809BE8-F7EB-3CD8-FFD9-D8BE5F7B6C73}"/>
-              </a:ext>
-            </a:extLst>
-          </p:cNvPr>
-          <p:cNvPicPr>
-            <a:picLocks noChangeAspect="1"/>
-          </p:cNvPicPr>
-          <p:nvPr/>
-        </p:nvPicPr>
-        <p:blipFill>
-          <a:blip r:embed="rId3">
-            <a:extLst>
-              <a:ext uri="{28A0092B-C50C-407E-A947-70E740481C1C}">
-                <a14:useLocalDpi xmlns:a14="http://schemas.microsoft.com/office/drawing/2010/main" val="0"/>
-              </a:ext>
-            </a:extLst>
-          </a:blip>
-          <a:srcRect r="19332"/>
-          <a:stretch/>
-        </p:blipFill>
-        <p:spPr>
-          <a:xfrm>
-            <a:off x="2480462" y="881999"/>
-            <a:ext cx="7231076" cy="5976000"/>
-          </a:xfrm>
-          <a:prstGeom prst="rect">
-            <a:avLst/>
-          </a:prstGeom>
-        </p:spPr>
-      </p:pic>
-    </p:spTree>
-    <p:extLst>
-      <p:ext uri="{BB962C8B-B14F-4D97-AF65-F5344CB8AC3E}">
-        <p14:creationId xmlns:p14="http://schemas.microsoft.com/office/powerpoint/2010/main" val="264048195"/>
-      </p:ext>
-    </p:extLst>
-  </p:cSld>
-  <p:clrMapOvr>
-    <a:masterClrMapping/>
-  </p:clrMapOvr>
-</p:sld>
-</file>
-
-<file path=ppt/slides/slide7.xml><?xml version="1.0" encoding="utf-8"?>
-<p:sld xmlns:a="http://schemas.openxmlformats.org/drawingml/2006/main" xmlns:r="http://schemas.openxmlformats.org/officeDocument/2006/relationships" xmlns:p="http://schemas.openxmlformats.org/presentationml/2006/main">
-  <p:cSld>
-    <p:bg>
-      <p:bgPr>
-        <a:blipFill dpi="0" rotWithShape="1">
-          <a:blip r:embed="rId2">
-            <a:lum/>
-          </a:blip>
-          <a:srcRect/>
-          <a:stretch>
-            <a:fillRect t="-17000" b="-17000"/>
-          </a:stretch>
-        </a:blipFill>
-        <a:effectLst/>
-      </p:bgPr>
-    </p:bg>
-    <p:spTree>
-      <p:nvGrpSpPr>
-        <p:cNvPr id="1" name=""/>
-        <p:cNvGrpSpPr/>
-        <p:nvPr/>
-      </p:nvGrpSpPr>
-      <p:grpSpPr>
-        <a:xfrm>
-          <a:off x="0" y="0"/>
-          <a:ext cx="0" cy="0"/>
-          <a:chOff x="0" y="0"/>
-          <a:chExt cx="0" cy="0"/>
-        </a:xfrm>
-      </p:grpSpPr>
-      <p:sp>
-        <p:nvSpPr>
-          <p:cNvPr id="2" name="Cím 1">
-            <a:extLst>
-              <a:ext uri="{FF2B5EF4-FFF2-40B4-BE49-F238E27FC236}">
-                <a16:creationId xmlns:a16="http://schemas.microsoft.com/office/drawing/2014/main" id="{A6D1911F-33A6-29C8-C4A7-A1936B4D5E66}"/>
-              </a:ext>
-            </a:extLst>
-          </p:cNvPr>
-          <p:cNvSpPr>
-            <a:spLocks noGrp="1"/>
-          </p:cNvSpPr>
-          <p:nvPr>
-            <p:ph type="title"/>
-          </p:nvPr>
-        </p:nvSpPr>
-        <p:spPr>
-          <a:xfrm>
-            <a:off x="0" y="1"/>
-            <a:ext cx="12192000" cy="1008000"/>
-          </a:xfrm>
-        </p:spPr>
-        <p:txBody>
-          <a:bodyPr>
-            <a:normAutofit/>
-          </a:bodyPr>
-          <a:lstStyle/>
-          <a:p>
-            <a:pPr algn="ctr"/>
-            <a:r>
-              <a:rPr lang="hu-HU" sz="5400" dirty="0">
-                <a:solidFill>
-                  <a:schemeClr val="bg1"/>
-                </a:solidFill>
-                <a:latin typeface="Times New Roman" panose="02020603050405020304" pitchFamily="18" charset="0"/>
-                <a:cs typeface="Times New Roman" panose="02020603050405020304" pitchFamily="18" charset="0"/>
-              </a:rPr>
-              <a:t>Első statikus weboldal</a:t>
-            </a:r>
+              <a:t> </a:t>
+            </a:r>
+            <a:r>
+              <a:rPr lang="hu-HU" sz="5400" dirty="0" err="1">
+                <a:solidFill>
+                  <a:schemeClr val="bg1"/>
+                </a:solidFill>
+                <a:latin typeface="Times New Roman" panose="02020603050405020304" pitchFamily="18" charset="0"/>
+                <a:cs typeface="Times New Roman" panose="02020603050405020304" pitchFamily="18" charset="0"/>
+              </a:rPr>
+              <a:t>webpage</a:t>
+            </a:r>
+            <a:endParaRPr lang="hu-HU" sz="5400" dirty="0">
+              <a:solidFill>
+                <a:schemeClr val="bg1"/>
+              </a:solidFill>
+              <a:latin typeface="Times New Roman" panose="02020603050405020304" pitchFamily="18" charset="0"/>
+              <a:cs typeface="Times New Roman" panose="02020603050405020304" pitchFamily="18" charset="0"/>
+            </a:endParaRPr>
           </a:p>
         </p:txBody>
       </p:sp>
@@ -7005,7 +7120,7 @@
 </p:sld>
 </file>
 
-<file path=ppt/slides/slide8.xml><?xml version="1.0" encoding="utf-8"?>
+<file path=ppt/slides/slide6.xml><?xml version="1.0" encoding="utf-8"?>
 <p:sld xmlns:a="http://schemas.openxmlformats.org/drawingml/2006/main" xmlns:r="http://schemas.openxmlformats.org/officeDocument/2006/relationships" xmlns:p="http://schemas.openxmlformats.org/presentationml/2006/main">
   <p:cSld>
     <p:bg>
@@ -7072,6 +7187,16 @@
           <a:p>
             <a:pPr algn="ctr"/>
             <a:r>
+              <a:rPr lang="hu-HU" sz="5400" dirty="0" err="1">
+                <a:solidFill>
+                  <a:schemeClr val="bg1"/>
+                </a:solidFill>
+                <a:latin typeface="Times New Roman" panose="02020603050405020304" pitchFamily="18" charset="0"/>
+                <a:cs typeface="Times New Roman" panose="02020603050405020304" pitchFamily="18" charset="0"/>
+              </a:rPr>
+              <a:t>First</a:t>
+            </a:r>
+            <a:r>
               <a:rPr lang="hu-HU" sz="5400" dirty="0">
                 <a:solidFill>
                   <a:schemeClr val="bg1"/>
@@ -7079,8 +7204,45 @@
                 <a:latin typeface="Times New Roman" panose="02020603050405020304" pitchFamily="18" charset="0"/>
                 <a:cs typeface="Times New Roman" panose="02020603050405020304" pitchFamily="18" charset="0"/>
               </a:rPr>
-              <a:t>Első statikus tesztfelület</a:t>
-            </a:r>
+              <a:t> </a:t>
+            </a:r>
+            <a:r>
+              <a:rPr lang="hu-HU" sz="5400" dirty="0" err="1">
+                <a:solidFill>
+                  <a:schemeClr val="bg1"/>
+                </a:solidFill>
+                <a:latin typeface="Times New Roman" panose="02020603050405020304" pitchFamily="18" charset="0"/>
+                <a:cs typeface="Times New Roman" panose="02020603050405020304" pitchFamily="18" charset="0"/>
+              </a:rPr>
+              <a:t>static</a:t>
+            </a:r>
+            <a:r>
+              <a:rPr lang="hu-HU" sz="5400" dirty="0">
+                <a:solidFill>
+                  <a:schemeClr val="bg1"/>
+                </a:solidFill>
+                <a:latin typeface="Times New Roman" panose="02020603050405020304" pitchFamily="18" charset="0"/>
+                <a:cs typeface="Times New Roman" panose="02020603050405020304" pitchFamily="18" charset="0"/>
+              </a:rPr>
+              <a:t> test </a:t>
+            </a:r>
+            <a:r>
+              <a:rPr lang="hu-HU" sz="5400" dirty="0" err="1">
+                <a:solidFill>
+                  <a:schemeClr val="bg1"/>
+                </a:solidFill>
+                <a:latin typeface="Times New Roman" panose="02020603050405020304" pitchFamily="18" charset="0"/>
+                <a:cs typeface="Times New Roman" panose="02020603050405020304" pitchFamily="18" charset="0"/>
+              </a:rPr>
+              <a:t>interface</a:t>
+            </a:r>
+            <a:endParaRPr lang="hu-HU" sz="5400" dirty="0">
+              <a:solidFill>
+                <a:schemeClr val="bg1"/>
+              </a:solidFill>
+              <a:latin typeface="Times New Roman" panose="02020603050405020304" pitchFamily="18" charset="0"/>
+              <a:cs typeface="Times New Roman" panose="02020603050405020304" pitchFamily="18" charset="0"/>
+            </a:endParaRPr>
           </a:p>
         </p:txBody>
       </p:sp>
@@ -7127,6 +7289,297 @@
 </p:sld>
 </file>
 
+<file path=ppt/slides/slide7.xml><?xml version="1.0" encoding="utf-8"?>
+<p:sld xmlns:a="http://schemas.openxmlformats.org/drawingml/2006/main" xmlns:r="http://schemas.openxmlformats.org/officeDocument/2006/relationships" xmlns:p="http://schemas.openxmlformats.org/presentationml/2006/main">
+  <p:cSld>
+    <p:bg>
+      <p:bgPr>
+        <a:blipFill dpi="0" rotWithShape="1">
+          <a:blip r:embed="rId2">
+            <a:lum/>
+          </a:blip>
+          <a:srcRect/>
+          <a:stretch>
+            <a:fillRect t="-17000" b="-17000"/>
+          </a:stretch>
+        </a:blipFill>
+        <a:effectLst/>
+      </p:bgPr>
+    </p:bg>
+    <p:spTree>
+      <p:nvGrpSpPr>
+        <p:cNvPr id="1" name="">
+          <a:extLst>
+            <a:ext uri="{FF2B5EF4-FFF2-40B4-BE49-F238E27FC236}">
+              <a16:creationId xmlns:a16="http://schemas.microsoft.com/office/drawing/2014/main" id="{F1B2C501-0AD6-5B32-DDDC-05A21536BA19}"/>
+            </a:ext>
+          </a:extLst>
+        </p:cNvPr>
+        <p:cNvGrpSpPr/>
+        <p:nvPr/>
+      </p:nvGrpSpPr>
+      <p:grpSpPr>
+        <a:xfrm>
+          <a:off x="0" y="0"/>
+          <a:ext cx="0" cy="0"/>
+          <a:chOff x="0" y="0"/>
+          <a:chExt cx="0" cy="0"/>
+        </a:xfrm>
+      </p:grpSpPr>
+      <p:sp>
+        <p:nvSpPr>
+          <p:cNvPr id="2" name="Cím 1">
+            <a:extLst>
+              <a:ext uri="{FF2B5EF4-FFF2-40B4-BE49-F238E27FC236}">
+                <a16:creationId xmlns:a16="http://schemas.microsoft.com/office/drawing/2014/main" id="{9C54E7D8-02A4-07C3-A3AB-327D3C92F617}"/>
+              </a:ext>
+            </a:extLst>
+          </p:cNvPr>
+          <p:cNvSpPr>
+            <a:spLocks noGrp="1"/>
+          </p:cNvSpPr>
+          <p:nvPr>
+            <p:ph type="title"/>
+          </p:nvPr>
+        </p:nvSpPr>
+        <p:spPr>
+          <a:xfrm>
+            <a:off x="0" y="0"/>
+            <a:ext cx="12192000" cy="1008000"/>
+          </a:xfrm>
+        </p:spPr>
+        <p:txBody>
+          <a:bodyPr>
+            <a:normAutofit/>
+          </a:bodyPr>
+          <a:lstStyle/>
+          <a:p>
+            <a:pPr algn="ctr"/>
+            <a:r>
+              <a:rPr lang="hu-HU" sz="5400" dirty="0" err="1">
+                <a:solidFill>
+                  <a:schemeClr val="bg1"/>
+                </a:solidFill>
+                <a:latin typeface="Times New Roman" panose="02020603050405020304" pitchFamily="18" charset="0"/>
+                <a:cs typeface="Times New Roman" panose="02020603050405020304" pitchFamily="18" charset="0"/>
+              </a:rPr>
+              <a:t>Redesigned</a:t>
+            </a:r>
+            <a:r>
+              <a:rPr lang="hu-HU" sz="5400" dirty="0">
+                <a:solidFill>
+                  <a:schemeClr val="bg1"/>
+                </a:solidFill>
+                <a:latin typeface="Times New Roman" panose="02020603050405020304" pitchFamily="18" charset="0"/>
+                <a:cs typeface="Times New Roman" panose="02020603050405020304" pitchFamily="18" charset="0"/>
+              </a:rPr>
+              <a:t> homepage</a:t>
+            </a:r>
+          </a:p>
+        </p:txBody>
+      </p:sp>
+      <p:pic>
+        <p:nvPicPr>
+          <p:cNvPr id="5" name="Kép 4">
+            <a:extLst>
+              <a:ext uri="{FF2B5EF4-FFF2-40B4-BE49-F238E27FC236}">
+                <a16:creationId xmlns:a16="http://schemas.microsoft.com/office/drawing/2014/main" id="{3B3C09B2-1AC8-DC72-E207-625CD6F86948}"/>
+              </a:ext>
+            </a:extLst>
+          </p:cNvPr>
+          <p:cNvPicPr>
+            <a:picLocks noChangeAspect="1"/>
+          </p:cNvPicPr>
+          <p:nvPr/>
+        </p:nvPicPr>
+        <p:blipFill>
+          <a:blip r:embed="rId3"/>
+          <a:stretch>
+            <a:fillRect/>
+          </a:stretch>
+        </p:blipFill>
+        <p:spPr>
+          <a:xfrm>
+            <a:off x="28304" y="882000"/>
+            <a:ext cx="12135391" cy="5976000"/>
+          </a:xfrm>
+          <a:prstGeom prst="rect">
+            <a:avLst/>
+          </a:prstGeom>
+        </p:spPr>
+      </p:pic>
+    </p:spTree>
+    <p:extLst>
+      <p:ext uri="{BB962C8B-B14F-4D97-AF65-F5344CB8AC3E}">
+        <p14:creationId xmlns:p14="http://schemas.microsoft.com/office/powerpoint/2010/main" val="3998714109"/>
+      </p:ext>
+    </p:extLst>
+  </p:cSld>
+  <p:clrMapOvr>
+    <a:masterClrMapping/>
+  </p:clrMapOvr>
+</p:sld>
+</file>
+
+<file path=ppt/slides/slide8.xml><?xml version="1.0" encoding="utf-8"?>
+<p:sld xmlns:a="http://schemas.openxmlformats.org/drawingml/2006/main" xmlns:r="http://schemas.openxmlformats.org/officeDocument/2006/relationships" xmlns:p="http://schemas.openxmlformats.org/presentationml/2006/main">
+  <p:cSld>
+    <p:bg>
+      <p:bgPr>
+        <a:blipFill dpi="0" rotWithShape="1">
+          <a:blip r:embed="rId2">
+            <a:lum/>
+          </a:blip>
+          <a:srcRect/>
+          <a:stretch>
+            <a:fillRect t="-17000" b="-17000"/>
+          </a:stretch>
+        </a:blipFill>
+        <a:effectLst/>
+      </p:bgPr>
+    </p:bg>
+    <p:spTree>
+      <p:nvGrpSpPr>
+        <p:cNvPr id="1" name="">
+          <a:extLst>
+            <a:ext uri="{FF2B5EF4-FFF2-40B4-BE49-F238E27FC236}">
+              <a16:creationId xmlns:a16="http://schemas.microsoft.com/office/drawing/2014/main" id="{334A817E-0BC7-30EE-4112-53202197352D}"/>
+            </a:ext>
+          </a:extLst>
+        </p:cNvPr>
+        <p:cNvGrpSpPr/>
+        <p:nvPr/>
+      </p:nvGrpSpPr>
+      <p:grpSpPr>
+        <a:xfrm>
+          <a:off x="0" y="0"/>
+          <a:ext cx="0" cy="0"/>
+          <a:chOff x="0" y="0"/>
+          <a:chExt cx="0" cy="0"/>
+        </a:xfrm>
+      </p:grpSpPr>
+      <p:sp>
+        <p:nvSpPr>
+          <p:cNvPr id="2" name="Cím 1">
+            <a:extLst>
+              <a:ext uri="{FF2B5EF4-FFF2-40B4-BE49-F238E27FC236}">
+                <a16:creationId xmlns:a16="http://schemas.microsoft.com/office/drawing/2014/main" id="{D54BC962-494A-A134-67D9-36FACC7A7B00}"/>
+              </a:ext>
+            </a:extLst>
+          </p:cNvPr>
+          <p:cNvSpPr>
+            <a:spLocks noGrp="1"/>
+          </p:cNvSpPr>
+          <p:nvPr>
+            <p:ph type="title"/>
+          </p:nvPr>
+        </p:nvSpPr>
+        <p:spPr>
+          <a:xfrm>
+            <a:off x="0" y="0"/>
+            <a:ext cx="12192000" cy="1008000"/>
+          </a:xfrm>
+        </p:spPr>
+        <p:txBody>
+          <a:bodyPr>
+            <a:normAutofit/>
+          </a:bodyPr>
+          <a:lstStyle/>
+          <a:p>
+            <a:pPr algn="ctr"/>
+            <a:r>
+              <a:rPr lang="hu-HU" sz="5400" dirty="0">
+                <a:solidFill>
+                  <a:schemeClr val="bg1"/>
+                </a:solidFill>
+                <a:latin typeface="Times New Roman" panose="02020603050405020304" pitchFamily="18" charset="0"/>
+                <a:cs typeface="Times New Roman" panose="02020603050405020304" pitchFamily="18" charset="0"/>
+              </a:rPr>
+              <a:t>Test </a:t>
+            </a:r>
+            <a:r>
+              <a:rPr lang="hu-HU" sz="5400" dirty="0" err="1">
+                <a:solidFill>
+                  <a:schemeClr val="bg1"/>
+                </a:solidFill>
+                <a:latin typeface="Times New Roman" panose="02020603050405020304" pitchFamily="18" charset="0"/>
+                <a:cs typeface="Times New Roman" panose="02020603050405020304" pitchFamily="18" charset="0"/>
+              </a:rPr>
+              <a:t>selection</a:t>
+            </a:r>
+            <a:r>
+              <a:rPr lang="hu-HU" sz="5400" dirty="0">
+                <a:solidFill>
+                  <a:schemeClr val="bg1"/>
+                </a:solidFill>
+                <a:latin typeface="Times New Roman" panose="02020603050405020304" pitchFamily="18" charset="0"/>
+                <a:cs typeface="Times New Roman" panose="02020603050405020304" pitchFamily="18" charset="0"/>
+              </a:rPr>
+              <a:t> </a:t>
+            </a:r>
+            <a:r>
+              <a:rPr lang="hu-HU" sz="5400" dirty="0" err="1">
+                <a:solidFill>
+                  <a:schemeClr val="bg1"/>
+                </a:solidFill>
+                <a:latin typeface="Times New Roman" panose="02020603050405020304" pitchFamily="18" charset="0"/>
+                <a:cs typeface="Times New Roman" panose="02020603050405020304" pitchFamily="18" charset="0"/>
+              </a:rPr>
+              <a:t>interface</a:t>
+            </a:r>
+            <a:endParaRPr lang="hu-HU" sz="5400" dirty="0">
+              <a:solidFill>
+                <a:schemeClr val="bg1"/>
+              </a:solidFill>
+              <a:latin typeface="Times New Roman" panose="02020603050405020304" pitchFamily="18" charset="0"/>
+              <a:cs typeface="Times New Roman" panose="02020603050405020304" pitchFamily="18" charset="0"/>
+            </a:endParaRPr>
+          </a:p>
+        </p:txBody>
+      </p:sp>
+      <p:pic>
+        <p:nvPicPr>
+          <p:cNvPr id="4" name="Kép 3">
+            <a:extLst>
+              <a:ext uri="{FF2B5EF4-FFF2-40B4-BE49-F238E27FC236}">
+                <a16:creationId xmlns:a16="http://schemas.microsoft.com/office/drawing/2014/main" id="{20B10D2D-2DBC-4724-DDEB-E921CFA232E4}"/>
+              </a:ext>
+            </a:extLst>
+          </p:cNvPr>
+          <p:cNvPicPr>
+            <a:picLocks noChangeAspect="1"/>
+          </p:cNvPicPr>
+          <p:nvPr/>
+        </p:nvPicPr>
+        <p:blipFill>
+          <a:blip r:embed="rId3"/>
+          <a:stretch>
+            <a:fillRect/>
+          </a:stretch>
+        </p:blipFill>
+        <p:spPr>
+          <a:xfrm>
+            <a:off x="28304" y="882000"/>
+            <a:ext cx="12135391" cy="5976000"/>
+          </a:xfrm>
+          <a:prstGeom prst="rect">
+            <a:avLst/>
+          </a:prstGeom>
+        </p:spPr>
+      </p:pic>
+    </p:spTree>
+    <p:extLst>
+      <p:ext uri="{BB962C8B-B14F-4D97-AF65-F5344CB8AC3E}">
+        <p14:creationId xmlns:p14="http://schemas.microsoft.com/office/powerpoint/2010/main" val="3828372338"/>
+      </p:ext>
+    </p:extLst>
+  </p:cSld>
+  <p:clrMapOvr>
+    <a:masterClrMapping/>
+  </p:clrMapOvr>
+</p:sld>
+</file>
+
 <file path=ppt/slides/slide9.xml><?xml version="1.0" encoding="utf-8"?>
 <p:sld xmlns:a="http://schemas.openxmlformats.org/drawingml/2006/main" xmlns:r="http://schemas.openxmlformats.org/officeDocument/2006/relationships" xmlns:p="http://schemas.openxmlformats.org/presentationml/2006/main">
   <p:cSld>
@@ -7149,7 +7602,7 @@
         <p:cNvPr id="1" name="">
           <a:extLst>
             <a:ext uri="{FF2B5EF4-FFF2-40B4-BE49-F238E27FC236}">
-              <a16:creationId xmlns:a16="http://schemas.microsoft.com/office/drawing/2014/main" id="{02B777B2-8C30-C7FB-A37B-010F9F8830BA}"/>
+              <a16:creationId xmlns:a16="http://schemas.microsoft.com/office/drawing/2014/main" id="{5AAE7DE5-0CC2-33C8-A0B3-BFB06E1614AF}"/>
             </a:ext>
           </a:extLst>
         </p:cNvPr>
@@ -7169,7 +7622,7 @@
           <p:cNvPr id="2" name="Cím 1">
             <a:extLst>
               <a:ext uri="{FF2B5EF4-FFF2-40B4-BE49-F238E27FC236}">
-                <a16:creationId xmlns:a16="http://schemas.microsoft.com/office/drawing/2014/main" id="{F8F33CD4-8CD2-DDED-099E-67E8212898A0}"/>
+                <a16:creationId xmlns:a16="http://schemas.microsoft.com/office/drawing/2014/main" id="{F823BCCE-FC24-AA53-CE58-05296DBA086A}"/>
               </a:ext>
             </a:extLst>
           </p:cNvPr>
@@ -7201,17 +7654,94 @@
                 <a:latin typeface="Times New Roman" panose="02020603050405020304" pitchFamily="18" charset="0"/>
                 <a:cs typeface="Times New Roman" panose="02020603050405020304" pitchFamily="18" charset="0"/>
               </a:rPr>
-              <a:t>Újratervezett főoldal</a:t>
-            </a:r>
+              <a:t>Test </a:t>
+            </a:r>
+            <a:r>
+              <a:rPr lang="hu-HU" sz="5400" dirty="0" err="1">
+                <a:solidFill>
+                  <a:schemeClr val="bg1"/>
+                </a:solidFill>
+                <a:latin typeface="Times New Roman" panose="02020603050405020304" pitchFamily="18" charset="0"/>
+                <a:cs typeface="Times New Roman" panose="02020603050405020304" pitchFamily="18" charset="0"/>
+              </a:rPr>
+              <a:t>interface</a:t>
+            </a:r>
+            <a:r>
+              <a:rPr lang="hu-HU" sz="5400" dirty="0">
+                <a:solidFill>
+                  <a:schemeClr val="bg1"/>
+                </a:solidFill>
+                <a:latin typeface="Times New Roman" panose="02020603050405020304" pitchFamily="18" charset="0"/>
+                <a:cs typeface="Times New Roman" panose="02020603050405020304" pitchFamily="18" charset="0"/>
+              </a:rPr>
+              <a:t> </a:t>
+            </a:r>
+            <a:r>
+              <a:rPr lang="hu-HU" sz="5400" dirty="0" err="1">
+                <a:solidFill>
+                  <a:schemeClr val="bg1"/>
+                </a:solidFill>
+                <a:latin typeface="Times New Roman" panose="02020603050405020304" pitchFamily="18" charset="0"/>
+                <a:cs typeface="Times New Roman" panose="02020603050405020304" pitchFamily="18" charset="0"/>
+              </a:rPr>
+              <a:t>loaded</a:t>
+            </a:r>
+            <a:r>
+              <a:rPr lang="hu-HU" sz="5400" dirty="0">
+                <a:solidFill>
+                  <a:schemeClr val="bg1"/>
+                </a:solidFill>
+                <a:latin typeface="Times New Roman" panose="02020603050405020304" pitchFamily="18" charset="0"/>
+                <a:cs typeface="Times New Roman" panose="02020603050405020304" pitchFamily="18" charset="0"/>
+              </a:rPr>
+              <a:t> </a:t>
+            </a:r>
+            <a:r>
+              <a:rPr lang="hu-HU" sz="5400" dirty="0" err="1">
+                <a:solidFill>
+                  <a:schemeClr val="bg1"/>
+                </a:solidFill>
+                <a:latin typeface="Times New Roman" panose="02020603050405020304" pitchFamily="18" charset="0"/>
+                <a:cs typeface="Times New Roman" panose="02020603050405020304" pitchFamily="18" charset="0"/>
+              </a:rPr>
+              <a:t>from</a:t>
+            </a:r>
+            <a:r>
+              <a:rPr lang="hu-HU" sz="5400" dirty="0">
+                <a:solidFill>
+                  <a:schemeClr val="bg1"/>
+                </a:solidFill>
+                <a:latin typeface="Times New Roman" panose="02020603050405020304" pitchFamily="18" charset="0"/>
+                <a:cs typeface="Times New Roman" panose="02020603050405020304" pitchFamily="18" charset="0"/>
+              </a:rPr>
+              <a:t> </a:t>
+            </a:r>
+            <a:r>
+              <a:rPr lang="hu-HU" sz="5400" dirty="0" err="1">
+                <a:solidFill>
+                  <a:schemeClr val="bg1"/>
+                </a:solidFill>
+                <a:latin typeface="Times New Roman" panose="02020603050405020304" pitchFamily="18" charset="0"/>
+                <a:cs typeface="Times New Roman" panose="02020603050405020304" pitchFamily="18" charset="0"/>
+              </a:rPr>
+              <a:t>database</a:t>
+            </a:r>
+            <a:endParaRPr lang="hu-HU" sz="5400" dirty="0">
+              <a:solidFill>
+                <a:schemeClr val="bg1"/>
+              </a:solidFill>
+              <a:latin typeface="Times New Roman" panose="02020603050405020304" pitchFamily="18" charset="0"/>
+              <a:cs typeface="Times New Roman" panose="02020603050405020304" pitchFamily="18" charset="0"/>
+            </a:endParaRPr>
           </a:p>
         </p:txBody>
       </p:sp>
       <p:pic>
         <p:nvPicPr>
-          <p:cNvPr id="5" name="Kép 4" descr="A képen szöveg, képernyőkép, diagram, Téglalap látható&#10;&#10;Automatikusan generált leírás">
-            <a:extLst>
-              <a:ext uri="{FF2B5EF4-FFF2-40B4-BE49-F238E27FC236}">
-                <a16:creationId xmlns:a16="http://schemas.microsoft.com/office/drawing/2014/main" id="{318F7566-8FF3-FB90-5CB0-F082C26EC53E}"/>
+          <p:cNvPr id="5" name="Kép 4">
+            <a:extLst>
+              <a:ext uri="{FF2B5EF4-FFF2-40B4-BE49-F238E27FC236}">
+                <a16:creationId xmlns:a16="http://schemas.microsoft.com/office/drawing/2014/main" id="{8961180F-7949-D0D0-36FD-0D42A519B58A}"/>
               </a:ext>
             </a:extLst>
           </p:cNvPr>
@@ -7221,21 +7751,15 @@
           <p:nvPr/>
         </p:nvPicPr>
         <p:blipFill>
-          <a:blip r:embed="rId3">
-            <a:extLst>
-              <a:ext uri="{28A0092B-C50C-407E-A947-70E740481C1C}">
-                <a14:useLocalDpi xmlns:a14="http://schemas.microsoft.com/office/drawing/2010/main" val="0"/>
-              </a:ext>
-            </a:extLst>
-          </a:blip>
+          <a:blip r:embed="rId3"/>
           <a:stretch>
             <a:fillRect/>
           </a:stretch>
         </p:blipFill>
         <p:spPr>
           <a:xfrm>
-            <a:off x="455030" y="882000"/>
-            <a:ext cx="11281940" cy="5976000"/>
+            <a:off x="21877" y="882000"/>
+            <a:ext cx="12148245" cy="5976000"/>
           </a:xfrm>
           <a:prstGeom prst="rect">
             <a:avLst/>
@@ -7245,7 +7769,7 @@
     </p:spTree>
     <p:extLst>
       <p:ext uri="{BB962C8B-B14F-4D97-AF65-F5344CB8AC3E}">
-        <p14:creationId xmlns:p14="http://schemas.microsoft.com/office/powerpoint/2010/main" val="636208272"/>
+        <p14:creationId xmlns:p14="http://schemas.microsoft.com/office/powerpoint/2010/main" val="1536641983"/>
       </p:ext>
     </p:extLst>
   </p:cSld>
